--- a/Regex.pptx
+++ b/Regex.pptx
@@ -5,7 +5,7 @@
     <p:sldMasterId id="2147483660" r:id="rId1"/>
   </p:sldMasterIdLst>
   <p:notesMasterIdLst>
-    <p:notesMasterId r:id="rId21"/>
+    <p:notesMasterId r:id="rId22"/>
   </p:notesMasterIdLst>
   <p:sldIdLst>
     <p:sldId id="261" r:id="rId2"/>
@@ -27,6 +27,7 @@
     <p:sldId id="275" r:id="rId18"/>
     <p:sldId id="276" r:id="rId19"/>
     <p:sldId id="277" r:id="rId20"/>
+    <p:sldId id="278" r:id="rId21"/>
   </p:sldIdLst>
   <p:sldSz cx="9144000" cy="6858000" type="screen4x3"/>
   <p:notesSz cx="6858000" cy="9144000"/>
@@ -210,7 +211,7 @@
           <a:p>
             <a:fld id="{B7F36361-B94A-4DD1-BEB8-3AADA4CC471A}" type="datetimeFigureOut">
               <a:rPr lang="de-AT" smtClean="0"/>
-              <a:t>07.04.2015</a:t>
+              <a:t>08.04.2015</a:t>
             </a:fld>
             <a:endParaRPr lang="de-AT"/>
           </a:p>
@@ -11710,6 +11711,344 @@
     <p:extLst>
       <p:ext uri="{BB962C8B-B14F-4D97-AF65-F5344CB8AC3E}">
         <p14:creationId xmlns:p14="http://schemas.microsoft.com/office/powerpoint/2010/main" val="1884234734"/>
+      </p:ext>
+    </p:extLst>
+  </p:cSld>
+  <p:clrMapOvr>
+    <a:masterClrMapping/>
+  </p:clrMapOvr>
+</p:sld>
+</file>
+
+<file path=ppt/slides/slide20.xml><?xml version="1.0" encoding="utf-8"?>
+<p:sld xmlns:a="http://schemas.openxmlformats.org/drawingml/2006/main" xmlns:r="http://schemas.openxmlformats.org/officeDocument/2006/relationships" xmlns:p="http://schemas.openxmlformats.org/presentationml/2006/main">
+  <p:cSld>
+    <p:spTree>
+      <p:nvGrpSpPr>
+        <p:cNvPr id="1" name=""/>
+        <p:cNvGrpSpPr/>
+        <p:nvPr/>
+      </p:nvGrpSpPr>
+      <p:grpSpPr>
+        <a:xfrm>
+          <a:off x="0" y="0"/>
+          <a:ext cx="0" cy="0"/>
+          <a:chOff x="0" y="0"/>
+          <a:chExt cx="0" cy="0"/>
+        </a:xfrm>
+      </p:grpSpPr>
+      <p:sp>
+        <p:nvSpPr>
+          <p:cNvPr id="2" name="Titel 1"/>
+          <p:cNvSpPr>
+            <a:spLocks noGrp="1"/>
+          </p:cNvSpPr>
+          <p:nvPr>
+            <p:ph type="title"/>
+          </p:nvPr>
+        </p:nvSpPr>
+        <p:spPr/>
+        <p:txBody>
+          <a:bodyPr/>
+          <a:lstStyle/>
+          <a:p>
+            <a:r>
+              <a:rPr lang="en-US" dirty="0" err="1" smtClean="0"/>
+              <a:t>Quellen</a:t>
+            </a:r>
+            <a:r>
+              <a:rPr lang="en-US" dirty="0" smtClean="0"/>
+              <a:t> / </a:t>
+            </a:r>
+            <a:r>
+              <a:rPr lang="en-US" dirty="0" err="1" smtClean="0"/>
+              <a:t>Literaturtipps</a:t>
+            </a:r>
+            <a:endParaRPr lang="de-AT" dirty="0"/>
+          </a:p>
+        </p:txBody>
+      </p:sp>
+      <p:sp>
+        <p:nvSpPr>
+          <p:cNvPr id="3" name="Datumsplatzhalter 2"/>
+          <p:cNvSpPr>
+            <a:spLocks noGrp="1"/>
+          </p:cNvSpPr>
+          <p:nvPr>
+            <p:ph type="dt" sz="half" idx="10"/>
+          </p:nvPr>
+        </p:nvSpPr>
+        <p:spPr/>
+        <p:txBody>
+          <a:bodyPr/>
+          <a:lstStyle/>
+          <a:p>
+            <a:r>
+              <a:rPr lang="de-AT" smtClean="0"/>
+              <a:t>Regex - Stefan Huber</a:t>
+            </a:r>
+            <a:endParaRPr lang="de-AT"/>
+          </a:p>
+        </p:txBody>
+      </p:sp>
+      <p:sp>
+        <p:nvSpPr>
+          <p:cNvPr id="4" name="Foliennummernplatzhalter 3"/>
+          <p:cNvSpPr>
+            <a:spLocks noGrp="1"/>
+          </p:cNvSpPr>
+          <p:nvPr>
+            <p:ph type="sldNum" sz="quarter" idx="12"/>
+          </p:nvPr>
+        </p:nvSpPr>
+        <p:spPr/>
+        <p:txBody>
+          <a:bodyPr/>
+          <a:lstStyle/>
+          <a:p>
+            <a:fld id="{8EAD676A-C7A8-4218-B78E-F87D87864F23}" type="slidenum">
+              <a:rPr lang="de-AT" smtClean="0"/>
+              <a:t>20</a:t>
+            </a:fld>
+            <a:endParaRPr lang="de-AT"/>
+          </a:p>
+        </p:txBody>
+      </p:sp>
+      <p:sp>
+        <p:nvSpPr>
+          <p:cNvPr id="5" name="Inhaltsplatzhalter 4"/>
+          <p:cNvSpPr>
+            <a:spLocks noGrp="1"/>
+          </p:cNvSpPr>
+          <p:nvPr>
+            <p:ph sz="quarter" idx="1"/>
+          </p:nvPr>
+        </p:nvSpPr>
+        <p:spPr/>
+        <p:txBody>
+          <a:bodyPr/>
+          <a:lstStyle/>
+          <a:p>
+            <a:r>
+              <a:rPr lang="en-US" dirty="0" smtClean="0"/>
+              <a:t>Link: </a:t>
+            </a:r>
+            <a:r>
+              <a:rPr lang="en-US" dirty="0" smtClean="0">
+                <a:hlinkClick r:id="rId2"/>
+              </a:rPr>
+              <a:t>http://www.regular-expressions.info</a:t>
+            </a:r>
+            <a:endParaRPr lang="en-US" dirty="0" smtClean="0"/>
+          </a:p>
+          <a:p>
+            <a:r>
+              <a:rPr lang="en-US" dirty="0" smtClean="0"/>
+              <a:t>Link: </a:t>
+            </a:r>
+            <a:r>
+              <a:rPr lang="en-US" dirty="0" smtClean="0">
+                <a:hlinkClick r:id="rId3"/>
+              </a:rPr>
+              <a:t>http://www.rexegg.com</a:t>
+            </a:r>
+            <a:endParaRPr lang="en-US" dirty="0" smtClean="0"/>
+          </a:p>
+          <a:p>
+            <a:r>
+              <a:rPr lang="en-US" dirty="0" err="1"/>
+              <a:t>Buch</a:t>
+            </a:r>
+            <a:r>
+              <a:rPr lang="en-US" dirty="0"/>
+              <a:t> </a:t>
+            </a:r>
+            <a:r>
+              <a:rPr lang="en-US" dirty="0" smtClean="0"/>
+              <a:t>(</a:t>
+            </a:r>
+            <a:r>
+              <a:rPr lang="en-US" dirty="0" err="1" smtClean="0"/>
+              <a:t>Einführung</a:t>
+            </a:r>
+            <a:r>
+              <a:rPr lang="en-US" dirty="0" smtClean="0"/>
+              <a:t>): Introducing Regular Expressions – Michael Fitzgerald </a:t>
+            </a:r>
+          </a:p>
+          <a:p>
+            <a:r>
+              <a:rPr lang="en-US" dirty="0" err="1" smtClean="0"/>
+              <a:t>Buch</a:t>
+            </a:r>
+            <a:r>
+              <a:rPr lang="en-US" dirty="0" smtClean="0"/>
+              <a:t> (</a:t>
+            </a:r>
+            <a:r>
+              <a:rPr lang="en-US" dirty="0" err="1" smtClean="0"/>
+              <a:t>Fortgeschrittene</a:t>
+            </a:r>
+            <a:r>
+              <a:rPr lang="en-US" dirty="0" smtClean="0"/>
+              <a:t>): </a:t>
+            </a:r>
+            <a:r>
+              <a:rPr lang="en-US" dirty="0" err="1" smtClean="0"/>
+              <a:t>Reguläre</a:t>
+            </a:r>
+            <a:r>
+              <a:rPr lang="en-US" dirty="0" smtClean="0"/>
+              <a:t> </a:t>
+            </a:r>
+            <a:r>
+              <a:rPr lang="en-US" dirty="0" err="1" smtClean="0"/>
+              <a:t>Ausdrücke</a:t>
+            </a:r>
+            <a:r>
+              <a:rPr lang="en-US" dirty="0" smtClean="0"/>
+              <a:t> – Jeffrey E. F. </a:t>
+            </a:r>
+            <a:r>
+              <a:rPr lang="en-US" dirty="0" err="1" smtClean="0"/>
+              <a:t>Friedel</a:t>
+            </a:r>
+            <a:endParaRPr lang="en-US" dirty="0" smtClean="0"/>
+          </a:p>
+        </p:txBody>
+      </p:sp>
+      <p:pic>
+        <p:nvPicPr>
+          <p:cNvPr id="1026" name="Picture 2"/>
+          <p:cNvPicPr>
+            <a:picLocks noChangeAspect="1" noChangeArrowheads="1"/>
+          </p:cNvPicPr>
+          <p:nvPr/>
+        </p:nvPicPr>
+        <p:blipFill>
+          <a:blip r:embed="rId4">
+            <a:extLst>
+              <a:ext uri="{28A0092B-C50C-407E-A947-70E740481C1C}">
+                <a14:useLocalDpi xmlns:a14="http://schemas.microsoft.com/office/drawing/2010/main" val="0"/>
+              </a:ext>
+            </a:extLst>
+          </a:blip>
+          <a:srcRect/>
+          <a:stretch>
+            <a:fillRect/>
+          </a:stretch>
+        </p:blipFill>
+        <p:spPr bwMode="auto">
+          <a:xfrm>
+            <a:off x="671708" y="4149080"/>
+            <a:ext cx="1420953" cy="1841773"/>
+          </a:xfrm>
+          <a:prstGeom prst="rect">
+            <a:avLst/>
+          </a:prstGeom>
+          <a:noFill/>
+          <a:ln>
+            <a:noFill/>
+          </a:ln>
+          <a:effectLst/>
+          <a:extLst>
+            <a:ext uri="{909E8E84-426E-40DD-AFC4-6F175D3DCCD1}">
+              <a14:hiddenFill xmlns:a14="http://schemas.microsoft.com/office/drawing/2010/main">
+                <a:solidFill>
+                  <a:schemeClr val="accent1"/>
+                </a:solidFill>
+              </a14:hiddenFill>
+            </a:ext>
+            <a:ext uri="{91240B29-F687-4F45-9708-019B960494DF}">
+              <a14:hiddenLine xmlns:a14="http://schemas.microsoft.com/office/drawing/2010/main" w="9525">
+                <a:solidFill>
+                  <a:schemeClr val="tx1"/>
+                </a:solidFill>
+                <a:miter lim="800000"/>
+                <a:headEnd/>
+                <a:tailEnd/>
+              </a14:hiddenLine>
+            </a:ext>
+            <a:ext uri="{AF507438-7753-43E0-B8FC-AC1667EBCBE1}">
+              <a14:hiddenEffects xmlns:a14="http://schemas.microsoft.com/office/drawing/2010/main">
+                <a:effectLst>
+                  <a:outerShdw dist="35921" dir="2700000" algn="ctr" rotWithShape="0">
+                    <a:schemeClr val="bg2"/>
+                  </a:outerShdw>
+                </a:effectLst>
+              </a14:hiddenEffects>
+            </a:ext>
+          </a:extLst>
+        </p:spPr>
+      </p:pic>
+      <p:pic>
+        <p:nvPicPr>
+          <p:cNvPr id="1027" name="Picture 3"/>
+          <p:cNvPicPr>
+            <a:picLocks noChangeAspect="1" noChangeArrowheads="1"/>
+          </p:cNvPicPr>
+          <p:nvPr/>
+        </p:nvPicPr>
+        <p:blipFill>
+          <a:blip r:embed="rId5">
+            <a:extLst>
+              <a:ext uri="{28A0092B-C50C-407E-A947-70E740481C1C}">
+                <a14:useLocalDpi xmlns:a14="http://schemas.microsoft.com/office/drawing/2010/main" val="0"/>
+              </a:ext>
+            </a:extLst>
+          </a:blip>
+          <a:srcRect/>
+          <a:stretch>
+            <a:fillRect/>
+          </a:stretch>
+        </p:blipFill>
+        <p:spPr bwMode="auto">
+          <a:xfrm>
+            <a:off x="2411760" y="4159678"/>
+            <a:ext cx="1412777" cy="1831176"/>
+          </a:xfrm>
+          <a:prstGeom prst="rect">
+            <a:avLst/>
+          </a:prstGeom>
+          <a:noFill/>
+          <a:ln>
+            <a:noFill/>
+          </a:ln>
+          <a:effectLst/>
+          <a:extLst>
+            <a:ext uri="{909E8E84-426E-40DD-AFC4-6F175D3DCCD1}">
+              <a14:hiddenFill xmlns:a14="http://schemas.microsoft.com/office/drawing/2010/main">
+                <a:solidFill>
+                  <a:schemeClr val="accent1"/>
+                </a:solidFill>
+              </a14:hiddenFill>
+            </a:ext>
+            <a:ext uri="{91240B29-F687-4F45-9708-019B960494DF}">
+              <a14:hiddenLine xmlns:a14="http://schemas.microsoft.com/office/drawing/2010/main" w="9525">
+                <a:solidFill>
+                  <a:schemeClr val="tx1"/>
+                </a:solidFill>
+                <a:miter lim="800000"/>
+                <a:headEnd/>
+                <a:tailEnd/>
+              </a14:hiddenLine>
+            </a:ext>
+            <a:ext uri="{AF507438-7753-43E0-B8FC-AC1667EBCBE1}">
+              <a14:hiddenEffects xmlns:a14="http://schemas.microsoft.com/office/drawing/2010/main">
+                <a:effectLst>
+                  <a:outerShdw dist="35921" dir="2700000" algn="ctr" rotWithShape="0">
+                    <a:schemeClr val="bg2"/>
+                  </a:outerShdw>
+                </a:effectLst>
+              </a14:hiddenEffects>
+            </a:ext>
+          </a:extLst>
+        </p:spPr>
+      </p:pic>
+    </p:spTree>
+    <p:extLst>
+      <p:ext uri="{BB962C8B-B14F-4D97-AF65-F5344CB8AC3E}">
+        <p14:creationId xmlns:p14="http://schemas.microsoft.com/office/powerpoint/2010/main" val="84194198"/>
       </p:ext>
     </p:extLst>
   </p:cSld>

--- a/Regex.pptx
+++ b/Regex.pptx
@@ -5,7 +5,7 @@
     <p:sldMasterId id="2147483660" r:id="rId1"/>
   </p:sldMasterIdLst>
   <p:notesMasterIdLst>
-    <p:notesMasterId r:id="rId22"/>
+    <p:notesMasterId r:id="rId23"/>
   </p:notesMasterIdLst>
   <p:sldIdLst>
     <p:sldId id="261" r:id="rId2"/>
@@ -14,20 +14,21 @@
     <p:sldId id="262" r:id="rId5"/>
     <p:sldId id="263" r:id="rId6"/>
     <p:sldId id="264" r:id="rId7"/>
-    <p:sldId id="265" r:id="rId8"/>
-    <p:sldId id="266" r:id="rId9"/>
-    <p:sldId id="267" r:id="rId10"/>
-    <p:sldId id="268" r:id="rId11"/>
-    <p:sldId id="269" r:id="rId12"/>
-    <p:sldId id="270" r:id="rId13"/>
-    <p:sldId id="271" r:id="rId14"/>
-    <p:sldId id="272" r:id="rId15"/>
-    <p:sldId id="273" r:id="rId16"/>
-    <p:sldId id="274" r:id="rId17"/>
-    <p:sldId id="275" r:id="rId18"/>
-    <p:sldId id="276" r:id="rId19"/>
-    <p:sldId id="277" r:id="rId20"/>
-    <p:sldId id="278" r:id="rId21"/>
+    <p:sldId id="279" r:id="rId8"/>
+    <p:sldId id="265" r:id="rId9"/>
+    <p:sldId id="266" r:id="rId10"/>
+    <p:sldId id="267" r:id="rId11"/>
+    <p:sldId id="268" r:id="rId12"/>
+    <p:sldId id="269" r:id="rId13"/>
+    <p:sldId id="270" r:id="rId14"/>
+    <p:sldId id="271" r:id="rId15"/>
+    <p:sldId id="272" r:id="rId16"/>
+    <p:sldId id="273" r:id="rId17"/>
+    <p:sldId id="274" r:id="rId18"/>
+    <p:sldId id="275" r:id="rId19"/>
+    <p:sldId id="276" r:id="rId20"/>
+    <p:sldId id="277" r:id="rId21"/>
+    <p:sldId id="278" r:id="rId22"/>
   </p:sldIdLst>
   <p:sldSz cx="9144000" cy="6858000" type="screen4x3"/>
   <p:notesSz cx="6858000" cy="9144000"/>
@@ -4240,10 +4241,1762 @@
   <p:clrMapOvr>
     <a:masterClrMapping/>
   </p:clrMapOvr>
+  <p:timing>
+    <p:tnLst>
+      <p:par>
+        <p:cTn id="1" dur="indefinite" restart="never" nodeType="tmRoot"/>
+      </p:par>
+    </p:tnLst>
+  </p:timing>
 </p:sld>
 </file>
 
 <file path=ppt/slides/slide10.xml><?xml version="1.0" encoding="utf-8"?>
+<p:sld xmlns:a="http://schemas.openxmlformats.org/drawingml/2006/main" xmlns:r="http://schemas.openxmlformats.org/officeDocument/2006/relationships" xmlns:p="http://schemas.openxmlformats.org/presentationml/2006/main">
+  <p:cSld>
+    <p:spTree>
+      <p:nvGrpSpPr>
+        <p:cNvPr id="1" name=""/>
+        <p:cNvGrpSpPr/>
+        <p:nvPr/>
+      </p:nvGrpSpPr>
+      <p:grpSpPr>
+        <a:xfrm>
+          <a:off x="0" y="0"/>
+          <a:ext cx="0" cy="0"/>
+          <a:chOff x="0" y="0"/>
+          <a:chExt cx="0" cy="0"/>
+        </a:xfrm>
+      </p:grpSpPr>
+      <p:sp>
+        <p:nvSpPr>
+          <p:cNvPr id="2" name="Titel 1"/>
+          <p:cNvSpPr>
+            <a:spLocks noGrp="1"/>
+          </p:cNvSpPr>
+          <p:nvPr>
+            <p:ph type="title"/>
+          </p:nvPr>
+        </p:nvSpPr>
+        <p:spPr/>
+        <p:txBody>
+          <a:bodyPr/>
+          <a:lstStyle/>
+          <a:p>
+            <a:r>
+              <a:rPr lang="en-US" dirty="0" err="1" smtClean="0"/>
+              <a:t>Spezielle</a:t>
+            </a:r>
+            <a:r>
+              <a:rPr lang="en-US" dirty="0" smtClean="0"/>
+              <a:t> </a:t>
+            </a:r>
+            <a:r>
+              <a:rPr lang="en-US" dirty="0" err="1" smtClean="0"/>
+              <a:t>Zeichenklassen</a:t>
+            </a:r>
+            <a:endParaRPr lang="de-AT" dirty="0"/>
+          </a:p>
+        </p:txBody>
+      </p:sp>
+      <p:graphicFrame>
+        <p:nvGraphicFramePr>
+          <p:cNvPr id="4" name="Inhaltsplatzhalter 3"/>
+          <p:cNvGraphicFramePr>
+            <a:graphicFrameLocks noGrp="1"/>
+          </p:cNvGraphicFramePr>
+          <p:nvPr>
+            <p:ph sz="quarter" idx="1"/>
+            <p:extLst>
+              <p:ext uri="{D42A27DB-BD31-4B8C-83A1-F6EECF244321}">
+                <p14:modId xmlns:p14="http://schemas.microsoft.com/office/powerpoint/2010/main" val="1566150656"/>
+              </p:ext>
+            </p:extLst>
+          </p:nvPr>
+        </p:nvGraphicFramePr>
+        <p:xfrm>
+          <a:off x="457200" y="1219200"/>
+          <a:ext cx="8229600" cy="4935334"/>
+        </p:xfrm>
+        <a:graphic>
+          <a:graphicData uri="http://schemas.openxmlformats.org/drawingml/2006/table">
+            <a:tbl>
+              <a:tblPr firstRow="1" bandRow="1">
+                <a:tableStyleId>{5C22544A-7EE6-4342-B048-85BDC9FD1C3A}</a:tableStyleId>
+              </a:tblPr>
+              <a:tblGrid>
+                <a:gridCol w="2743200"/>
+                <a:gridCol w="2743200"/>
+                <a:gridCol w="2743200"/>
+              </a:tblGrid>
+              <a:tr h="370840">
+                <a:tc>
+                  <a:txBody>
+                    <a:bodyPr/>
+                    <a:lstStyle/>
+                    <a:p>
+                      <a:pPr marL="0" marR="0" lvl="0" indent="0" algn="l" defTabSz="457200" rtl="0" eaLnBrk="1" fontAlgn="base" latinLnBrk="0" hangingPunct="1">
+                        <a:lnSpc>
+                          <a:spcPct val="98000"/>
+                        </a:lnSpc>
+                        <a:spcBef>
+                          <a:spcPct val="0"/>
+                        </a:spcBef>
+                        <a:spcAft>
+                          <a:spcPct val="0"/>
+                        </a:spcAft>
+                        <a:buClrTx/>
+                        <a:buSzPct val="100000"/>
+                        <a:buFontTx/>
+                        <a:buNone/>
+                        <a:tabLst>
+                          <a:tab pos="0" algn="l"/>
+                          <a:tab pos="914400" algn="l"/>
+                          <a:tab pos="1828800" algn="l"/>
+                          <a:tab pos="2743200" algn="l"/>
+                          <a:tab pos="3657600" algn="l"/>
+                          <a:tab pos="4572000" algn="l"/>
+                          <a:tab pos="5486400" algn="l"/>
+                          <a:tab pos="6400800" algn="l"/>
+                          <a:tab pos="7315200" algn="l"/>
+                          <a:tab pos="8229600" algn="l"/>
+                          <a:tab pos="9144000" algn="l"/>
+                          <a:tab pos="10058400" algn="l"/>
+                        </a:tabLst>
+                      </a:pPr>
+                      <a:r>
+                        <a:rPr kumimoji="0" lang="en-US" altLang="x-none" sz="1800" u="none" strike="noStrike" cap="none" normalizeH="0" baseline="0" dirty="0" err="1" smtClean="0">
+                          <a:ln>
+                            <a:noFill/>
+                          </a:ln>
+                          <a:effectLst/>
+                        </a:rPr>
+                        <a:t>Zeichen</a:t>
+                      </a:r>
+                      <a:endParaRPr kumimoji="0" lang="en-US" altLang="x-none" sz="1800" b="1" i="0" u="none" strike="noStrike" cap="none" normalizeH="0" baseline="0" dirty="0" smtClean="0">
+                        <a:ln>
+                          <a:noFill/>
+                        </a:ln>
+                        <a:solidFill>
+                          <a:srgbClr val="FFFFFF"/>
+                        </a:solidFill>
+                        <a:effectLst/>
+                        <a:latin typeface="Arial Unicode MS" pitchFamily="32" charset="0"/>
+                        <a:ea typeface="Arial Unicode MS" pitchFamily="32" charset="0"/>
+                        <a:cs typeface="Arial Unicode MS" pitchFamily="32" charset="0"/>
+                      </a:endParaRPr>
+                    </a:p>
+                  </a:txBody>
+                  <a:tcPr marL="90000" marR="90000" marT="51336" marB="46800" anchor="ctr" horzOverflow="overflow"/>
+                </a:tc>
+                <a:tc>
+                  <a:txBody>
+                    <a:bodyPr/>
+                    <a:lstStyle/>
+                    <a:p>
+                      <a:pPr marL="0" marR="0" lvl="0" indent="0" algn="l" defTabSz="457200" rtl="0" eaLnBrk="1" fontAlgn="base" latinLnBrk="0" hangingPunct="1">
+                        <a:lnSpc>
+                          <a:spcPct val="98000"/>
+                        </a:lnSpc>
+                        <a:spcBef>
+                          <a:spcPct val="0"/>
+                        </a:spcBef>
+                        <a:spcAft>
+                          <a:spcPct val="0"/>
+                        </a:spcAft>
+                        <a:buClrTx/>
+                        <a:buSzPct val="100000"/>
+                        <a:buFontTx/>
+                        <a:buNone/>
+                        <a:tabLst>
+                          <a:tab pos="0" algn="l"/>
+                          <a:tab pos="914400" algn="l"/>
+                          <a:tab pos="1828800" algn="l"/>
+                          <a:tab pos="2743200" algn="l"/>
+                          <a:tab pos="3657600" algn="l"/>
+                          <a:tab pos="4572000" algn="l"/>
+                          <a:tab pos="5486400" algn="l"/>
+                          <a:tab pos="6400800" algn="l"/>
+                          <a:tab pos="7315200" algn="l"/>
+                          <a:tab pos="8229600" algn="l"/>
+                          <a:tab pos="9144000" algn="l"/>
+                          <a:tab pos="10058400" algn="l"/>
+                        </a:tabLst>
+                      </a:pPr>
+                      <a:r>
+                        <a:rPr kumimoji="0" lang="en-US" altLang="x-none" sz="1800" u="none" strike="noStrike" cap="none" normalizeH="0" baseline="0" smtClean="0">
+                          <a:ln>
+                            <a:noFill/>
+                          </a:ln>
+                          <a:effectLst/>
+                        </a:rPr>
+                        <a:t>Bedeutung</a:t>
+                      </a:r>
+                      <a:endParaRPr kumimoji="0" lang="en-US" altLang="x-none" sz="1800" b="1" i="0" u="none" strike="noStrike" cap="none" normalizeH="0" baseline="0" smtClean="0">
+                        <a:ln>
+                          <a:noFill/>
+                        </a:ln>
+                        <a:solidFill>
+                          <a:srgbClr val="FFFFFF"/>
+                        </a:solidFill>
+                        <a:effectLst/>
+                        <a:latin typeface="Arial Unicode MS" pitchFamily="32" charset="0"/>
+                        <a:ea typeface="Arial Unicode MS" pitchFamily="32" charset="0"/>
+                        <a:cs typeface="Arial Unicode MS" pitchFamily="32" charset="0"/>
+                      </a:endParaRPr>
+                    </a:p>
+                  </a:txBody>
+                  <a:tcPr marL="90000" marR="90000" marT="51336" marB="46800" anchor="ctr" horzOverflow="overflow"/>
+                </a:tc>
+                <a:tc>
+                  <a:txBody>
+                    <a:bodyPr/>
+                    <a:lstStyle/>
+                    <a:p>
+                      <a:pPr marL="0" marR="0" lvl="0" indent="0" algn="l" defTabSz="457200" rtl="0" eaLnBrk="1" fontAlgn="base" latinLnBrk="0" hangingPunct="1">
+                        <a:lnSpc>
+                          <a:spcPct val="98000"/>
+                        </a:lnSpc>
+                        <a:spcBef>
+                          <a:spcPct val="0"/>
+                        </a:spcBef>
+                        <a:spcAft>
+                          <a:spcPct val="0"/>
+                        </a:spcAft>
+                        <a:buClrTx/>
+                        <a:buSzPct val="100000"/>
+                        <a:buFontTx/>
+                        <a:buNone/>
+                        <a:tabLst>
+                          <a:tab pos="0" algn="l"/>
+                          <a:tab pos="914400" algn="l"/>
+                          <a:tab pos="1828800" algn="l"/>
+                          <a:tab pos="2743200" algn="l"/>
+                          <a:tab pos="3657600" algn="l"/>
+                          <a:tab pos="4572000" algn="l"/>
+                          <a:tab pos="5486400" algn="l"/>
+                          <a:tab pos="6400800" algn="l"/>
+                          <a:tab pos="7315200" algn="l"/>
+                          <a:tab pos="8229600" algn="l"/>
+                          <a:tab pos="9144000" algn="l"/>
+                          <a:tab pos="10058400" algn="l"/>
+                        </a:tabLst>
+                      </a:pPr>
+                      <a:r>
+                        <a:rPr kumimoji="0" lang="en-US" altLang="x-none" sz="1800" u="none" strike="noStrike" cap="none" normalizeH="0" baseline="0" smtClean="0">
+                          <a:ln>
+                            <a:noFill/>
+                          </a:ln>
+                          <a:effectLst/>
+                        </a:rPr>
+                        <a:t>Alternative</a:t>
+                      </a:r>
+                      <a:endParaRPr kumimoji="0" lang="en-US" altLang="x-none" sz="1800" b="1" i="0" u="none" strike="noStrike" cap="none" normalizeH="0" baseline="0" smtClean="0">
+                        <a:ln>
+                          <a:noFill/>
+                        </a:ln>
+                        <a:solidFill>
+                          <a:srgbClr val="FFFFFF"/>
+                        </a:solidFill>
+                        <a:effectLst/>
+                        <a:latin typeface="Arial Unicode MS" pitchFamily="32" charset="0"/>
+                        <a:ea typeface="Arial Unicode MS" pitchFamily="32" charset="0"/>
+                        <a:cs typeface="Arial Unicode MS" pitchFamily="32" charset="0"/>
+                      </a:endParaRPr>
+                    </a:p>
+                  </a:txBody>
+                  <a:tcPr marL="90000" marR="90000" marT="51336" marB="46800" anchor="ctr" horzOverflow="overflow"/>
+                </a:tc>
+              </a:tr>
+              <a:tr h="370840">
+                <a:tc>
+                  <a:txBody>
+                    <a:bodyPr/>
+                    <a:lstStyle/>
+                    <a:p>
+                      <a:pPr marL="0" marR="0" lvl="0" indent="0" algn="l" defTabSz="457200" rtl="0" eaLnBrk="1" fontAlgn="base" latinLnBrk="0" hangingPunct="1">
+                        <a:lnSpc>
+                          <a:spcPct val="98000"/>
+                        </a:lnSpc>
+                        <a:spcBef>
+                          <a:spcPct val="0"/>
+                        </a:spcBef>
+                        <a:spcAft>
+                          <a:spcPct val="0"/>
+                        </a:spcAft>
+                        <a:buClrTx/>
+                        <a:buSzPct val="100000"/>
+                        <a:buFontTx/>
+                        <a:buNone/>
+                        <a:tabLst>
+                          <a:tab pos="0" algn="l"/>
+                          <a:tab pos="914400" algn="l"/>
+                          <a:tab pos="1828800" algn="l"/>
+                          <a:tab pos="2743200" algn="l"/>
+                          <a:tab pos="3657600" algn="l"/>
+                          <a:tab pos="4572000" algn="l"/>
+                          <a:tab pos="5486400" algn="l"/>
+                          <a:tab pos="6400800" algn="l"/>
+                          <a:tab pos="7315200" algn="l"/>
+                          <a:tab pos="8229600" algn="l"/>
+                          <a:tab pos="9144000" algn="l"/>
+                          <a:tab pos="10058400" algn="l"/>
+                        </a:tabLst>
+                      </a:pPr>
+                      <a:r>
+                        <a:rPr kumimoji="0" lang="en-US" altLang="x-none" sz="1800" u="none" strike="noStrike" cap="none" normalizeH="0" baseline="0" smtClean="0">
+                          <a:ln>
+                            <a:noFill/>
+                          </a:ln>
+                          <a:effectLst/>
+                        </a:rPr>
+                        <a:t>\d</a:t>
+                      </a:r>
+                      <a:endParaRPr kumimoji="0" lang="en-US" altLang="x-none" sz="1800" b="0" i="0" u="none" strike="noStrike" cap="none" normalizeH="0" baseline="0" smtClean="0">
+                        <a:ln>
+                          <a:noFill/>
+                        </a:ln>
+                        <a:solidFill>
+                          <a:srgbClr val="000000"/>
+                        </a:solidFill>
+                        <a:effectLst/>
+                        <a:latin typeface="Arial Unicode MS" pitchFamily="32" charset="0"/>
+                        <a:ea typeface="Arial Unicode MS" pitchFamily="32" charset="0"/>
+                        <a:cs typeface="Arial Unicode MS" pitchFamily="32" charset="0"/>
+                      </a:endParaRPr>
+                    </a:p>
+                  </a:txBody>
+                  <a:tcPr marL="90000" marR="90000" marT="51336" marB="46800" anchor="ctr" horzOverflow="overflow"/>
+                </a:tc>
+                <a:tc>
+                  <a:txBody>
+                    <a:bodyPr/>
+                    <a:lstStyle/>
+                    <a:p>
+                      <a:pPr marL="0" marR="0" lvl="0" indent="0" algn="l" defTabSz="457200" rtl="0" eaLnBrk="1" fontAlgn="base" latinLnBrk="0" hangingPunct="1">
+                        <a:lnSpc>
+                          <a:spcPct val="98000"/>
+                        </a:lnSpc>
+                        <a:spcBef>
+                          <a:spcPct val="0"/>
+                        </a:spcBef>
+                        <a:spcAft>
+                          <a:spcPct val="0"/>
+                        </a:spcAft>
+                        <a:buClrTx/>
+                        <a:buSzPct val="100000"/>
+                        <a:buFontTx/>
+                        <a:buNone/>
+                        <a:tabLst>
+                          <a:tab pos="0" algn="l"/>
+                          <a:tab pos="914400" algn="l"/>
+                          <a:tab pos="1828800" algn="l"/>
+                          <a:tab pos="2743200" algn="l"/>
+                          <a:tab pos="3657600" algn="l"/>
+                          <a:tab pos="4572000" algn="l"/>
+                          <a:tab pos="5486400" algn="l"/>
+                          <a:tab pos="6400800" algn="l"/>
+                          <a:tab pos="7315200" algn="l"/>
+                          <a:tab pos="8229600" algn="l"/>
+                          <a:tab pos="9144000" algn="l"/>
+                          <a:tab pos="10058400" algn="l"/>
+                        </a:tabLst>
+                      </a:pPr>
+                      <a:r>
+                        <a:rPr kumimoji="0" lang="en-US" altLang="x-none" sz="1800" u="none" strike="noStrike" cap="none" normalizeH="0" baseline="0" smtClean="0">
+                          <a:ln>
+                            <a:noFill/>
+                          </a:ln>
+                          <a:effectLst/>
+                        </a:rPr>
+                        <a:t>Eine Zahl</a:t>
+                      </a:r>
+                      <a:endParaRPr kumimoji="0" lang="en-US" altLang="x-none" sz="1800" b="0" i="0" u="none" strike="noStrike" cap="none" normalizeH="0" baseline="0" smtClean="0">
+                        <a:ln>
+                          <a:noFill/>
+                        </a:ln>
+                        <a:solidFill>
+                          <a:srgbClr val="000000"/>
+                        </a:solidFill>
+                        <a:effectLst/>
+                        <a:latin typeface="Arial Unicode MS" pitchFamily="32" charset="0"/>
+                        <a:ea typeface="Arial Unicode MS" pitchFamily="32" charset="0"/>
+                        <a:cs typeface="Arial Unicode MS" pitchFamily="32" charset="0"/>
+                      </a:endParaRPr>
+                    </a:p>
+                  </a:txBody>
+                  <a:tcPr marL="90000" marR="90000" marT="51336" marB="46800" anchor="ctr" horzOverflow="overflow"/>
+                </a:tc>
+                <a:tc>
+                  <a:txBody>
+                    <a:bodyPr/>
+                    <a:lstStyle/>
+                    <a:p>
+                      <a:pPr marL="0" marR="0" lvl="0" indent="0" algn="l" defTabSz="457200" rtl="0" eaLnBrk="1" fontAlgn="base" latinLnBrk="0" hangingPunct="1">
+                        <a:lnSpc>
+                          <a:spcPct val="98000"/>
+                        </a:lnSpc>
+                        <a:spcBef>
+                          <a:spcPct val="0"/>
+                        </a:spcBef>
+                        <a:spcAft>
+                          <a:spcPct val="0"/>
+                        </a:spcAft>
+                        <a:buClrTx/>
+                        <a:buSzPct val="100000"/>
+                        <a:buFontTx/>
+                        <a:buNone/>
+                        <a:tabLst>
+                          <a:tab pos="0" algn="l"/>
+                          <a:tab pos="914400" algn="l"/>
+                          <a:tab pos="1828800" algn="l"/>
+                          <a:tab pos="2743200" algn="l"/>
+                          <a:tab pos="3657600" algn="l"/>
+                          <a:tab pos="4572000" algn="l"/>
+                          <a:tab pos="5486400" algn="l"/>
+                          <a:tab pos="6400800" algn="l"/>
+                          <a:tab pos="7315200" algn="l"/>
+                          <a:tab pos="8229600" algn="l"/>
+                          <a:tab pos="9144000" algn="l"/>
+                          <a:tab pos="10058400" algn="l"/>
+                        </a:tabLst>
+                      </a:pPr>
+                      <a:r>
+                        <a:rPr kumimoji="0" lang="en-US" altLang="x-none" sz="1800" u="none" strike="noStrike" cap="none" normalizeH="0" baseline="0" smtClean="0">
+                          <a:ln>
+                            <a:noFill/>
+                          </a:ln>
+                          <a:effectLst/>
+                        </a:rPr>
+                        <a:t>[0-9]</a:t>
+                      </a:r>
+                      <a:endParaRPr kumimoji="0" lang="en-US" altLang="x-none" sz="1800" b="0" i="0" u="none" strike="noStrike" cap="none" normalizeH="0" baseline="0" smtClean="0">
+                        <a:ln>
+                          <a:noFill/>
+                        </a:ln>
+                        <a:solidFill>
+                          <a:srgbClr val="000000"/>
+                        </a:solidFill>
+                        <a:effectLst/>
+                        <a:latin typeface="Arial Unicode MS" pitchFamily="32" charset="0"/>
+                        <a:ea typeface="Arial Unicode MS" pitchFamily="32" charset="0"/>
+                        <a:cs typeface="Arial Unicode MS" pitchFamily="32" charset="0"/>
+                      </a:endParaRPr>
+                    </a:p>
+                  </a:txBody>
+                  <a:tcPr marL="90000" marR="90000" marT="51336" marB="46800" anchor="ctr" horzOverflow="overflow"/>
+                </a:tc>
+              </a:tr>
+              <a:tr h="370840">
+                <a:tc>
+                  <a:txBody>
+                    <a:bodyPr/>
+                    <a:lstStyle/>
+                    <a:p>
+                      <a:pPr marL="0" marR="0" lvl="0" indent="0" algn="l" defTabSz="457200" rtl="0" eaLnBrk="1" fontAlgn="base" latinLnBrk="0" hangingPunct="1">
+                        <a:lnSpc>
+                          <a:spcPct val="98000"/>
+                        </a:lnSpc>
+                        <a:spcBef>
+                          <a:spcPct val="0"/>
+                        </a:spcBef>
+                        <a:spcAft>
+                          <a:spcPct val="0"/>
+                        </a:spcAft>
+                        <a:buClrTx/>
+                        <a:buSzPct val="100000"/>
+                        <a:buFontTx/>
+                        <a:buNone/>
+                        <a:tabLst>
+                          <a:tab pos="0" algn="l"/>
+                          <a:tab pos="914400" algn="l"/>
+                          <a:tab pos="1828800" algn="l"/>
+                          <a:tab pos="2743200" algn="l"/>
+                          <a:tab pos="3657600" algn="l"/>
+                          <a:tab pos="4572000" algn="l"/>
+                          <a:tab pos="5486400" algn="l"/>
+                          <a:tab pos="6400800" algn="l"/>
+                          <a:tab pos="7315200" algn="l"/>
+                          <a:tab pos="8229600" algn="l"/>
+                          <a:tab pos="9144000" algn="l"/>
+                          <a:tab pos="10058400" algn="l"/>
+                        </a:tabLst>
+                      </a:pPr>
+                      <a:r>
+                        <a:rPr kumimoji="0" lang="en-US" altLang="x-none" sz="1800" u="none" strike="noStrike" cap="none" normalizeH="0" baseline="0" smtClean="0">
+                          <a:ln>
+                            <a:noFill/>
+                          </a:ln>
+                          <a:effectLst/>
+                        </a:rPr>
+                        <a:t>\s</a:t>
+                      </a:r>
+                      <a:endParaRPr kumimoji="0" lang="en-US" altLang="x-none" sz="1800" b="0" i="0" u="none" strike="noStrike" cap="none" normalizeH="0" baseline="0" smtClean="0">
+                        <a:ln>
+                          <a:noFill/>
+                        </a:ln>
+                        <a:solidFill>
+                          <a:srgbClr val="000000"/>
+                        </a:solidFill>
+                        <a:effectLst/>
+                        <a:latin typeface="Arial Unicode MS" pitchFamily="32" charset="0"/>
+                        <a:ea typeface="Arial Unicode MS" pitchFamily="32" charset="0"/>
+                        <a:cs typeface="Arial Unicode MS" pitchFamily="32" charset="0"/>
+                      </a:endParaRPr>
+                    </a:p>
+                  </a:txBody>
+                  <a:tcPr marL="90000" marR="90000" marT="51336" marB="46800" anchor="ctr" horzOverflow="overflow"/>
+                </a:tc>
+                <a:tc>
+                  <a:txBody>
+                    <a:bodyPr/>
+                    <a:lstStyle/>
+                    <a:p>
+                      <a:pPr marL="0" marR="0" lvl="0" indent="0" algn="l" defTabSz="457200" rtl="0" eaLnBrk="1" fontAlgn="base" latinLnBrk="0" hangingPunct="1">
+                        <a:lnSpc>
+                          <a:spcPct val="98000"/>
+                        </a:lnSpc>
+                        <a:spcBef>
+                          <a:spcPct val="0"/>
+                        </a:spcBef>
+                        <a:spcAft>
+                          <a:spcPct val="0"/>
+                        </a:spcAft>
+                        <a:buClrTx/>
+                        <a:buSzPct val="100000"/>
+                        <a:buFontTx/>
+                        <a:buNone/>
+                        <a:tabLst>
+                          <a:tab pos="0" algn="l"/>
+                          <a:tab pos="914400" algn="l"/>
+                          <a:tab pos="1828800" algn="l"/>
+                          <a:tab pos="2743200" algn="l"/>
+                          <a:tab pos="3657600" algn="l"/>
+                          <a:tab pos="4572000" algn="l"/>
+                          <a:tab pos="5486400" algn="l"/>
+                          <a:tab pos="6400800" algn="l"/>
+                          <a:tab pos="7315200" algn="l"/>
+                          <a:tab pos="8229600" algn="l"/>
+                          <a:tab pos="9144000" algn="l"/>
+                          <a:tab pos="10058400" algn="l"/>
+                        </a:tabLst>
+                      </a:pPr>
+                      <a:r>
+                        <a:rPr kumimoji="0" lang="en-US" altLang="x-none" sz="1800" u="none" strike="noStrike" cap="none" normalizeH="0" baseline="0" smtClean="0">
+                          <a:ln>
+                            <a:noFill/>
+                          </a:ln>
+                          <a:effectLst/>
+                        </a:rPr>
+                        <a:t>Einen “Weißraum”</a:t>
+                      </a:r>
+                      <a:endParaRPr kumimoji="0" lang="en-US" altLang="x-none" sz="1800" b="0" i="0" u="none" strike="noStrike" cap="none" normalizeH="0" baseline="0" smtClean="0">
+                        <a:ln>
+                          <a:noFill/>
+                        </a:ln>
+                        <a:solidFill>
+                          <a:srgbClr val="000000"/>
+                        </a:solidFill>
+                        <a:effectLst/>
+                        <a:latin typeface="Arial Unicode MS" pitchFamily="32" charset="0"/>
+                        <a:ea typeface="Arial Unicode MS" pitchFamily="32" charset="0"/>
+                        <a:cs typeface="Arial Unicode MS" pitchFamily="32" charset="0"/>
+                      </a:endParaRPr>
+                    </a:p>
+                  </a:txBody>
+                  <a:tcPr marL="90000" marR="90000" marT="51336" marB="46800" anchor="ctr" horzOverflow="overflow"/>
+                </a:tc>
+                <a:tc>
+                  <a:txBody>
+                    <a:bodyPr/>
+                    <a:lstStyle/>
+                    <a:p>
+                      <a:pPr marL="0" marR="0" lvl="0" indent="0" algn="l" defTabSz="457200" rtl="0" eaLnBrk="1" fontAlgn="base" latinLnBrk="0" hangingPunct="1">
+                        <a:lnSpc>
+                          <a:spcPct val="98000"/>
+                        </a:lnSpc>
+                        <a:spcBef>
+                          <a:spcPct val="0"/>
+                        </a:spcBef>
+                        <a:spcAft>
+                          <a:spcPct val="0"/>
+                        </a:spcAft>
+                        <a:buClrTx/>
+                        <a:buSzPct val="100000"/>
+                        <a:buFontTx/>
+                        <a:buNone/>
+                        <a:tabLst>
+                          <a:tab pos="0" algn="l"/>
+                          <a:tab pos="914400" algn="l"/>
+                          <a:tab pos="1828800" algn="l"/>
+                          <a:tab pos="2743200" algn="l"/>
+                          <a:tab pos="3657600" algn="l"/>
+                          <a:tab pos="4572000" algn="l"/>
+                          <a:tab pos="5486400" algn="l"/>
+                          <a:tab pos="6400800" algn="l"/>
+                          <a:tab pos="7315200" algn="l"/>
+                          <a:tab pos="8229600" algn="l"/>
+                          <a:tab pos="9144000" algn="l"/>
+                          <a:tab pos="10058400" algn="l"/>
+                        </a:tabLst>
+                      </a:pPr>
+                      <a:r>
+                        <a:rPr kumimoji="0" lang="en-US" altLang="x-none" sz="1800" u="none" strike="noStrike" cap="none" normalizeH="0" baseline="0" smtClean="0">
+                          <a:ln>
+                            <a:noFill/>
+                          </a:ln>
+                          <a:effectLst/>
+                        </a:rPr>
+                        <a:t>[ \f\n\r\t\v] und alle Unicodevarianten zB \u00a0</a:t>
+                      </a:r>
+                      <a:endParaRPr kumimoji="0" lang="en-US" altLang="x-none" sz="1800" b="0" i="0" u="none" strike="noStrike" cap="none" normalizeH="0" baseline="0" smtClean="0">
+                        <a:ln>
+                          <a:noFill/>
+                        </a:ln>
+                        <a:solidFill>
+                          <a:srgbClr val="000000"/>
+                        </a:solidFill>
+                        <a:effectLst/>
+                        <a:latin typeface="Arial Unicode MS" pitchFamily="32" charset="0"/>
+                        <a:ea typeface="Arial Unicode MS" pitchFamily="32" charset="0"/>
+                        <a:cs typeface="Arial Unicode MS" pitchFamily="32" charset="0"/>
+                      </a:endParaRPr>
+                    </a:p>
+                  </a:txBody>
+                  <a:tcPr marL="90000" marR="90000" marT="51336" marB="46800" anchor="ctr" horzOverflow="overflow"/>
+                </a:tc>
+              </a:tr>
+              <a:tr h="370840">
+                <a:tc>
+                  <a:txBody>
+                    <a:bodyPr/>
+                    <a:lstStyle/>
+                    <a:p>
+                      <a:pPr marL="0" marR="0" lvl="0" indent="0" algn="l" defTabSz="457200" rtl="0" eaLnBrk="1" fontAlgn="base" latinLnBrk="0" hangingPunct="1">
+                        <a:lnSpc>
+                          <a:spcPct val="98000"/>
+                        </a:lnSpc>
+                        <a:spcBef>
+                          <a:spcPct val="0"/>
+                        </a:spcBef>
+                        <a:spcAft>
+                          <a:spcPct val="0"/>
+                        </a:spcAft>
+                        <a:buClrTx/>
+                        <a:buSzPct val="100000"/>
+                        <a:buFontTx/>
+                        <a:buNone/>
+                        <a:tabLst>
+                          <a:tab pos="0" algn="l"/>
+                          <a:tab pos="914400" algn="l"/>
+                          <a:tab pos="1828800" algn="l"/>
+                          <a:tab pos="2743200" algn="l"/>
+                          <a:tab pos="3657600" algn="l"/>
+                          <a:tab pos="4572000" algn="l"/>
+                          <a:tab pos="5486400" algn="l"/>
+                          <a:tab pos="6400800" algn="l"/>
+                          <a:tab pos="7315200" algn="l"/>
+                          <a:tab pos="8229600" algn="l"/>
+                          <a:tab pos="9144000" algn="l"/>
+                          <a:tab pos="10058400" algn="l"/>
+                        </a:tabLst>
+                      </a:pPr>
+                      <a:r>
+                        <a:rPr kumimoji="0" lang="en-US" altLang="x-none" sz="1800" u="none" strike="noStrike" cap="none" normalizeH="0" baseline="0" smtClean="0">
+                          <a:ln>
+                            <a:noFill/>
+                          </a:ln>
+                          <a:effectLst/>
+                        </a:rPr>
+                        <a:t>\w</a:t>
+                      </a:r>
+                      <a:endParaRPr kumimoji="0" lang="en-US" altLang="x-none" sz="1800" b="0" i="0" u="none" strike="noStrike" cap="none" normalizeH="0" baseline="0" smtClean="0">
+                        <a:ln>
+                          <a:noFill/>
+                        </a:ln>
+                        <a:solidFill>
+                          <a:srgbClr val="000000"/>
+                        </a:solidFill>
+                        <a:effectLst/>
+                        <a:latin typeface="Arial Unicode MS" pitchFamily="32" charset="0"/>
+                        <a:ea typeface="Arial Unicode MS" pitchFamily="32" charset="0"/>
+                        <a:cs typeface="Arial Unicode MS" pitchFamily="32" charset="0"/>
+                      </a:endParaRPr>
+                    </a:p>
+                  </a:txBody>
+                  <a:tcPr marL="90000" marR="90000" marT="51336" marB="46800" anchor="ctr" horzOverflow="overflow"/>
+                </a:tc>
+                <a:tc>
+                  <a:txBody>
+                    <a:bodyPr/>
+                    <a:lstStyle/>
+                    <a:p>
+                      <a:pPr marL="0" marR="0" lvl="0" indent="0" algn="l" defTabSz="457200" rtl="0" eaLnBrk="1" fontAlgn="base" latinLnBrk="0" hangingPunct="1">
+                        <a:lnSpc>
+                          <a:spcPct val="98000"/>
+                        </a:lnSpc>
+                        <a:spcBef>
+                          <a:spcPct val="0"/>
+                        </a:spcBef>
+                        <a:spcAft>
+                          <a:spcPct val="0"/>
+                        </a:spcAft>
+                        <a:buClrTx/>
+                        <a:buSzPct val="100000"/>
+                        <a:buFontTx/>
+                        <a:buNone/>
+                        <a:tabLst>
+                          <a:tab pos="0" algn="l"/>
+                          <a:tab pos="914400" algn="l"/>
+                          <a:tab pos="1828800" algn="l"/>
+                          <a:tab pos="2743200" algn="l"/>
+                          <a:tab pos="3657600" algn="l"/>
+                          <a:tab pos="4572000" algn="l"/>
+                          <a:tab pos="5486400" algn="l"/>
+                          <a:tab pos="6400800" algn="l"/>
+                          <a:tab pos="7315200" algn="l"/>
+                          <a:tab pos="8229600" algn="l"/>
+                          <a:tab pos="9144000" algn="l"/>
+                          <a:tab pos="10058400" algn="l"/>
+                        </a:tabLst>
+                      </a:pPr>
+                      <a:r>
+                        <a:rPr kumimoji="0" lang="en-US" altLang="x-none" sz="1800" u="none" strike="noStrike" cap="none" normalizeH="0" baseline="0" smtClean="0">
+                          <a:ln>
+                            <a:noFill/>
+                          </a:ln>
+                          <a:effectLst/>
+                        </a:rPr>
+                        <a:t>Ein alphanumerisches Zeichen inklusive _</a:t>
+                      </a:r>
+                      <a:endParaRPr kumimoji="0" lang="en-US" altLang="x-none" sz="1800" b="0" i="0" u="none" strike="noStrike" cap="none" normalizeH="0" baseline="0" smtClean="0">
+                        <a:ln>
+                          <a:noFill/>
+                        </a:ln>
+                        <a:solidFill>
+                          <a:srgbClr val="000000"/>
+                        </a:solidFill>
+                        <a:effectLst/>
+                        <a:latin typeface="Arial Unicode MS" pitchFamily="32" charset="0"/>
+                        <a:ea typeface="Arial Unicode MS" pitchFamily="32" charset="0"/>
+                        <a:cs typeface="Arial Unicode MS" pitchFamily="32" charset="0"/>
+                      </a:endParaRPr>
+                    </a:p>
+                  </a:txBody>
+                  <a:tcPr marL="90000" marR="90000" marT="51336" marB="46800" anchor="ctr" horzOverflow="overflow"/>
+                </a:tc>
+                <a:tc>
+                  <a:txBody>
+                    <a:bodyPr/>
+                    <a:lstStyle/>
+                    <a:p>
+                      <a:pPr marL="0" marR="0" lvl="0" indent="0" algn="l" defTabSz="457200" rtl="0" eaLnBrk="1" fontAlgn="base" latinLnBrk="0" hangingPunct="1">
+                        <a:lnSpc>
+                          <a:spcPct val="98000"/>
+                        </a:lnSpc>
+                        <a:spcBef>
+                          <a:spcPct val="0"/>
+                        </a:spcBef>
+                        <a:spcAft>
+                          <a:spcPct val="0"/>
+                        </a:spcAft>
+                        <a:buClrTx/>
+                        <a:buSzPct val="100000"/>
+                        <a:buFontTx/>
+                        <a:buNone/>
+                        <a:tabLst>
+                          <a:tab pos="0" algn="l"/>
+                          <a:tab pos="914400" algn="l"/>
+                          <a:tab pos="1828800" algn="l"/>
+                          <a:tab pos="2743200" algn="l"/>
+                          <a:tab pos="3657600" algn="l"/>
+                          <a:tab pos="4572000" algn="l"/>
+                          <a:tab pos="5486400" algn="l"/>
+                          <a:tab pos="6400800" algn="l"/>
+                          <a:tab pos="7315200" algn="l"/>
+                          <a:tab pos="8229600" algn="l"/>
+                          <a:tab pos="9144000" algn="l"/>
+                          <a:tab pos="10058400" algn="l"/>
+                        </a:tabLst>
+                      </a:pPr>
+                      <a:r>
+                        <a:rPr kumimoji="0" lang="en-US" altLang="x-none" sz="1800" u="none" strike="noStrike" cap="none" normalizeH="0" baseline="0" smtClean="0">
+                          <a:ln>
+                            <a:noFill/>
+                          </a:ln>
+                          <a:effectLst/>
+                        </a:rPr>
+                        <a:t>[A-Za-z0-9_] </a:t>
+                      </a:r>
+                      <a:endParaRPr kumimoji="0" lang="en-US" altLang="x-none" sz="1800" b="0" i="0" u="none" strike="noStrike" cap="none" normalizeH="0" baseline="0" smtClean="0">
+                        <a:ln>
+                          <a:noFill/>
+                        </a:ln>
+                        <a:solidFill>
+                          <a:srgbClr val="000000"/>
+                        </a:solidFill>
+                        <a:effectLst/>
+                        <a:latin typeface="Arial Unicode MS" pitchFamily="32" charset="0"/>
+                        <a:ea typeface="Arial Unicode MS" pitchFamily="32" charset="0"/>
+                        <a:cs typeface="Arial Unicode MS" pitchFamily="32" charset="0"/>
+                      </a:endParaRPr>
+                    </a:p>
+                  </a:txBody>
+                  <a:tcPr marL="90000" marR="90000" marT="51336" marB="46800" anchor="ctr" horzOverflow="overflow"/>
+                </a:tc>
+              </a:tr>
+              <a:tr h="370840">
+                <a:tc>
+                  <a:txBody>
+                    <a:bodyPr/>
+                    <a:lstStyle/>
+                    <a:p>
+                      <a:pPr marL="0" marR="0" lvl="0" indent="0" algn="l" defTabSz="457200" rtl="0" eaLnBrk="1" fontAlgn="base" latinLnBrk="0" hangingPunct="1">
+                        <a:lnSpc>
+                          <a:spcPct val="98000"/>
+                        </a:lnSpc>
+                        <a:spcBef>
+                          <a:spcPct val="0"/>
+                        </a:spcBef>
+                        <a:spcAft>
+                          <a:spcPct val="0"/>
+                        </a:spcAft>
+                        <a:buClrTx/>
+                        <a:buSzPct val="100000"/>
+                        <a:buFontTx/>
+                        <a:buNone/>
+                        <a:tabLst>
+                          <a:tab pos="0" algn="l"/>
+                          <a:tab pos="914400" algn="l"/>
+                          <a:tab pos="1828800" algn="l"/>
+                          <a:tab pos="2743200" algn="l"/>
+                          <a:tab pos="3657600" algn="l"/>
+                          <a:tab pos="4572000" algn="l"/>
+                          <a:tab pos="5486400" algn="l"/>
+                          <a:tab pos="6400800" algn="l"/>
+                          <a:tab pos="7315200" algn="l"/>
+                          <a:tab pos="8229600" algn="l"/>
+                          <a:tab pos="9144000" algn="l"/>
+                          <a:tab pos="10058400" algn="l"/>
+                        </a:tabLst>
+                      </a:pPr>
+                      <a:r>
+                        <a:rPr kumimoji="0" lang="en-US" altLang="x-none" sz="1800" u="none" strike="noStrike" cap="none" normalizeH="0" baseline="0" smtClean="0">
+                          <a:ln>
+                            <a:noFill/>
+                          </a:ln>
+                          <a:effectLst/>
+                        </a:rPr>
+                        <a:t>\D</a:t>
+                      </a:r>
+                      <a:endParaRPr kumimoji="0" lang="en-US" altLang="x-none" sz="1800" b="0" i="0" u="none" strike="noStrike" cap="none" normalizeH="0" baseline="0" smtClean="0">
+                        <a:ln>
+                          <a:noFill/>
+                        </a:ln>
+                        <a:solidFill>
+                          <a:srgbClr val="000000"/>
+                        </a:solidFill>
+                        <a:effectLst/>
+                        <a:latin typeface="Arial Unicode MS" pitchFamily="32" charset="0"/>
+                        <a:ea typeface="Arial Unicode MS" pitchFamily="32" charset="0"/>
+                        <a:cs typeface="Arial Unicode MS" pitchFamily="32" charset="0"/>
+                      </a:endParaRPr>
+                    </a:p>
+                  </a:txBody>
+                  <a:tcPr marL="90000" marR="90000" marT="51336" marB="46800" anchor="ctr" horzOverflow="overflow"/>
+                </a:tc>
+                <a:tc>
+                  <a:txBody>
+                    <a:bodyPr/>
+                    <a:lstStyle/>
+                    <a:p>
+                      <a:pPr marL="0" marR="0" lvl="0" indent="0" algn="l" defTabSz="457200" rtl="0" eaLnBrk="1" fontAlgn="base" latinLnBrk="0" hangingPunct="1">
+                        <a:lnSpc>
+                          <a:spcPct val="98000"/>
+                        </a:lnSpc>
+                        <a:spcBef>
+                          <a:spcPct val="0"/>
+                        </a:spcBef>
+                        <a:spcAft>
+                          <a:spcPct val="0"/>
+                        </a:spcAft>
+                        <a:buClrTx/>
+                        <a:buSzPct val="100000"/>
+                        <a:buFontTx/>
+                        <a:buNone/>
+                        <a:tabLst>
+                          <a:tab pos="0" algn="l"/>
+                          <a:tab pos="914400" algn="l"/>
+                          <a:tab pos="1828800" algn="l"/>
+                          <a:tab pos="2743200" algn="l"/>
+                          <a:tab pos="3657600" algn="l"/>
+                          <a:tab pos="4572000" algn="l"/>
+                          <a:tab pos="5486400" algn="l"/>
+                          <a:tab pos="6400800" algn="l"/>
+                          <a:tab pos="7315200" algn="l"/>
+                          <a:tab pos="8229600" algn="l"/>
+                          <a:tab pos="9144000" algn="l"/>
+                          <a:tab pos="10058400" algn="l"/>
+                        </a:tabLst>
+                      </a:pPr>
+                      <a:r>
+                        <a:rPr kumimoji="0" lang="en-US" altLang="x-none" sz="1800" u="none" strike="noStrike" cap="none" normalizeH="0" baseline="0" smtClean="0">
+                          <a:ln>
+                            <a:noFill/>
+                          </a:ln>
+                          <a:effectLst/>
+                        </a:rPr>
+                        <a:t>Alles außer Zahlen</a:t>
+                      </a:r>
+                      <a:endParaRPr kumimoji="0" lang="en-US" altLang="x-none" sz="1800" b="0" i="0" u="none" strike="noStrike" cap="none" normalizeH="0" baseline="0" smtClean="0">
+                        <a:ln>
+                          <a:noFill/>
+                        </a:ln>
+                        <a:solidFill>
+                          <a:srgbClr val="000000"/>
+                        </a:solidFill>
+                        <a:effectLst/>
+                        <a:latin typeface="Arial Unicode MS" pitchFamily="32" charset="0"/>
+                        <a:ea typeface="Arial Unicode MS" pitchFamily="32" charset="0"/>
+                        <a:cs typeface="Arial Unicode MS" pitchFamily="32" charset="0"/>
+                      </a:endParaRPr>
+                    </a:p>
+                  </a:txBody>
+                  <a:tcPr marL="90000" marR="90000" marT="51336" marB="46800" anchor="ctr" horzOverflow="overflow"/>
+                </a:tc>
+                <a:tc>
+                  <a:txBody>
+                    <a:bodyPr/>
+                    <a:lstStyle/>
+                    <a:p>
+                      <a:pPr marL="0" marR="0" lvl="0" indent="0" algn="l" defTabSz="457200" rtl="0" eaLnBrk="1" fontAlgn="base" latinLnBrk="0" hangingPunct="1">
+                        <a:lnSpc>
+                          <a:spcPct val="98000"/>
+                        </a:lnSpc>
+                        <a:spcBef>
+                          <a:spcPct val="0"/>
+                        </a:spcBef>
+                        <a:spcAft>
+                          <a:spcPct val="0"/>
+                        </a:spcAft>
+                        <a:buClrTx/>
+                        <a:buSzPct val="100000"/>
+                        <a:buFontTx/>
+                        <a:buNone/>
+                        <a:tabLst>
+                          <a:tab pos="0" algn="l"/>
+                          <a:tab pos="914400" algn="l"/>
+                          <a:tab pos="1828800" algn="l"/>
+                          <a:tab pos="2743200" algn="l"/>
+                          <a:tab pos="3657600" algn="l"/>
+                          <a:tab pos="4572000" algn="l"/>
+                          <a:tab pos="5486400" algn="l"/>
+                          <a:tab pos="6400800" algn="l"/>
+                          <a:tab pos="7315200" algn="l"/>
+                          <a:tab pos="8229600" algn="l"/>
+                          <a:tab pos="9144000" algn="l"/>
+                          <a:tab pos="10058400" algn="l"/>
+                        </a:tabLst>
+                      </a:pPr>
+                      <a:r>
+                        <a:rPr kumimoji="0" lang="en-US" altLang="x-none" sz="1800" u="none" strike="noStrike" cap="none" normalizeH="0" baseline="0" smtClean="0">
+                          <a:ln>
+                            <a:noFill/>
+                          </a:ln>
+                          <a:effectLst/>
+                        </a:rPr>
+                        <a:t>[^0-9], [^\d]</a:t>
+                      </a:r>
+                      <a:endParaRPr kumimoji="0" lang="en-US" altLang="x-none" sz="1800" b="0" i="0" u="none" strike="noStrike" cap="none" normalizeH="0" baseline="0" smtClean="0">
+                        <a:ln>
+                          <a:noFill/>
+                        </a:ln>
+                        <a:solidFill>
+                          <a:srgbClr val="000000"/>
+                        </a:solidFill>
+                        <a:effectLst/>
+                        <a:latin typeface="Arial Unicode MS" pitchFamily="32" charset="0"/>
+                        <a:cs typeface="Arial" charset="0"/>
+                      </a:endParaRPr>
+                    </a:p>
+                  </a:txBody>
+                  <a:tcPr marL="90000" marR="90000" marT="51336" marB="46800" anchor="ctr" horzOverflow="overflow"/>
+                </a:tc>
+              </a:tr>
+              <a:tr h="370840">
+                <a:tc>
+                  <a:txBody>
+                    <a:bodyPr/>
+                    <a:lstStyle/>
+                    <a:p>
+                      <a:pPr marL="0" marR="0" lvl="0" indent="0" algn="l" defTabSz="457200" rtl="0" eaLnBrk="1" fontAlgn="base" latinLnBrk="0" hangingPunct="1">
+                        <a:lnSpc>
+                          <a:spcPct val="98000"/>
+                        </a:lnSpc>
+                        <a:spcBef>
+                          <a:spcPct val="0"/>
+                        </a:spcBef>
+                        <a:spcAft>
+                          <a:spcPct val="0"/>
+                        </a:spcAft>
+                        <a:buClrTx/>
+                        <a:buSzPct val="100000"/>
+                        <a:buFontTx/>
+                        <a:buNone/>
+                        <a:tabLst>
+                          <a:tab pos="0" algn="l"/>
+                          <a:tab pos="914400" algn="l"/>
+                          <a:tab pos="1828800" algn="l"/>
+                          <a:tab pos="2743200" algn="l"/>
+                          <a:tab pos="3657600" algn="l"/>
+                          <a:tab pos="4572000" algn="l"/>
+                          <a:tab pos="5486400" algn="l"/>
+                          <a:tab pos="6400800" algn="l"/>
+                          <a:tab pos="7315200" algn="l"/>
+                          <a:tab pos="8229600" algn="l"/>
+                          <a:tab pos="9144000" algn="l"/>
+                          <a:tab pos="10058400" algn="l"/>
+                        </a:tabLst>
+                      </a:pPr>
+                      <a:r>
+                        <a:rPr kumimoji="0" lang="en-US" altLang="x-none" sz="1800" u="none" strike="noStrike" cap="none" normalizeH="0" baseline="0" smtClean="0">
+                          <a:ln>
+                            <a:noFill/>
+                          </a:ln>
+                          <a:effectLst/>
+                        </a:rPr>
+                        <a:t>\S</a:t>
+                      </a:r>
+                      <a:endParaRPr kumimoji="0" lang="en-US" altLang="x-none" sz="1800" b="0" i="0" u="none" strike="noStrike" cap="none" normalizeH="0" baseline="0" smtClean="0">
+                        <a:ln>
+                          <a:noFill/>
+                        </a:ln>
+                        <a:solidFill>
+                          <a:srgbClr val="000000"/>
+                        </a:solidFill>
+                        <a:effectLst/>
+                        <a:latin typeface="Arial Unicode MS" pitchFamily="32" charset="0"/>
+                        <a:ea typeface="Arial Unicode MS" pitchFamily="32" charset="0"/>
+                        <a:cs typeface="Arial Unicode MS" pitchFamily="32" charset="0"/>
+                      </a:endParaRPr>
+                    </a:p>
+                  </a:txBody>
+                  <a:tcPr marL="90000" marR="90000" marT="51336" marB="46800" anchor="ctr" horzOverflow="overflow"/>
+                </a:tc>
+                <a:tc>
+                  <a:txBody>
+                    <a:bodyPr/>
+                    <a:lstStyle/>
+                    <a:p>
+                      <a:pPr marL="0" marR="0" lvl="0" indent="0" algn="l" defTabSz="457200" rtl="0" eaLnBrk="1" fontAlgn="base" latinLnBrk="0" hangingPunct="1">
+                        <a:lnSpc>
+                          <a:spcPct val="98000"/>
+                        </a:lnSpc>
+                        <a:spcBef>
+                          <a:spcPct val="0"/>
+                        </a:spcBef>
+                        <a:spcAft>
+                          <a:spcPct val="0"/>
+                        </a:spcAft>
+                        <a:buClrTx/>
+                        <a:buSzPct val="100000"/>
+                        <a:buFontTx/>
+                        <a:buNone/>
+                        <a:tabLst>
+                          <a:tab pos="0" algn="l"/>
+                          <a:tab pos="914400" algn="l"/>
+                          <a:tab pos="1828800" algn="l"/>
+                          <a:tab pos="2743200" algn="l"/>
+                          <a:tab pos="3657600" algn="l"/>
+                          <a:tab pos="4572000" algn="l"/>
+                          <a:tab pos="5486400" algn="l"/>
+                          <a:tab pos="6400800" algn="l"/>
+                          <a:tab pos="7315200" algn="l"/>
+                          <a:tab pos="8229600" algn="l"/>
+                          <a:tab pos="9144000" algn="l"/>
+                          <a:tab pos="10058400" algn="l"/>
+                        </a:tabLst>
+                      </a:pPr>
+                      <a:r>
+                        <a:rPr kumimoji="0" lang="en-US" altLang="x-none" sz="1800" u="none" strike="noStrike" cap="none" normalizeH="0" baseline="0" smtClean="0">
+                          <a:ln>
+                            <a:noFill/>
+                          </a:ln>
+                          <a:effectLst/>
+                        </a:rPr>
+                        <a:t>Alles außer “Weißraum”</a:t>
+                      </a:r>
+                      <a:endParaRPr kumimoji="0" lang="en-US" altLang="x-none" sz="1800" b="0" i="0" u="none" strike="noStrike" cap="none" normalizeH="0" baseline="0" smtClean="0">
+                        <a:ln>
+                          <a:noFill/>
+                        </a:ln>
+                        <a:solidFill>
+                          <a:srgbClr val="000000"/>
+                        </a:solidFill>
+                        <a:effectLst/>
+                        <a:latin typeface="Arial Unicode MS" pitchFamily="32" charset="0"/>
+                        <a:ea typeface="Arial Unicode MS" pitchFamily="32" charset="0"/>
+                        <a:cs typeface="Arial Unicode MS" pitchFamily="32" charset="0"/>
+                      </a:endParaRPr>
+                    </a:p>
+                  </a:txBody>
+                  <a:tcPr marL="90000" marR="90000" marT="51336" marB="46800" anchor="ctr" horzOverflow="overflow"/>
+                </a:tc>
+                <a:tc>
+                  <a:txBody>
+                    <a:bodyPr/>
+                    <a:lstStyle/>
+                    <a:p>
+                      <a:pPr marL="0" marR="0" lvl="0" indent="0" algn="l" defTabSz="457200" rtl="0" eaLnBrk="1" fontAlgn="base" latinLnBrk="0" hangingPunct="1">
+                        <a:lnSpc>
+                          <a:spcPct val="98000"/>
+                        </a:lnSpc>
+                        <a:spcBef>
+                          <a:spcPct val="0"/>
+                        </a:spcBef>
+                        <a:spcAft>
+                          <a:spcPct val="0"/>
+                        </a:spcAft>
+                        <a:buClrTx/>
+                        <a:buSzPct val="100000"/>
+                        <a:buFontTx/>
+                        <a:buNone/>
+                        <a:tabLst>
+                          <a:tab pos="0" algn="l"/>
+                          <a:tab pos="914400" algn="l"/>
+                          <a:tab pos="1828800" algn="l"/>
+                          <a:tab pos="2743200" algn="l"/>
+                          <a:tab pos="3657600" algn="l"/>
+                          <a:tab pos="4572000" algn="l"/>
+                          <a:tab pos="5486400" algn="l"/>
+                          <a:tab pos="6400800" algn="l"/>
+                          <a:tab pos="7315200" algn="l"/>
+                          <a:tab pos="8229600" algn="l"/>
+                          <a:tab pos="9144000" algn="l"/>
+                          <a:tab pos="10058400" algn="l"/>
+                        </a:tabLst>
+                      </a:pPr>
+                      <a:r>
+                        <a:rPr kumimoji="0" lang="en-US" altLang="x-none" sz="1800" u="none" strike="noStrike" cap="none" normalizeH="0" baseline="0" smtClean="0">
+                          <a:ln>
+                            <a:noFill/>
+                          </a:ln>
+                          <a:effectLst/>
+                        </a:rPr>
+                        <a:t>[^\s]</a:t>
+                      </a:r>
+                      <a:endParaRPr kumimoji="0" lang="en-US" altLang="x-none" sz="1800" b="0" i="0" u="none" strike="noStrike" cap="none" normalizeH="0" baseline="0" smtClean="0">
+                        <a:ln>
+                          <a:noFill/>
+                        </a:ln>
+                        <a:solidFill>
+                          <a:srgbClr val="000000"/>
+                        </a:solidFill>
+                        <a:effectLst/>
+                        <a:latin typeface="Arial Unicode MS" pitchFamily="32" charset="0"/>
+                        <a:cs typeface="Arial" charset="0"/>
+                      </a:endParaRPr>
+                    </a:p>
+                  </a:txBody>
+                  <a:tcPr marL="90000" marR="90000" marT="51336" marB="46800" anchor="ctr" horzOverflow="overflow"/>
+                </a:tc>
+              </a:tr>
+              <a:tr h="370840">
+                <a:tc>
+                  <a:txBody>
+                    <a:bodyPr/>
+                    <a:lstStyle/>
+                    <a:p>
+                      <a:pPr marL="0" marR="0" lvl="0" indent="0" algn="l" defTabSz="457200" rtl="0" eaLnBrk="1" fontAlgn="base" latinLnBrk="0" hangingPunct="1">
+                        <a:lnSpc>
+                          <a:spcPct val="98000"/>
+                        </a:lnSpc>
+                        <a:spcBef>
+                          <a:spcPct val="0"/>
+                        </a:spcBef>
+                        <a:spcAft>
+                          <a:spcPct val="0"/>
+                        </a:spcAft>
+                        <a:buClrTx/>
+                        <a:buSzPct val="100000"/>
+                        <a:buFontTx/>
+                        <a:buNone/>
+                        <a:tabLst>
+                          <a:tab pos="0" algn="l"/>
+                          <a:tab pos="914400" algn="l"/>
+                          <a:tab pos="1828800" algn="l"/>
+                          <a:tab pos="2743200" algn="l"/>
+                          <a:tab pos="3657600" algn="l"/>
+                          <a:tab pos="4572000" algn="l"/>
+                          <a:tab pos="5486400" algn="l"/>
+                          <a:tab pos="6400800" algn="l"/>
+                          <a:tab pos="7315200" algn="l"/>
+                          <a:tab pos="8229600" algn="l"/>
+                          <a:tab pos="9144000" algn="l"/>
+                          <a:tab pos="10058400" algn="l"/>
+                        </a:tabLst>
+                      </a:pPr>
+                      <a:r>
+                        <a:rPr kumimoji="0" lang="en-US" altLang="x-none" sz="1800" u="none" strike="noStrike" cap="none" normalizeH="0" baseline="0" smtClean="0">
+                          <a:ln>
+                            <a:noFill/>
+                          </a:ln>
+                          <a:effectLst/>
+                        </a:rPr>
+                        <a:t>\W</a:t>
+                      </a:r>
+                      <a:endParaRPr kumimoji="0" lang="en-US" altLang="x-none" sz="1800" b="0" i="0" u="none" strike="noStrike" cap="none" normalizeH="0" baseline="0" smtClean="0">
+                        <a:ln>
+                          <a:noFill/>
+                        </a:ln>
+                        <a:solidFill>
+                          <a:srgbClr val="000000"/>
+                        </a:solidFill>
+                        <a:effectLst/>
+                        <a:latin typeface="Arial Unicode MS" pitchFamily="32" charset="0"/>
+                        <a:ea typeface="Arial Unicode MS" pitchFamily="32" charset="0"/>
+                        <a:cs typeface="Arial Unicode MS" pitchFamily="32" charset="0"/>
+                      </a:endParaRPr>
+                    </a:p>
+                  </a:txBody>
+                  <a:tcPr marL="90000" marR="90000" marT="51336" marB="46800" anchor="ctr" horzOverflow="overflow"/>
+                </a:tc>
+                <a:tc>
+                  <a:txBody>
+                    <a:bodyPr/>
+                    <a:lstStyle/>
+                    <a:p>
+                      <a:pPr marL="0" marR="0" lvl="0" indent="0" algn="l" defTabSz="457200" rtl="0" eaLnBrk="1" fontAlgn="base" latinLnBrk="0" hangingPunct="1">
+                        <a:lnSpc>
+                          <a:spcPct val="98000"/>
+                        </a:lnSpc>
+                        <a:spcBef>
+                          <a:spcPct val="0"/>
+                        </a:spcBef>
+                        <a:spcAft>
+                          <a:spcPct val="0"/>
+                        </a:spcAft>
+                        <a:buClrTx/>
+                        <a:buSzPct val="100000"/>
+                        <a:buFontTx/>
+                        <a:buNone/>
+                        <a:tabLst>
+                          <a:tab pos="0" algn="l"/>
+                          <a:tab pos="914400" algn="l"/>
+                          <a:tab pos="1828800" algn="l"/>
+                          <a:tab pos="2743200" algn="l"/>
+                          <a:tab pos="3657600" algn="l"/>
+                          <a:tab pos="4572000" algn="l"/>
+                          <a:tab pos="5486400" algn="l"/>
+                          <a:tab pos="6400800" algn="l"/>
+                          <a:tab pos="7315200" algn="l"/>
+                          <a:tab pos="8229600" algn="l"/>
+                          <a:tab pos="9144000" algn="l"/>
+                          <a:tab pos="10058400" algn="l"/>
+                        </a:tabLst>
+                      </a:pPr>
+                      <a:r>
+                        <a:rPr kumimoji="0" lang="en-US" altLang="x-none" sz="1800" u="none" strike="noStrike" cap="none" normalizeH="0" baseline="0" smtClean="0">
+                          <a:ln>
+                            <a:noFill/>
+                          </a:ln>
+                          <a:effectLst/>
+                        </a:rPr>
+                        <a:t>Alles außer alphanumerische Zeichen</a:t>
+                      </a:r>
+                      <a:endParaRPr kumimoji="0" lang="en-US" altLang="x-none" sz="1800" b="0" i="0" u="none" strike="noStrike" cap="none" normalizeH="0" baseline="0" smtClean="0">
+                        <a:ln>
+                          <a:noFill/>
+                        </a:ln>
+                        <a:solidFill>
+                          <a:srgbClr val="000000"/>
+                        </a:solidFill>
+                        <a:effectLst/>
+                        <a:latin typeface="Arial Unicode MS" pitchFamily="32" charset="0"/>
+                        <a:ea typeface="Arial Unicode MS" pitchFamily="32" charset="0"/>
+                        <a:cs typeface="Arial Unicode MS" pitchFamily="32" charset="0"/>
+                      </a:endParaRPr>
+                    </a:p>
+                  </a:txBody>
+                  <a:tcPr marL="90000" marR="90000" marT="51336" marB="46800" anchor="ctr" horzOverflow="overflow"/>
+                </a:tc>
+                <a:tc>
+                  <a:txBody>
+                    <a:bodyPr/>
+                    <a:lstStyle/>
+                    <a:p>
+                      <a:pPr marL="0" marR="0" lvl="0" indent="0" algn="l" defTabSz="457200" rtl="0" eaLnBrk="1" fontAlgn="base" latinLnBrk="0" hangingPunct="1">
+                        <a:lnSpc>
+                          <a:spcPct val="98000"/>
+                        </a:lnSpc>
+                        <a:spcBef>
+                          <a:spcPct val="0"/>
+                        </a:spcBef>
+                        <a:spcAft>
+                          <a:spcPct val="0"/>
+                        </a:spcAft>
+                        <a:buClrTx/>
+                        <a:buSzPct val="100000"/>
+                        <a:buFontTx/>
+                        <a:buNone/>
+                        <a:tabLst>
+                          <a:tab pos="0" algn="l"/>
+                          <a:tab pos="914400" algn="l"/>
+                          <a:tab pos="1828800" algn="l"/>
+                          <a:tab pos="2743200" algn="l"/>
+                          <a:tab pos="3657600" algn="l"/>
+                          <a:tab pos="4572000" algn="l"/>
+                          <a:tab pos="5486400" algn="l"/>
+                          <a:tab pos="6400800" algn="l"/>
+                          <a:tab pos="7315200" algn="l"/>
+                          <a:tab pos="8229600" algn="l"/>
+                          <a:tab pos="9144000" algn="l"/>
+                          <a:tab pos="10058400" algn="l"/>
+                        </a:tabLst>
+                      </a:pPr>
+                      <a:r>
+                        <a:rPr kumimoji="0" lang="en-US" altLang="x-none" sz="1800" u="none" strike="noStrike" cap="none" normalizeH="0" baseline="0" smtClean="0">
+                          <a:ln>
+                            <a:noFill/>
+                          </a:ln>
+                          <a:effectLst/>
+                        </a:rPr>
+                        <a:t>[^A-Za-z0-9_]</a:t>
+                      </a:r>
+                    </a:p>
+                  </a:txBody>
+                  <a:tcPr marL="90000" marR="90000" marT="51336" marB="46800" anchor="ctr" horzOverflow="overflow"/>
+                </a:tc>
+              </a:tr>
+              <a:tr h="370840">
+                <a:tc>
+                  <a:txBody>
+                    <a:bodyPr/>
+                    <a:lstStyle/>
+                    <a:p>
+                      <a:pPr marL="0" marR="0" lvl="0" indent="0" algn="l" defTabSz="457200" rtl="0" eaLnBrk="1" fontAlgn="base" latinLnBrk="0" hangingPunct="1">
+                        <a:lnSpc>
+                          <a:spcPct val="98000"/>
+                        </a:lnSpc>
+                        <a:spcBef>
+                          <a:spcPct val="0"/>
+                        </a:spcBef>
+                        <a:spcAft>
+                          <a:spcPct val="0"/>
+                        </a:spcAft>
+                        <a:buClrTx/>
+                        <a:buSzPct val="100000"/>
+                        <a:buFontTx/>
+                        <a:buNone/>
+                        <a:tabLst>
+                          <a:tab pos="0" algn="l"/>
+                          <a:tab pos="914400" algn="l"/>
+                          <a:tab pos="1828800" algn="l"/>
+                          <a:tab pos="2743200" algn="l"/>
+                          <a:tab pos="3657600" algn="l"/>
+                          <a:tab pos="4572000" algn="l"/>
+                          <a:tab pos="5486400" algn="l"/>
+                          <a:tab pos="6400800" algn="l"/>
+                          <a:tab pos="7315200" algn="l"/>
+                          <a:tab pos="8229600" algn="l"/>
+                          <a:tab pos="9144000" algn="l"/>
+                          <a:tab pos="10058400" algn="l"/>
+                        </a:tabLst>
+                      </a:pPr>
+                      <a:r>
+                        <a:rPr kumimoji="0" lang="en-US" altLang="x-none" sz="1800" u="none" strike="noStrike" cap="none" normalizeH="0" baseline="0" smtClean="0">
+                          <a:ln>
+                            <a:noFill/>
+                          </a:ln>
+                          <a:effectLst/>
+                        </a:rPr>
+                        <a:t>\b</a:t>
+                      </a:r>
+                      <a:endParaRPr kumimoji="0" lang="en-US" altLang="x-none" sz="1800" b="0" i="0" u="none" strike="noStrike" cap="none" normalizeH="0" baseline="0" smtClean="0">
+                        <a:ln>
+                          <a:noFill/>
+                        </a:ln>
+                        <a:solidFill>
+                          <a:srgbClr val="000000"/>
+                        </a:solidFill>
+                        <a:effectLst/>
+                        <a:latin typeface="Arial Unicode MS" pitchFamily="32" charset="0"/>
+                        <a:ea typeface="Arial Unicode MS" pitchFamily="32" charset="0"/>
+                        <a:cs typeface="Arial Unicode MS" pitchFamily="32" charset="0"/>
+                      </a:endParaRPr>
+                    </a:p>
+                  </a:txBody>
+                  <a:tcPr marL="90000" marR="90000" marT="51336" marB="46800" anchor="ctr" horzOverflow="overflow"/>
+                </a:tc>
+                <a:tc>
+                  <a:txBody>
+                    <a:bodyPr/>
+                    <a:lstStyle/>
+                    <a:p>
+                      <a:pPr marL="0" marR="0" lvl="0" indent="0" algn="l" defTabSz="457200" rtl="0" eaLnBrk="1" fontAlgn="base" latinLnBrk="0" hangingPunct="1">
+                        <a:lnSpc>
+                          <a:spcPct val="98000"/>
+                        </a:lnSpc>
+                        <a:spcBef>
+                          <a:spcPct val="0"/>
+                        </a:spcBef>
+                        <a:spcAft>
+                          <a:spcPct val="0"/>
+                        </a:spcAft>
+                        <a:buClrTx/>
+                        <a:buSzPct val="100000"/>
+                        <a:buFontTx/>
+                        <a:buNone/>
+                        <a:tabLst>
+                          <a:tab pos="0" algn="l"/>
+                          <a:tab pos="914400" algn="l"/>
+                          <a:tab pos="1828800" algn="l"/>
+                          <a:tab pos="2743200" algn="l"/>
+                          <a:tab pos="3657600" algn="l"/>
+                          <a:tab pos="4572000" algn="l"/>
+                          <a:tab pos="5486400" algn="l"/>
+                          <a:tab pos="6400800" algn="l"/>
+                          <a:tab pos="7315200" algn="l"/>
+                          <a:tab pos="8229600" algn="l"/>
+                          <a:tab pos="9144000" algn="l"/>
+                          <a:tab pos="10058400" algn="l"/>
+                        </a:tabLst>
+                      </a:pPr>
+                      <a:r>
+                        <a:rPr kumimoji="0" lang="en-US" altLang="x-none" sz="1800" u="none" strike="noStrike" cap="none" normalizeH="0" baseline="0" smtClean="0">
+                          <a:ln>
+                            <a:noFill/>
+                          </a:ln>
+                          <a:effectLst/>
+                        </a:rPr>
+                        <a:t>Eine Wortgrenze</a:t>
+                      </a:r>
+                      <a:endParaRPr kumimoji="0" lang="en-US" altLang="x-none" sz="1800" b="0" i="0" u="none" strike="noStrike" cap="none" normalizeH="0" baseline="0" smtClean="0">
+                        <a:ln>
+                          <a:noFill/>
+                        </a:ln>
+                        <a:solidFill>
+                          <a:srgbClr val="000000"/>
+                        </a:solidFill>
+                        <a:effectLst/>
+                        <a:latin typeface="Arial Unicode MS" pitchFamily="32" charset="0"/>
+                        <a:ea typeface="Arial Unicode MS" pitchFamily="32" charset="0"/>
+                        <a:cs typeface="Arial Unicode MS" pitchFamily="32" charset="0"/>
+                      </a:endParaRPr>
+                    </a:p>
+                  </a:txBody>
+                  <a:tcPr marL="90000" marR="90000" marT="51336" marB="46800" anchor="ctr" horzOverflow="overflow"/>
+                </a:tc>
+                <a:tc>
+                  <a:txBody>
+                    <a:bodyPr/>
+                    <a:lstStyle/>
+                    <a:p>
+                      <a:pPr marL="0" marR="0" lvl="0" indent="0" algn="l" defTabSz="457200" rtl="0" eaLnBrk="1" fontAlgn="base" latinLnBrk="0" hangingPunct="1">
+                        <a:lnSpc>
+                          <a:spcPct val="98000"/>
+                        </a:lnSpc>
+                        <a:spcBef>
+                          <a:spcPct val="0"/>
+                        </a:spcBef>
+                        <a:spcAft>
+                          <a:spcPct val="0"/>
+                        </a:spcAft>
+                        <a:buClrTx/>
+                        <a:buSzPct val="100000"/>
+                        <a:buFontTx/>
+                        <a:buNone/>
+                        <a:tabLst>
+                          <a:tab pos="0" algn="l"/>
+                          <a:tab pos="914400" algn="l"/>
+                          <a:tab pos="1828800" algn="l"/>
+                          <a:tab pos="2743200" algn="l"/>
+                          <a:tab pos="3657600" algn="l"/>
+                          <a:tab pos="4572000" algn="l"/>
+                          <a:tab pos="5486400" algn="l"/>
+                          <a:tab pos="6400800" algn="l"/>
+                          <a:tab pos="7315200" algn="l"/>
+                          <a:tab pos="8229600" algn="l"/>
+                          <a:tab pos="9144000" algn="l"/>
+                          <a:tab pos="10058400" algn="l"/>
+                        </a:tabLst>
+                      </a:pPr>
+                      <a:r>
+                        <a:rPr kumimoji="0" lang="en-US" altLang="x-none" sz="1800" u="none" strike="noStrike" cap="none" normalizeH="0" baseline="0" smtClean="0">
+                          <a:ln>
+                            <a:noFill/>
+                          </a:ln>
+                          <a:effectLst/>
+                        </a:rPr>
+                        <a:t>(^\w|\w$|\W\w|\w\W)</a:t>
+                      </a:r>
+                      <a:endParaRPr kumimoji="0" lang="en-US" altLang="x-none" sz="1800" b="0" i="0" u="none" strike="noStrike" cap="none" normalizeH="0" baseline="0" smtClean="0">
+                        <a:ln>
+                          <a:noFill/>
+                        </a:ln>
+                        <a:solidFill>
+                          <a:srgbClr val="000000"/>
+                        </a:solidFill>
+                        <a:effectLst/>
+                        <a:latin typeface="Arial Unicode MS" pitchFamily="32" charset="0"/>
+                        <a:ea typeface="Arial Unicode MS" pitchFamily="32" charset="0"/>
+                        <a:cs typeface="Arial Unicode MS" pitchFamily="32" charset="0"/>
+                      </a:endParaRPr>
+                    </a:p>
+                  </a:txBody>
+                  <a:tcPr marL="90000" marR="90000" marT="51336" marB="46800" anchor="ctr" horzOverflow="overflow"/>
+                </a:tc>
+              </a:tr>
+              <a:tr h="370840">
+                <a:tc>
+                  <a:txBody>
+                    <a:bodyPr/>
+                    <a:lstStyle/>
+                    <a:p>
+                      <a:pPr marL="0" marR="0" lvl="0" indent="0" algn="l" defTabSz="457200" rtl="0" eaLnBrk="1" fontAlgn="base" latinLnBrk="0" hangingPunct="1">
+                        <a:lnSpc>
+                          <a:spcPct val="98000"/>
+                        </a:lnSpc>
+                        <a:spcBef>
+                          <a:spcPct val="0"/>
+                        </a:spcBef>
+                        <a:spcAft>
+                          <a:spcPct val="0"/>
+                        </a:spcAft>
+                        <a:buClrTx/>
+                        <a:buSzPct val="100000"/>
+                        <a:buFontTx/>
+                        <a:buNone/>
+                        <a:tabLst>
+                          <a:tab pos="0" algn="l"/>
+                          <a:tab pos="914400" algn="l"/>
+                          <a:tab pos="1828800" algn="l"/>
+                          <a:tab pos="2743200" algn="l"/>
+                          <a:tab pos="3657600" algn="l"/>
+                          <a:tab pos="4572000" algn="l"/>
+                          <a:tab pos="5486400" algn="l"/>
+                          <a:tab pos="6400800" algn="l"/>
+                          <a:tab pos="7315200" algn="l"/>
+                          <a:tab pos="8229600" algn="l"/>
+                          <a:tab pos="9144000" algn="l"/>
+                          <a:tab pos="10058400" algn="l"/>
+                        </a:tabLst>
+                      </a:pPr>
+                      <a:r>
+                        <a:rPr kumimoji="0" lang="en-US" altLang="x-none" sz="1800" u="none" strike="noStrike" cap="none" normalizeH="0" baseline="0" dirty="0" smtClean="0">
+                          <a:ln>
+                            <a:noFill/>
+                          </a:ln>
+                          <a:effectLst/>
+                        </a:rPr>
+                        <a:t>.</a:t>
+                      </a:r>
+                      <a:endParaRPr kumimoji="0" lang="en-US" altLang="x-none" sz="1800" b="0" i="0" u="none" strike="noStrike" cap="none" normalizeH="0" baseline="0" dirty="0" smtClean="0">
+                        <a:ln>
+                          <a:noFill/>
+                        </a:ln>
+                        <a:solidFill>
+                          <a:srgbClr val="000000"/>
+                        </a:solidFill>
+                        <a:effectLst/>
+                        <a:latin typeface="Arial Unicode MS" pitchFamily="32" charset="0"/>
+                        <a:ea typeface="Arial Unicode MS" pitchFamily="32" charset="0"/>
+                        <a:cs typeface="Arial Unicode MS" pitchFamily="32" charset="0"/>
+                      </a:endParaRPr>
+                    </a:p>
+                  </a:txBody>
+                  <a:tcPr marL="90000" marR="90000" marT="51336" marB="46800" anchor="ctr" horzOverflow="overflow"/>
+                </a:tc>
+                <a:tc>
+                  <a:txBody>
+                    <a:bodyPr/>
+                    <a:lstStyle/>
+                    <a:p>
+                      <a:pPr marL="0" marR="0" lvl="0" indent="0" algn="l" defTabSz="457200" rtl="0" eaLnBrk="1" fontAlgn="base" latinLnBrk="0" hangingPunct="1">
+                        <a:lnSpc>
+                          <a:spcPct val="98000"/>
+                        </a:lnSpc>
+                        <a:spcBef>
+                          <a:spcPct val="0"/>
+                        </a:spcBef>
+                        <a:spcAft>
+                          <a:spcPct val="0"/>
+                        </a:spcAft>
+                        <a:buClrTx/>
+                        <a:buSzPct val="100000"/>
+                        <a:buFontTx/>
+                        <a:buNone/>
+                        <a:tabLst>
+                          <a:tab pos="0" algn="l"/>
+                          <a:tab pos="914400" algn="l"/>
+                          <a:tab pos="1828800" algn="l"/>
+                          <a:tab pos="2743200" algn="l"/>
+                          <a:tab pos="3657600" algn="l"/>
+                          <a:tab pos="4572000" algn="l"/>
+                          <a:tab pos="5486400" algn="l"/>
+                          <a:tab pos="6400800" algn="l"/>
+                          <a:tab pos="7315200" algn="l"/>
+                          <a:tab pos="8229600" algn="l"/>
+                          <a:tab pos="9144000" algn="l"/>
+                          <a:tab pos="10058400" algn="l"/>
+                        </a:tabLst>
+                      </a:pPr>
+                      <a:r>
+                        <a:rPr kumimoji="0" lang="en-US" altLang="x-none" sz="1800" u="none" strike="noStrike" cap="none" normalizeH="0" baseline="0" smtClean="0">
+                          <a:ln>
+                            <a:noFill/>
+                          </a:ln>
+                          <a:effectLst/>
+                        </a:rPr>
+                        <a:t>Alle Zeichen außer Zeilenumbrüche</a:t>
+                      </a:r>
+                      <a:endParaRPr kumimoji="0" lang="en-US" altLang="x-none" sz="1800" b="0" i="0" u="none" strike="noStrike" cap="none" normalizeH="0" baseline="0" smtClean="0">
+                        <a:ln>
+                          <a:noFill/>
+                        </a:ln>
+                        <a:solidFill>
+                          <a:srgbClr val="000000"/>
+                        </a:solidFill>
+                        <a:effectLst/>
+                        <a:latin typeface="Arial Unicode MS" pitchFamily="32" charset="0"/>
+                        <a:ea typeface="Arial Unicode MS" pitchFamily="32" charset="0"/>
+                        <a:cs typeface="Arial Unicode MS" pitchFamily="32" charset="0"/>
+                      </a:endParaRPr>
+                    </a:p>
+                  </a:txBody>
+                  <a:tcPr marL="90000" marR="90000" marT="51336" marB="46800" anchor="ctr" horzOverflow="overflow"/>
+                </a:tc>
+                <a:tc>
+                  <a:txBody>
+                    <a:bodyPr/>
+                    <a:lstStyle/>
+                    <a:p>
+                      <a:pPr marL="0" marR="0" lvl="0" indent="0" algn="l" defTabSz="457200" rtl="0" eaLnBrk="1" fontAlgn="base" latinLnBrk="0" hangingPunct="1">
+                        <a:lnSpc>
+                          <a:spcPct val="98000"/>
+                        </a:lnSpc>
+                        <a:spcBef>
+                          <a:spcPct val="0"/>
+                        </a:spcBef>
+                        <a:spcAft>
+                          <a:spcPct val="0"/>
+                        </a:spcAft>
+                        <a:buClrTx/>
+                        <a:buSzPct val="100000"/>
+                        <a:buFontTx/>
+                        <a:buNone/>
+                        <a:tabLst>
+                          <a:tab pos="0" algn="l"/>
+                          <a:tab pos="914400" algn="l"/>
+                          <a:tab pos="1828800" algn="l"/>
+                          <a:tab pos="2743200" algn="l"/>
+                          <a:tab pos="3657600" algn="l"/>
+                          <a:tab pos="4572000" algn="l"/>
+                          <a:tab pos="5486400" algn="l"/>
+                          <a:tab pos="6400800" algn="l"/>
+                          <a:tab pos="7315200" algn="l"/>
+                          <a:tab pos="8229600" algn="l"/>
+                          <a:tab pos="9144000" algn="l"/>
+                          <a:tab pos="10058400" algn="l"/>
+                        </a:tabLst>
+                      </a:pPr>
+                      <a:r>
+                        <a:rPr kumimoji="0" lang="en-US" altLang="x-none" sz="1800" u="none" strike="noStrike" cap="none" normalizeH="0" baseline="0" dirty="0" smtClean="0">
+                          <a:ln>
+                            <a:noFill/>
+                          </a:ln>
+                          <a:effectLst/>
+                        </a:rPr>
+                        <a:t>[^\n]</a:t>
+                      </a:r>
+                      <a:endParaRPr kumimoji="0" lang="en-US" altLang="x-none" sz="1800" b="0" i="0" u="none" strike="noStrike" cap="none" normalizeH="0" baseline="0" dirty="0" smtClean="0">
+                        <a:ln>
+                          <a:noFill/>
+                        </a:ln>
+                        <a:solidFill>
+                          <a:srgbClr val="000000"/>
+                        </a:solidFill>
+                        <a:effectLst/>
+                        <a:latin typeface="Arial Unicode MS" pitchFamily="32" charset="0"/>
+                        <a:ea typeface="Arial Unicode MS" pitchFamily="32" charset="0"/>
+                        <a:cs typeface="Arial Unicode MS" pitchFamily="32" charset="0"/>
+                      </a:endParaRPr>
+                    </a:p>
+                  </a:txBody>
+                  <a:tcPr marL="90000" marR="90000" marT="51336" marB="46800" anchor="ctr" horzOverflow="overflow"/>
+                </a:tc>
+              </a:tr>
+            </a:tbl>
+          </a:graphicData>
+        </a:graphic>
+      </p:graphicFrame>
+      <p:sp>
+        <p:nvSpPr>
+          <p:cNvPr id="3" name="Datumsplatzhalter 2"/>
+          <p:cNvSpPr>
+            <a:spLocks noGrp="1"/>
+          </p:cNvSpPr>
+          <p:nvPr>
+            <p:ph type="dt" sz="half" idx="10"/>
+          </p:nvPr>
+        </p:nvSpPr>
+        <p:spPr/>
+        <p:txBody>
+          <a:bodyPr/>
+          <a:lstStyle/>
+          <a:p>
+            <a:r>
+              <a:rPr lang="de-AT" smtClean="0"/>
+              <a:t>Regex - Stefan Huber</a:t>
+            </a:r>
+            <a:endParaRPr lang="de-AT"/>
+          </a:p>
+        </p:txBody>
+      </p:sp>
+      <p:sp>
+        <p:nvSpPr>
+          <p:cNvPr id="5" name="Foliennummernplatzhalter 4"/>
+          <p:cNvSpPr>
+            <a:spLocks noGrp="1"/>
+          </p:cNvSpPr>
+          <p:nvPr>
+            <p:ph type="sldNum" sz="quarter" idx="12"/>
+          </p:nvPr>
+        </p:nvSpPr>
+        <p:spPr/>
+        <p:txBody>
+          <a:bodyPr/>
+          <a:lstStyle/>
+          <a:p>
+            <a:fld id="{8EAD676A-C7A8-4218-B78E-F87D87864F23}" type="slidenum">
+              <a:rPr lang="de-AT" smtClean="0"/>
+              <a:t>10</a:t>
+            </a:fld>
+            <a:endParaRPr lang="de-AT"/>
+          </a:p>
+        </p:txBody>
+      </p:sp>
+    </p:spTree>
+    <p:extLst>
+      <p:ext uri="{BB962C8B-B14F-4D97-AF65-F5344CB8AC3E}">
+        <p14:creationId xmlns:p14="http://schemas.microsoft.com/office/powerpoint/2010/main" val="2318834180"/>
+      </p:ext>
+    </p:extLst>
+  </p:cSld>
+  <p:clrMapOvr>
+    <a:masterClrMapping/>
+  </p:clrMapOvr>
+  <p:timing>
+    <p:tnLst>
+      <p:par>
+        <p:cTn id="1" dur="indefinite" restart="never" nodeType="tmRoot"/>
+      </p:par>
+    </p:tnLst>
+  </p:timing>
+</p:sld>
+</file>
+
+<file path=ppt/slides/slide11.xml><?xml version="1.0" encoding="utf-8"?>
 <p:sld xmlns:a="http://schemas.openxmlformats.org/drawingml/2006/main" xmlns:r="http://schemas.openxmlformats.org/officeDocument/2006/relationships" xmlns:p="http://schemas.openxmlformats.org/presentationml/2006/main">
   <p:cSld>
     <p:spTree>
@@ -5177,7 +6930,7 @@
           <a:p>
             <a:fld id="{8EAD676A-C7A8-4218-B78E-F87D87864F23}" type="slidenum">
               <a:rPr lang="de-AT" smtClean="0"/>
-              <a:t>10</a:t>
+              <a:t>11</a:t>
             </a:fld>
             <a:endParaRPr lang="de-AT"/>
           </a:p>
@@ -5193,10 +6946,17 @@
   <p:clrMapOvr>
     <a:masterClrMapping/>
   </p:clrMapOvr>
+  <p:timing>
+    <p:tnLst>
+      <p:par>
+        <p:cTn id="1" dur="indefinite" restart="never" nodeType="tmRoot"/>
+      </p:par>
+    </p:tnLst>
+  </p:timing>
 </p:sld>
 </file>
 
-<file path=ppt/slides/slide11.xml><?xml version="1.0" encoding="utf-8"?>
+<file path=ppt/slides/slide12.xml><?xml version="1.0" encoding="utf-8"?>
 <p:sld xmlns:a="http://schemas.openxmlformats.org/drawingml/2006/main" xmlns:r="http://schemas.openxmlformats.org/officeDocument/2006/relationships" xmlns:p="http://schemas.openxmlformats.org/presentationml/2006/main">
   <p:cSld>
     <p:spTree>
@@ -6860,7 +8620,7 @@
           <a:p>
             <a:fld id="{8EAD676A-C7A8-4218-B78E-F87D87864F23}" type="slidenum">
               <a:rPr lang="de-AT" smtClean="0"/>
-              <a:t>11</a:t>
+              <a:t>12</a:t>
             </a:fld>
             <a:endParaRPr lang="de-AT"/>
           </a:p>
@@ -6876,10 +8636,17 @@
   <p:clrMapOvr>
     <a:masterClrMapping/>
   </p:clrMapOvr>
+  <p:timing>
+    <p:tnLst>
+      <p:par>
+        <p:cTn id="1" dur="indefinite" restart="never" nodeType="tmRoot"/>
+      </p:par>
+    </p:tnLst>
+  </p:timing>
 </p:sld>
 </file>
 
-<file path=ppt/slides/slide12.xml><?xml version="1.0" encoding="utf-8"?>
+<file path=ppt/slides/slide13.xml><?xml version="1.0" encoding="utf-8"?>
 <p:sld xmlns:a="http://schemas.openxmlformats.org/drawingml/2006/main" xmlns:r="http://schemas.openxmlformats.org/officeDocument/2006/relationships" xmlns:p="http://schemas.openxmlformats.org/presentationml/2006/main">
   <p:cSld>
     <p:spTree>
@@ -8215,7 +9982,7 @@
           <a:p>
             <a:fld id="{8EAD676A-C7A8-4218-B78E-F87D87864F23}" type="slidenum">
               <a:rPr lang="de-AT" smtClean="0"/>
-              <a:t>12</a:t>
+              <a:t>13</a:t>
             </a:fld>
             <a:endParaRPr lang="de-AT"/>
           </a:p>
@@ -8231,10 +9998,17 @@
   <p:clrMapOvr>
     <a:masterClrMapping/>
   </p:clrMapOvr>
+  <p:timing>
+    <p:tnLst>
+      <p:par>
+        <p:cTn id="1" dur="indefinite" restart="never" nodeType="tmRoot"/>
+      </p:par>
+    </p:tnLst>
+  </p:timing>
 </p:sld>
 </file>
 
-<file path=ppt/slides/slide13.xml><?xml version="1.0" encoding="utf-8"?>
+<file path=ppt/slides/slide14.xml><?xml version="1.0" encoding="utf-8"?>
 <p:sld xmlns:a="http://schemas.openxmlformats.org/drawingml/2006/main" xmlns:r="http://schemas.openxmlformats.org/officeDocument/2006/relationships" xmlns:p="http://schemas.openxmlformats.org/presentationml/2006/main">
   <p:cSld>
     <p:spTree>
@@ -9064,7 +10838,7 @@
           <a:p>
             <a:fld id="{8EAD676A-C7A8-4218-B78E-F87D87864F23}" type="slidenum">
               <a:rPr lang="de-AT" smtClean="0"/>
-              <a:t>13</a:t>
+              <a:t>14</a:t>
             </a:fld>
             <a:endParaRPr lang="de-AT"/>
           </a:p>
@@ -9080,10 +10854,17 @@
   <p:clrMapOvr>
     <a:masterClrMapping/>
   </p:clrMapOvr>
+  <p:timing>
+    <p:tnLst>
+      <p:par>
+        <p:cTn id="1" dur="indefinite" restart="never" nodeType="tmRoot"/>
+      </p:par>
+    </p:tnLst>
+  </p:timing>
 </p:sld>
 </file>
 
-<file path=ppt/slides/slide14.xml><?xml version="1.0" encoding="utf-8"?>
+<file path=ppt/slides/slide15.xml><?xml version="1.0" encoding="utf-8"?>
 <p:sld xmlns:a="http://schemas.openxmlformats.org/drawingml/2006/main" xmlns:r="http://schemas.openxmlformats.org/officeDocument/2006/relationships" xmlns:p="http://schemas.openxmlformats.org/presentationml/2006/main">
   <p:cSld>
     <p:spTree>
@@ -9883,7 +11664,7 @@
           <a:p>
             <a:fld id="{8EAD676A-C7A8-4218-B78E-F87D87864F23}" type="slidenum">
               <a:rPr lang="de-AT" smtClean="0"/>
-              <a:t>14</a:t>
+              <a:t>15</a:t>
             </a:fld>
             <a:endParaRPr lang="de-AT"/>
           </a:p>
@@ -9899,10 +11680,17 @@
   <p:clrMapOvr>
     <a:masterClrMapping/>
   </p:clrMapOvr>
+  <p:timing>
+    <p:tnLst>
+      <p:par>
+        <p:cTn id="1" dur="indefinite" restart="never" nodeType="tmRoot"/>
+      </p:par>
+    </p:tnLst>
+  </p:timing>
 </p:sld>
 </file>
 
-<file path=ppt/slides/slide15.xml><?xml version="1.0" encoding="utf-8"?>
+<file path=ppt/slides/slide16.xml><?xml version="1.0" encoding="utf-8"?>
 <p:sld xmlns:a="http://schemas.openxmlformats.org/drawingml/2006/main" xmlns:r="http://schemas.openxmlformats.org/officeDocument/2006/relationships" xmlns:p="http://schemas.openxmlformats.org/presentationml/2006/main">
   <p:cSld>
     <p:spTree>
@@ -10047,7 +11835,7 @@
           <a:p>
             <a:fld id="{8EAD676A-C7A8-4218-B78E-F87D87864F23}" type="slidenum">
               <a:rPr lang="de-AT" smtClean="0"/>
-              <a:t>15</a:t>
+              <a:t>16</a:t>
             </a:fld>
             <a:endParaRPr lang="de-AT"/>
           </a:p>
@@ -10063,10 +11851,17 @@
   <p:clrMapOvr>
     <a:masterClrMapping/>
   </p:clrMapOvr>
+  <p:timing>
+    <p:tnLst>
+      <p:par>
+        <p:cTn id="1" dur="indefinite" restart="never" nodeType="tmRoot"/>
+      </p:par>
+    </p:tnLst>
+  </p:timing>
 </p:sld>
 </file>
 
-<file path=ppt/slides/slide16.xml><?xml version="1.0" encoding="utf-8"?>
+<file path=ppt/slides/slide17.xml><?xml version="1.0" encoding="utf-8"?>
 <p:sld xmlns:a="http://schemas.openxmlformats.org/drawingml/2006/main" xmlns:r="http://schemas.openxmlformats.org/officeDocument/2006/relationships" xmlns:p="http://schemas.openxmlformats.org/presentationml/2006/main">
   <p:cSld>
     <p:spTree>
@@ -10946,7 +12741,7 @@
           <a:p>
             <a:fld id="{8EAD676A-C7A8-4218-B78E-F87D87864F23}" type="slidenum">
               <a:rPr lang="de-AT" smtClean="0"/>
-              <a:t>16</a:t>
+              <a:t>17</a:t>
             </a:fld>
             <a:endParaRPr lang="de-AT"/>
           </a:p>
@@ -10962,241 +12757,13 @@
   <p:clrMapOvr>
     <a:masterClrMapping/>
   </p:clrMapOvr>
-</p:sld>
-</file>
-
-<file path=ppt/slides/slide17.xml><?xml version="1.0" encoding="utf-8"?>
-<p:sld xmlns:a="http://schemas.openxmlformats.org/drawingml/2006/main" xmlns:r="http://schemas.openxmlformats.org/officeDocument/2006/relationships" xmlns:p="http://schemas.openxmlformats.org/presentationml/2006/main">
-  <p:cSld>
-    <p:spTree>
-      <p:nvGrpSpPr>
-        <p:cNvPr id="1" name=""/>
-        <p:cNvGrpSpPr/>
-        <p:nvPr/>
-      </p:nvGrpSpPr>
-      <p:grpSpPr>
-        <a:xfrm>
-          <a:off x="0" y="0"/>
-          <a:ext cx="0" cy="0"/>
-          <a:chOff x="0" y="0"/>
-          <a:chExt cx="0" cy="0"/>
-        </a:xfrm>
-      </p:grpSpPr>
-      <p:sp>
-        <p:nvSpPr>
-          <p:cNvPr id="2" name="Titel 1"/>
-          <p:cNvSpPr>
-            <a:spLocks noGrp="1"/>
-          </p:cNvSpPr>
-          <p:nvPr>
-            <p:ph type="title"/>
-          </p:nvPr>
-        </p:nvSpPr>
-        <p:spPr/>
-        <p:txBody>
-          <a:bodyPr>
-            <a:normAutofit fontScale="90000"/>
-          </a:bodyPr>
-          <a:lstStyle/>
-          <a:p>
-            <a:r>
-              <a:rPr lang="en-US" altLang="x-none" dirty="0">
-                <a:ea typeface="Droid Sans Fallback" charset="0"/>
-                <a:cs typeface="Droid Sans Fallback" charset="0"/>
-              </a:rPr>
-              <a:t>Check </a:t>
-            </a:r>
-            <a:r>
-              <a:rPr lang="en-US" altLang="x-none" dirty="0" err="1">
-                <a:ea typeface="Droid Sans Fallback" charset="0"/>
-                <a:cs typeface="Droid Sans Fallback" charset="0"/>
-              </a:rPr>
-              <a:t>beim</a:t>
-            </a:r>
-            <a:r>
-              <a:rPr lang="en-US" altLang="x-none" dirty="0">
-                <a:ea typeface="Droid Sans Fallback" charset="0"/>
-                <a:cs typeface="Droid Sans Fallback" charset="0"/>
-              </a:rPr>
-              <a:t> </a:t>
-            </a:r>
-            <a:r>
-              <a:rPr lang="en-US" altLang="x-none" dirty="0" err="1">
-                <a:ea typeface="Droid Sans Fallback" charset="0"/>
-                <a:cs typeface="Droid Sans Fallback" charset="0"/>
-              </a:rPr>
-              <a:t>Erstellen</a:t>
-            </a:r>
-            <a:r>
-              <a:rPr lang="en-US" altLang="x-none" dirty="0">
-                <a:ea typeface="Droid Sans Fallback" charset="0"/>
-                <a:cs typeface="Droid Sans Fallback" charset="0"/>
-              </a:rPr>
-              <a:t> von Regular </a:t>
-            </a:r>
-            <a:r>
-              <a:rPr lang="en-US" altLang="x-none" dirty="0" smtClean="0">
-                <a:ea typeface="Droid Sans Fallback" charset="0"/>
-                <a:cs typeface="Droid Sans Fallback" charset="0"/>
-              </a:rPr>
-              <a:t>Expression</a:t>
-            </a:r>
-            <a:endParaRPr lang="de-AT" dirty="0"/>
-          </a:p>
-        </p:txBody>
-      </p:sp>
-      <p:sp>
-        <p:nvSpPr>
-          <p:cNvPr id="3" name="Inhaltsplatzhalter 2"/>
-          <p:cNvSpPr>
-            <a:spLocks noGrp="1"/>
-          </p:cNvSpPr>
-          <p:nvPr>
-            <p:ph sz="quarter" idx="1"/>
-          </p:nvPr>
-        </p:nvSpPr>
-        <p:spPr/>
-        <p:txBody>
-          <a:bodyPr/>
-          <a:lstStyle/>
-          <a:p>
-            <a:r>
-              <a:rPr lang="de-AT" dirty="0"/>
-              <a:t>A (Anker): Können Anker oder Wortgrenzen gesetzt werden?</a:t>
-            </a:r>
-          </a:p>
-          <a:p>
-            <a:r>
-              <a:rPr lang="de-AT" dirty="0"/>
-              <a:t>G (</a:t>
-            </a:r>
-            <a:r>
-              <a:rPr lang="de-AT" dirty="0" err="1"/>
-              <a:t>Greedy</a:t>
-            </a:r>
-            <a:r>
-              <a:rPr lang="de-AT" dirty="0"/>
-              <a:t>): </a:t>
-            </a:r>
-            <a:r>
-              <a:rPr lang="de-AT" dirty="0" err="1"/>
-              <a:t>Greedy</a:t>
-            </a:r>
-            <a:r>
-              <a:rPr lang="de-AT" dirty="0"/>
-              <a:t> vs. </a:t>
-            </a:r>
-            <a:r>
-              <a:rPr lang="de-AT" dirty="0" err="1"/>
-              <a:t>Lazy</a:t>
-            </a:r>
-            <a:r>
-              <a:rPr lang="de-AT" dirty="0"/>
-              <a:t> </a:t>
-            </a:r>
-            <a:r>
-              <a:rPr lang="de-AT" dirty="0" err="1"/>
-              <a:t>Quantifier</a:t>
-            </a:r>
-            <a:endParaRPr lang="de-AT" dirty="0"/>
-          </a:p>
-          <a:p>
-            <a:r>
-              <a:rPr lang="de-AT" dirty="0"/>
-              <a:t>R (Repeat): Gibt es Teile des Musters die sich wiederholen und präziser beschrieben werden können?</a:t>
-            </a:r>
-          </a:p>
-          <a:p>
-            <a:r>
-              <a:rPr lang="de-AT" dirty="0"/>
-              <a:t>A (</a:t>
-            </a:r>
-            <a:r>
-              <a:rPr lang="de-AT" dirty="0" err="1"/>
-              <a:t>Atomic</a:t>
-            </a:r>
-            <a:r>
-              <a:rPr lang="de-AT" dirty="0"/>
-              <a:t>): Atomare oder </a:t>
-            </a:r>
-            <a:r>
-              <a:rPr lang="de-AT" dirty="0" err="1"/>
-              <a:t>possesive</a:t>
-            </a:r>
-            <a:r>
-              <a:rPr lang="de-AT" dirty="0"/>
-              <a:t> </a:t>
-            </a:r>
-            <a:r>
-              <a:rPr lang="de-AT" dirty="0" err="1"/>
-              <a:t>Quantifier</a:t>
-            </a:r>
-            <a:r>
-              <a:rPr lang="de-AT" dirty="0"/>
-              <a:t> verwenden?</a:t>
-            </a:r>
-          </a:p>
-          <a:p>
-            <a:endParaRPr lang="de-AT" dirty="0"/>
-          </a:p>
-        </p:txBody>
-      </p:sp>
-      <p:sp>
-        <p:nvSpPr>
-          <p:cNvPr id="4" name="Datumsplatzhalter 3"/>
-          <p:cNvSpPr>
-            <a:spLocks noGrp="1"/>
-          </p:cNvSpPr>
-          <p:nvPr>
-            <p:ph type="dt" sz="half" idx="10"/>
-          </p:nvPr>
-        </p:nvSpPr>
-        <p:spPr/>
-        <p:txBody>
-          <a:bodyPr/>
-          <a:lstStyle/>
-          <a:p>
-            <a:r>
-              <a:rPr lang="de-AT" smtClean="0"/>
-              <a:t>Regex - Stefan Huber</a:t>
-            </a:r>
-            <a:endParaRPr lang="de-AT"/>
-          </a:p>
-        </p:txBody>
-      </p:sp>
-      <p:sp>
-        <p:nvSpPr>
-          <p:cNvPr id="5" name="Foliennummernplatzhalter 4"/>
-          <p:cNvSpPr>
-            <a:spLocks noGrp="1"/>
-          </p:cNvSpPr>
-          <p:nvPr>
-            <p:ph type="sldNum" sz="quarter" idx="12"/>
-          </p:nvPr>
-        </p:nvSpPr>
-        <p:spPr/>
-        <p:txBody>
-          <a:bodyPr/>
-          <a:lstStyle/>
-          <a:p>
-            <a:fld id="{8EAD676A-C7A8-4218-B78E-F87D87864F23}" type="slidenum">
-              <a:rPr lang="de-AT" smtClean="0"/>
-              <a:t>17</a:t>
-            </a:fld>
-            <a:endParaRPr lang="de-AT"/>
-          </a:p>
-        </p:txBody>
-      </p:sp>
-    </p:spTree>
-    <p:extLst>
-      <p:ext uri="{BB962C8B-B14F-4D97-AF65-F5344CB8AC3E}">
-        <p14:creationId xmlns:p14="http://schemas.microsoft.com/office/powerpoint/2010/main" val="2290941296"/>
-      </p:ext>
-    </p:extLst>
-  </p:cSld>
-  <p:clrMapOvr>
-    <a:masterClrMapping/>
-  </p:clrMapOvr>
+  <p:timing>
+    <p:tnLst>
+      <p:par>
+        <p:cTn id="1" dur="indefinite" restart="never" nodeType="tmRoot"/>
+      </p:par>
+    </p:tnLst>
+  </p:timing>
 </p:sld>
 </file>
 
@@ -11230,23 +12797,51 @@
         <p:spPr/>
         <p:txBody>
           <a:bodyPr>
-            <a:normAutofit/>
+            <a:normAutofit fontScale="90000"/>
           </a:bodyPr>
           <a:lstStyle/>
           <a:p>
+            <a:r>
+              <a:rPr lang="en-US" altLang="x-none" dirty="0">
+                <a:ea typeface="Droid Sans Fallback" charset="0"/>
+                <a:cs typeface="Droid Sans Fallback" charset="0"/>
+              </a:rPr>
+              <a:t>Check </a:t>
+            </a:r>
             <a:r>
               <a:rPr lang="en-US" altLang="x-none" dirty="0" err="1">
                 <a:ea typeface="Droid Sans Fallback" charset="0"/>
                 <a:cs typeface="Droid Sans Fallback" charset="0"/>
               </a:rPr>
-              <a:t>Erstellung</a:t>
+              <a:t>beim</a:t>
             </a:r>
             <a:r>
               <a:rPr lang="en-US" altLang="x-none" dirty="0">
                 <a:ea typeface="Droid Sans Fallback" charset="0"/>
                 <a:cs typeface="Droid Sans Fallback" charset="0"/>
               </a:rPr>
-              <a:t> von Regular Expressions</a:t>
+              <a:t> </a:t>
+            </a:r>
+            <a:r>
+              <a:rPr lang="en-US" altLang="x-none" dirty="0" err="1">
+                <a:ea typeface="Droid Sans Fallback" charset="0"/>
+                <a:cs typeface="Droid Sans Fallback" charset="0"/>
+              </a:rPr>
+              <a:t>Erstellen</a:t>
+            </a:r>
+            <a:r>
+              <a:rPr lang="en-US" altLang="x-none" dirty="0">
+                <a:ea typeface="Droid Sans Fallback" charset="0"/>
+                <a:cs typeface="Droid Sans Fallback" charset="0"/>
+              </a:rPr>
+              <a:t> von Regular </a:t>
+            </a:r>
+            <a:r>
+              <a:rPr lang="en-US" altLang="x-none" dirty="0" smtClean="0">
+                <a:ea typeface="Droid Sans Fallback" charset="0"/>
+                <a:cs typeface="Droid Sans Fallback" charset="0"/>
+              </a:rPr>
+              <a:t>Expression</a:t>
             </a:r>
             <a:endParaRPr lang="de-AT" dirty="0"/>
           </a:p>
@@ -11269,53 +12864,79 @@
           <a:p>
             <a:r>
               <a:rPr lang="de-AT" dirty="0"/>
-              <a:t>Verwenden eines Emulators zum testen</a:t>
-            </a:r>
-          </a:p>
-          <a:p>
-            <a:pPr lvl="1"/>
+              <a:t>A (Anker): Können Anker oder Wortgrenzen gesetzt werden?</a:t>
+            </a:r>
+          </a:p>
+          <a:p>
             <a:r>
               <a:rPr lang="de-AT" dirty="0"/>
-              <a:t>https://regex101.com/</a:t>
-            </a:r>
-          </a:p>
-          <a:p>
+              <a:t>G (</a:t>
+            </a:r>
+            <a:r>
+              <a:rPr lang="de-AT" dirty="0" err="1"/>
+              <a:t>Greedy</a:t>
+            </a:r>
             <a:r>
               <a:rPr lang="de-AT" dirty="0"/>
-              <a:t>So spezifisch wie möglich vs. so Allgemein wie möglich</a:t>
-            </a:r>
-          </a:p>
-          <a:p>
+              <a:t>): </a:t>
+            </a:r>
+            <a:r>
+              <a:rPr lang="de-AT" dirty="0" err="1"/>
+              <a:t>Greedy</a:t>
+            </a:r>
             <a:r>
               <a:rPr lang="de-AT" dirty="0"/>
-              <a:t>Wartbarkeit/Lesbarkeit </a:t>
+              <a:t> vs. </a:t>
             </a:r>
             <a:r>
               <a:rPr lang="de-AT" dirty="0" err="1"/>
-              <a:t>vs</a:t>
+              <a:t>Lazy</a:t>
             </a:r>
             <a:r>
               <a:rPr lang="de-AT" dirty="0"/>
-              <a:t> Präzision</a:t>
-            </a:r>
+              <a:t> </a:t>
+            </a:r>
+            <a:r>
+              <a:rPr lang="de-AT" dirty="0" err="1"/>
+              <a:t>Quantifier</a:t>
+            </a:r>
+            <a:endParaRPr lang="de-AT" dirty="0"/>
           </a:p>
           <a:p>
             <a:r>
               <a:rPr lang="de-AT" dirty="0"/>
-              <a:t>Quellcodeformatierung (ja/nein)</a:t>
+              <a:t>R (Repeat): Gibt es Teile des Musters die sich wiederholen und präziser beschrieben werden können?</a:t>
             </a:r>
           </a:p>
           <a:p>
             <a:r>
               <a:rPr lang="de-AT" dirty="0"/>
-              <a:t>Nach Ideen/Vorschlägen bei Google suchen</a:t>
-            </a:r>
-          </a:p>
-          <a:p>
-            <a:endParaRPr lang="de-AT" dirty="0"/>
-          </a:p>
-          <a:p>
-            <a:endParaRPr lang="de-AT" dirty="0"/>
+              <a:t>A (</a:t>
+            </a:r>
+            <a:r>
+              <a:rPr lang="de-AT" dirty="0" err="1"/>
+              <a:t>Atomic</a:t>
+            </a:r>
+            <a:r>
+              <a:rPr lang="de-AT" dirty="0"/>
+              <a:t>): Atomare oder </a:t>
+            </a:r>
+            <a:r>
+              <a:rPr lang="de-AT" dirty="0" err="1"/>
+              <a:t>possesive</a:t>
+            </a:r>
+            <a:r>
+              <a:rPr lang="de-AT" dirty="0"/>
+              <a:t> </a:t>
+            </a:r>
+            <a:r>
+              <a:rPr lang="de-AT" dirty="0" err="1"/>
+              <a:t>Quantifier</a:t>
+            </a:r>
+            <a:r>
+              <a:rPr lang="de-AT" dirty="0"/>
+              <a:t> verwenden?</a:t>
+            </a:r>
           </a:p>
           <a:p>
             <a:endParaRPr lang="de-AT" dirty="0"/>
@@ -11371,13 +12992,20 @@
     </p:spTree>
     <p:extLst>
       <p:ext uri="{BB962C8B-B14F-4D97-AF65-F5344CB8AC3E}">
-        <p14:creationId xmlns:p14="http://schemas.microsoft.com/office/powerpoint/2010/main" val="12549463"/>
+        <p14:creationId xmlns:p14="http://schemas.microsoft.com/office/powerpoint/2010/main" val="2290941296"/>
       </p:ext>
     </p:extLst>
   </p:cSld>
   <p:clrMapOvr>
     <a:masterClrMapping/>
   </p:clrMapOvr>
+  <p:timing>
+    <p:tnLst>
+      <p:par>
+        <p:cTn id="1" dur="indefinite" restart="never" nodeType="tmRoot"/>
+      </p:par>
+    </p:tnLst>
+  </p:timing>
 </p:sld>
 </file>
 
@@ -11410,20 +13038,24 @@
         </p:nvSpPr>
         <p:spPr/>
         <p:txBody>
-          <a:bodyPr/>
+          <a:bodyPr>
+            <a:normAutofit/>
+          </a:bodyPr>
           <a:lstStyle/>
           <a:p>
             <a:r>
-              <a:rPr lang="en-US" dirty="0" err="1" smtClean="0"/>
-              <a:t>Wichtige</a:t>
-            </a:r>
-            <a:r>
-              <a:rPr lang="en-US" dirty="0" smtClean="0"/>
-              <a:t> </a:t>
-            </a:r>
-            <a:r>
-              <a:rPr lang="en-US" dirty="0" err="1" smtClean="0"/>
-              <a:t>Frage</a:t>
+              <a:rPr lang="en-US" altLang="x-none" dirty="0" err="1">
+                <a:ea typeface="Droid Sans Fallback" charset="0"/>
+                <a:cs typeface="Droid Sans Fallback" charset="0"/>
+              </a:rPr>
+              <a:t>Erstellung</a:t>
+            </a:r>
+            <a:r>
+              <a:rPr lang="en-US" altLang="x-none" dirty="0">
+                <a:ea typeface="Droid Sans Fallback" charset="0"/>
+                <a:cs typeface="Droid Sans Fallback" charset="0"/>
+              </a:rPr>
+              <a:t> von Regular Expressions</a:t>
             </a:r>
             <a:endParaRPr lang="de-AT" dirty="0"/>
           </a:p>
@@ -11446,50 +13078,53 @@
           <a:p>
             <a:r>
               <a:rPr lang="de-AT" dirty="0"/>
-              <a:t>Wer ist für die Wartung der Regular </a:t>
+              <a:t>Verwenden eines Emulators zum testen</a:t>
+            </a:r>
+          </a:p>
+          <a:p>
+            <a:pPr lvl="1"/>
+            <a:r>
+              <a:rPr lang="de-AT" dirty="0"/>
+              <a:t>https://regex101.com/</a:t>
+            </a:r>
+          </a:p>
+          <a:p>
+            <a:r>
+              <a:rPr lang="de-AT" dirty="0"/>
+              <a:t>So spezifisch wie möglich vs. so Allgemein wie möglich</a:t>
+            </a:r>
+          </a:p>
+          <a:p>
+            <a:r>
+              <a:rPr lang="de-AT" dirty="0"/>
+              <a:t>Wartbarkeit/Lesbarkeit </a:t>
             </a:r>
             <a:r>
               <a:rPr lang="de-AT" dirty="0" err="1"/>
-              <a:t>Expressions</a:t>
+              <a:t>vs</a:t>
             </a:r>
             <a:r>
               <a:rPr lang="de-AT" dirty="0"/>
-              <a:t> zuständig?</a:t>
+              <a:t> Präzision</a:t>
             </a:r>
           </a:p>
           <a:p>
             <a:r>
               <a:rPr lang="de-AT" dirty="0"/>
-              <a:t>Wann kann eine Regular Expression aufgeteilt werden?</a:t>
+              <a:t>Quellcodeformatierung (ja/nein)</a:t>
             </a:r>
           </a:p>
           <a:p>
             <a:r>
               <a:rPr lang="de-AT" dirty="0"/>
-              <a:t>Wann sind die Grenzen von Regular </a:t>
-            </a:r>
-            <a:r>
-              <a:rPr lang="de-AT" dirty="0" err="1"/>
-              <a:t>Expressions</a:t>
-            </a:r>
-            <a:r>
-              <a:rPr lang="de-AT" dirty="0"/>
-              <a:t> erreicht?</a:t>
-            </a:r>
-          </a:p>
-          <a:p>
-            <a:r>
-              <a:rPr lang="de-AT" dirty="0"/>
-              <a:t>Gibt es Alternativen zu Regular </a:t>
-            </a:r>
-            <a:r>
-              <a:rPr lang="de-AT" dirty="0" err="1"/>
-              <a:t>Expressions</a:t>
-            </a:r>
-            <a:r>
-              <a:rPr lang="de-AT" dirty="0"/>
-              <a:t>?</a:t>
-            </a:r>
+              <a:t>Nach Ideen/Vorschlägen bei Google suchen</a:t>
+            </a:r>
+          </a:p>
+          <a:p>
+            <a:endParaRPr lang="de-AT" dirty="0"/>
+          </a:p>
+          <a:p>
+            <a:endParaRPr lang="de-AT" dirty="0"/>
           </a:p>
           <a:p>
             <a:endParaRPr lang="de-AT" dirty="0"/>
@@ -11545,7 +13180,7 @@
     </p:spTree>
     <p:extLst>
       <p:ext uri="{BB962C8B-B14F-4D97-AF65-F5344CB8AC3E}">
-        <p14:creationId xmlns:p14="http://schemas.microsoft.com/office/powerpoint/2010/main" val="3466338861"/>
+        <p14:creationId xmlns:p14="http://schemas.microsoft.com/office/powerpoint/2010/main" val="12549463"/>
       </p:ext>
     </p:extLst>
   </p:cSld>
@@ -11615,7 +13250,7 @@
           <a:p>
             <a:r>
               <a:rPr lang="en-US" dirty="0" err="1" smtClean="0"/>
-              <a:t>Überlich</a:t>
+              <a:t>Überblick</a:t>
             </a:r>
             <a:endParaRPr lang="de-AT" dirty="0" smtClean="0"/>
           </a:p>
@@ -11717,6 +13352,13 @@
   <p:clrMapOvr>
     <a:masterClrMapping/>
   </p:clrMapOvr>
+  <p:timing>
+    <p:tnLst>
+      <p:par>
+        <p:cTn id="1" dur="indefinite" restart="never" nodeType="tmRoot"/>
+      </p:par>
+    </p:tnLst>
+  </p:timing>
 </p:sld>
 </file>
 
@@ -11754,6 +13396,180 @@
           <a:p>
             <a:r>
               <a:rPr lang="en-US" dirty="0" err="1" smtClean="0"/>
+              <a:t>Wichtige</a:t>
+            </a:r>
+            <a:r>
+              <a:rPr lang="en-US" dirty="0" smtClean="0"/>
+              <a:t> </a:t>
+            </a:r>
+            <a:r>
+              <a:rPr lang="en-US" dirty="0" err="1" smtClean="0"/>
+              <a:t>Frage</a:t>
+            </a:r>
+            <a:endParaRPr lang="de-AT" dirty="0"/>
+          </a:p>
+        </p:txBody>
+      </p:sp>
+      <p:sp>
+        <p:nvSpPr>
+          <p:cNvPr id="3" name="Inhaltsplatzhalter 2"/>
+          <p:cNvSpPr>
+            <a:spLocks noGrp="1"/>
+          </p:cNvSpPr>
+          <p:nvPr>
+            <p:ph sz="quarter" idx="1"/>
+          </p:nvPr>
+        </p:nvSpPr>
+        <p:spPr/>
+        <p:txBody>
+          <a:bodyPr/>
+          <a:lstStyle/>
+          <a:p>
+            <a:r>
+              <a:rPr lang="de-AT" dirty="0"/>
+              <a:t>Wer ist für die Wartung der Regular </a:t>
+            </a:r>
+            <a:r>
+              <a:rPr lang="de-AT" dirty="0" err="1"/>
+              <a:t>Expressions</a:t>
+            </a:r>
+            <a:r>
+              <a:rPr lang="de-AT" dirty="0"/>
+              <a:t> zuständig?</a:t>
+            </a:r>
+          </a:p>
+          <a:p>
+            <a:r>
+              <a:rPr lang="de-AT" dirty="0"/>
+              <a:t>Wann kann eine Regular Expression aufgeteilt werden?</a:t>
+            </a:r>
+          </a:p>
+          <a:p>
+            <a:r>
+              <a:rPr lang="de-AT" dirty="0"/>
+              <a:t>Wann sind die Grenzen von Regular </a:t>
+            </a:r>
+            <a:r>
+              <a:rPr lang="de-AT" dirty="0" err="1"/>
+              <a:t>Expressions</a:t>
+            </a:r>
+            <a:r>
+              <a:rPr lang="de-AT" dirty="0"/>
+              <a:t> erreicht?</a:t>
+            </a:r>
+          </a:p>
+          <a:p>
+            <a:r>
+              <a:rPr lang="de-AT" dirty="0"/>
+              <a:t>Gibt es Alternativen zu Regular </a:t>
+            </a:r>
+            <a:r>
+              <a:rPr lang="de-AT" dirty="0" err="1"/>
+              <a:t>Expressions</a:t>
+            </a:r>
+            <a:r>
+              <a:rPr lang="de-AT" dirty="0"/>
+              <a:t>?</a:t>
+            </a:r>
+          </a:p>
+          <a:p>
+            <a:endParaRPr lang="de-AT" dirty="0"/>
+          </a:p>
+        </p:txBody>
+      </p:sp>
+      <p:sp>
+        <p:nvSpPr>
+          <p:cNvPr id="4" name="Datumsplatzhalter 3"/>
+          <p:cNvSpPr>
+            <a:spLocks noGrp="1"/>
+          </p:cNvSpPr>
+          <p:nvPr>
+            <p:ph type="dt" sz="half" idx="10"/>
+          </p:nvPr>
+        </p:nvSpPr>
+        <p:spPr/>
+        <p:txBody>
+          <a:bodyPr/>
+          <a:lstStyle/>
+          <a:p>
+            <a:r>
+              <a:rPr lang="de-AT" smtClean="0"/>
+              <a:t>Regex - Stefan Huber</a:t>
+            </a:r>
+            <a:endParaRPr lang="de-AT"/>
+          </a:p>
+        </p:txBody>
+      </p:sp>
+      <p:sp>
+        <p:nvSpPr>
+          <p:cNvPr id="5" name="Foliennummernplatzhalter 4"/>
+          <p:cNvSpPr>
+            <a:spLocks noGrp="1"/>
+          </p:cNvSpPr>
+          <p:nvPr>
+            <p:ph type="sldNum" sz="quarter" idx="12"/>
+          </p:nvPr>
+        </p:nvSpPr>
+        <p:spPr/>
+        <p:txBody>
+          <a:bodyPr/>
+          <a:lstStyle/>
+          <a:p>
+            <a:fld id="{8EAD676A-C7A8-4218-B78E-F87D87864F23}" type="slidenum">
+              <a:rPr lang="de-AT" smtClean="0"/>
+              <a:t>20</a:t>
+            </a:fld>
+            <a:endParaRPr lang="de-AT"/>
+          </a:p>
+        </p:txBody>
+      </p:sp>
+    </p:spTree>
+    <p:extLst>
+      <p:ext uri="{BB962C8B-B14F-4D97-AF65-F5344CB8AC3E}">
+        <p14:creationId xmlns:p14="http://schemas.microsoft.com/office/powerpoint/2010/main" val="3466338861"/>
+      </p:ext>
+    </p:extLst>
+  </p:cSld>
+  <p:clrMapOvr>
+    <a:masterClrMapping/>
+  </p:clrMapOvr>
+</p:sld>
+</file>
+
+<file path=ppt/slides/slide21.xml><?xml version="1.0" encoding="utf-8"?>
+<p:sld xmlns:a="http://schemas.openxmlformats.org/drawingml/2006/main" xmlns:r="http://schemas.openxmlformats.org/officeDocument/2006/relationships" xmlns:p="http://schemas.openxmlformats.org/presentationml/2006/main">
+  <p:cSld>
+    <p:spTree>
+      <p:nvGrpSpPr>
+        <p:cNvPr id="1" name=""/>
+        <p:cNvGrpSpPr/>
+        <p:nvPr/>
+      </p:nvGrpSpPr>
+      <p:grpSpPr>
+        <a:xfrm>
+          <a:off x="0" y="0"/>
+          <a:ext cx="0" cy="0"/>
+          <a:chOff x="0" y="0"/>
+          <a:chExt cx="0" cy="0"/>
+        </a:xfrm>
+      </p:grpSpPr>
+      <p:sp>
+        <p:nvSpPr>
+          <p:cNvPr id="2" name="Titel 1"/>
+          <p:cNvSpPr>
+            <a:spLocks noGrp="1"/>
+          </p:cNvSpPr>
+          <p:nvPr>
+            <p:ph type="title"/>
+          </p:nvPr>
+        </p:nvSpPr>
+        <p:spPr/>
+        <p:txBody>
+          <a:bodyPr/>
+          <a:lstStyle/>
+          <a:p>
+            <a:r>
+              <a:rPr lang="en-US" dirty="0" err="1" smtClean="0"/>
               <a:t>Quellen</a:t>
             </a:r>
             <a:r>
@@ -11808,7 +13624,7 @@
           <a:p>
             <a:fld id="{8EAD676A-C7A8-4218-B78E-F87D87864F23}" type="slidenum">
               <a:rPr lang="de-AT" smtClean="0"/>
-              <a:t>20</a:t>
+              <a:t>21</a:t>
             </a:fld>
             <a:endParaRPr lang="de-AT"/>
           </a:p>
@@ -12226,6 +14042,13 @@
   <p:clrMapOvr>
     <a:masterClrMapping/>
   </p:clrMapOvr>
+  <p:timing>
+    <p:tnLst>
+      <p:par>
+        <p:cTn id="1" dur="indefinite" restart="never" nodeType="tmRoot"/>
+      </p:par>
+    </p:tnLst>
+  </p:timing>
 </p:sld>
 </file>
 
@@ -12785,6 +14608,13 @@
   <p:clrMapOvr>
     <a:masterClrMapping/>
   </p:clrMapOvr>
+  <p:timing>
+    <p:tnLst>
+      <p:par>
+        <p:cTn id="1" dur="indefinite" restart="never" nodeType="tmRoot"/>
+      </p:par>
+    </p:tnLst>
+  </p:timing>
 </p:sld>
 </file>
 
@@ -12937,6 +14767,13 @@
   <p:clrMapOvr>
     <a:masterClrMapping/>
   </p:clrMapOvr>
+  <p:timing>
+    <p:tnLst>
+      <p:par>
+        <p:cTn id="1" dur="indefinite" restart="never" nodeType="tmRoot"/>
+      </p:par>
+    </p:tnLst>
+  </p:timing>
 </p:sld>
 </file>
 
@@ -13106,8 +14943,23 @@
               <a:t>Muster: </a:t>
             </a:r>
             <a:r>
-              <a:rPr lang="de-AT" sz="3200" dirty="0" err="1"/>
-              <a:t>ab.d</a:t>
+              <a:rPr lang="de-AT" sz="3200" dirty="0" smtClean="0"/>
+              <a:t>ab[a-e]d?</a:t>
+            </a:r>
+          </a:p>
+          <a:p>
+            <a:pPr marL="0" indent="0">
+              <a:buNone/>
+            </a:pPr>
+            <a:endParaRPr lang="en-US" sz="3200" dirty="0" smtClean="0"/>
+          </a:p>
+          <a:p>
+            <a:pPr marL="0" indent="0">
+              <a:buNone/>
+            </a:pPr>
+            <a:r>
+              <a:rPr lang="en-US" sz="3200" dirty="0" smtClean="0"/>
+              <a:t>Matches: ?</a:t>
             </a:r>
             <a:endParaRPr lang="de-AT" sz="3200" dirty="0"/>
           </a:p>
@@ -13172,10 +15024,294 @@
   <p:clrMapOvr>
     <a:masterClrMapping/>
   </p:clrMapOvr>
+  <p:timing>
+    <p:tnLst>
+      <p:par>
+        <p:cTn id="1" dur="indefinite" restart="never" nodeType="tmRoot"/>
+      </p:par>
+    </p:tnLst>
+  </p:timing>
 </p:sld>
 </file>
 
 <file path=ppt/slides/slide7.xml><?xml version="1.0" encoding="utf-8"?>
+<p:sld xmlns:a="http://schemas.openxmlformats.org/drawingml/2006/main" xmlns:r="http://schemas.openxmlformats.org/officeDocument/2006/relationships" xmlns:p="http://schemas.openxmlformats.org/presentationml/2006/main">
+  <p:cSld>
+    <p:spTree>
+      <p:nvGrpSpPr>
+        <p:cNvPr id="1" name=""/>
+        <p:cNvGrpSpPr/>
+        <p:nvPr/>
+      </p:nvGrpSpPr>
+      <p:grpSpPr>
+        <a:xfrm>
+          <a:off x="0" y="0"/>
+          <a:ext cx="0" cy="0"/>
+          <a:chOff x="0" y="0"/>
+          <a:chExt cx="0" cy="0"/>
+        </a:xfrm>
+      </p:grpSpPr>
+      <p:sp>
+        <p:nvSpPr>
+          <p:cNvPr id="2" name="Titel 1"/>
+          <p:cNvSpPr>
+            <a:spLocks noGrp="1"/>
+          </p:cNvSpPr>
+          <p:nvPr>
+            <p:ph type="title"/>
+          </p:nvPr>
+        </p:nvSpPr>
+        <p:spPr/>
+        <p:txBody>
+          <a:bodyPr/>
+          <a:lstStyle/>
+          <a:p>
+            <a:r>
+              <a:rPr lang="en-US" dirty="0" smtClean="0"/>
+              <a:t>Regex Engine </a:t>
+            </a:r>
+            <a:r>
+              <a:rPr lang="en-US" dirty="0" err="1" smtClean="0"/>
+              <a:t>Beispiel</a:t>
+            </a:r>
+            <a:endParaRPr lang="de-AT" dirty="0"/>
+          </a:p>
+        </p:txBody>
+      </p:sp>
+      <p:sp>
+        <p:nvSpPr>
+          <p:cNvPr id="3" name="Inhaltsplatzhalter 2"/>
+          <p:cNvSpPr>
+            <a:spLocks noGrp="1"/>
+          </p:cNvSpPr>
+          <p:nvPr>
+            <p:ph sz="quarter" idx="1"/>
+          </p:nvPr>
+        </p:nvSpPr>
+        <p:spPr/>
+        <p:txBody>
+          <a:bodyPr/>
+          <a:lstStyle/>
+          <a:p>
+            <a:endParaRPr lang="de-AT" dirty="0" smtClean="0"/>
+          </a:p>
+          <a:p>
+            <a:pPr marL="0" indent="0">
+              <a:buNone/>
+            </a:pPr>
+            <a:r>
+              <a:rPr lang="de-AT" sz="3200" dirty="0" smtClean="0"/>
+              <a:t>Subjekt</a:t>
+            </a:r>
+            <a:r>
+              <a:rPr lang="de-AT" sz="3200" dirty="0"/>
+              <a:t>: </a:t>
+            </a:r>
+            <a:r>
+              <a:rPr lang="de-AT" sz="3200" u="sng" dirty="0" err="1"/>
+              <a:t>abc</a:t>
+            </a:r>
+            <a:r>
+              <a:rPr lang="de-AT" sz="3200" dirty="0"/>
+              <a:t> </a:t>
+            </a:r>
+            <a:r>
+              <a:rPr lang="de-AT" sz="3200" dirty="0" err="1"/>
+              <a:t>dde</a:t>
+            </a:r>
+            <a:r>
+              <a:rPr lang="de-AT" sz="3200" dirty="0"/>
+              <a:t> </a:t>
+            </a:r>
+            <a:r>
+              <a:rPr lang="de-AT" sz="3200" u="sng" dirty="0" err="1"/>
+              <a:t>abcd</a:t>
+            </a:r>
+            <a:r>
+              <a:rPr lang="de-AT" sz="3200" dirty="0"/>
+              <a:t> </a:t>
+            </a:r>
+            <a:r>
+              <a:rPr lang="de-AT" sz="3200" dirty="0" err="1"/>
+              <a:t>aabb</a:t>
+            </a:r>
+            <a:r>
+              <a:rPr lang="de-AT" sz="3200" dirty="0"/>
+              <a:t> </a:t>
+            </a:r>
+            <a:r>
+              <a:rPr lang="de-AT" sz="3200" dirty="0" err="1"/>
+              <a:t>bb</a:t>
+            </a:r>
+            <a:r>
+              <a:rPr lang="de-AT" sz="3200" dirty="0"/>
+              <a:t> </a:t>
+            </a:r>
+            <a:r>
+              <a:rPr lang="de-AT" sz="3200" dirty="0" err="1"/>
+              <a:t>aa</a:t>
+            </a:r>
+            <a:r>
+              <a:rPr lang="de-AT" sz="3200" dirty="0"/>
+              <a:t> </a:t>
+            </a:r>
+            <a:r>
+              <a:rPr lang="de-AT" sz="3200" dirty="0" err="1"/>
+              <a:t>bb</a:t>
+            </a:r>
+            <a:r>
+              <a:rPr lang="de-AT" sz="3200" dirty="0"/>
+              <a:t> ab9d </a:t>
+            </a:r>
+            <a:r>
+              <a:rPr lang="de-AT" sz="3200" dirty="0" err="1"/>
+              <a:t>ab?d</a:t>
+            </a:r>
+            <a:r>
+              <a:rPr lang="de-AT" sz="3200" dirty="0"/>
+              <a:t> </a:t>
+            </a:r>
+            <a:r>
+              <a:rPr lang="de-AT" sz="3200" u="sng" dirty="0" err="1"/>
+              <a:t>abdd</a:t>
+            </a:r>
+            <a:r>
+              <a:rPr lang="de-AT" sz="3200" dirty="0"/>
+              <a:t> </a:t>
+            </a:r>
+            <a:r>
+              <a:rPr lang="de-AT" sz="3200" dirty="0" err="1"/>
+              <a:t>abkkkd</a:t>
+            </a:r>
+            <a:r>
+              <a:rPr lang="de-AT" sz="3200" dirty="0"/>
+              <a:t> </a:t>
+            </a:r>
+          </a:p>
+          <a:p>
+            <a:endParaRPr lang="de-AT" sz="3200" dirty="0"/>
+          </a:p>
+          <a:p>
+            <a:pPr marL="0" indent="0">
+              <a:buNone/>
+            </a:pPr>
+            <a:r>
+              <a:rPr lang="de-AT" sz="3200" dirty="0"/>
+              <a:t>Muster: </a:t>
+            </a:r>
+            <a:r>
+              <a:rPr lang="de-AT" sz="3200" dirty="0" smtClean="0"/>
+              <a:t>ab[a-e]d?</a:t>
+            </a:r>
+          </a:p>
+          <a:p>
+            <a:pPr marL="0" indent="0">
+              <a:buNone/>
+            </a:pPr>
+            <a:endParaRPr lang="en-US" sz="3200" dirty="0" smtClean="0"/>
+          </a:p>
+          <a:p>
+            <a:pPr marL="0" indent="0">
+              <a:buNone/>
+            </a:pPr>
+            <a:r>
+              <a:rPr lang="en-US" sz="3200" dirty="0" smtClean="0"/>
+              <a:t>Matches: </a:t>
+            </a:r>
+            <a:r>
+              <a:rPr lang="en-US" sz="3200" dirty="0" err="1" smtClean="0"/>
+              <a:t>abc</a:t>
+            </a:r>
+            <a:r>
+              <a:rPr lang="en-US" sz="3200" dirty="0" smtClean="0"/>
+              <a:t>, </a:t>
+            </a:r>
+            <a:r>
+              <a:rPr lang="en-US" sz="3200" dirty="0" err="1" smtClean="0"/>
+              <a:t>abcd</a:t>
+            </a:r>
+            <a:r>
+              <a:rPr lang="en-US" sz="3200" dirty="0" smtClean="0"/>
+              <a:t>, </a:t>
+            </a:r>
+            <a:r>
+              <a:rPr lang="en-US" sz="3200" dirty="0" err="1" smtClean="0"/>
+              <a:t>abdd</a:t>
+            </a:r>
+            <a:endParaRPr lang="de-AT" sz="3200" dirty="0"/>
+          </a:p>
+          <a:p>
+            <a:endParaRPr lang="de-AT" dirty="0"/>
+          </a:p>
+        </p:txBody>
+      </p:sp>
+      <p:sp>
+        <p:nvSpPr>
+          <p:cNvPr id="4" name="Datumsplatzhalter 3"/>
+          <p:cNvSpPr>
+            <a:spLocks noGrp="1"/>
+          </p:cNvSpPr>
+          <p:nvPr>
+            <p:ph type="dt" sz="half" idx="10"/>
+          </p:nvPr>
+        </p:nvSpPr>
+        <p:spPr/>
+        <p:txBody>
+          <a:bodyPr/>
+          <a:lstStyle/>
+          <a:p>
+            <a:r>
+              <a:rPr lang="de-AT" smtClean="0"/>
+              <a:t>Regex - Stefan Huber</a:t>
+            </a:r>
+            <a:endParaRPr lang="de-AT"/>
+          </a:p>
+        </p:txBody>
+      </p:sp>
+      <p:sp>
+        <p:nvSpPr>
+          <p:cNvPr id="5" name="Foliennummernplatzhalter 4"/>
+          <p:cNvSpPr>
+            <a:spLocks noGrp="1"/>
+          </p:cNvSpPr>
+          <p:nvPr>
+            <p:ph type="sldNum" sz="quarter" idx="12"/>
+          </p:nvPr>
+        </p:nvSpPr>
+        <p:spPr/>
+        <p:txBody>
+          <a:bodyPr/>
+          <a:lstStyle/>
+          <a:p>
+            <a:fld id="{8EAD676A-C7A8-4218-B78E-F87D87864F23}" type="slidenum">
+              <a:rPr lang="de-AT" smtClean="0"/>
+              <a:t>7</a:t>
+            </a:fld>
+            <a:endParaRPr lang="de-AT"/>
+          </a:p>
+        </p:txBody>
+      </p:sp>
+    </p:spTree>
+    <p:extLst>
+      <p:ext uri="{BB962C8B-B14F-4D97-AF65-F5344CB8AC3E}">
+        <p14:creationId xmlns:p14="http://schemas.microsoft.com/office/powerpoint/2010/main" val="515866067"/>
+      </p:ext>
+    </p:extLst>
+  </p:cSld>
+  <p:clrMapOvr>
+    <a:masterClrMapping/>
+  </p:clrMapOvr>
+  <p:timing>
+    <p:tnLst>
+      <p:par>
+        <p:cTn id="1" dur="indefinite" restart="never" nodeType="tmRoot"/>
+      </p:par>
+    </p:tnLst>
+  </p:timing>
+</p:sld>
+</file>
+
+<file path=ppt/slides/slide8.xml><?xml version="1.0" encoding="utf-8"?>
 <p:sld xmlns:a="http://schemas.openxmlformats.org/drawingml/2006/main" xmlns:r="http://schemas.openxmlformats.org/officeDocument/2006/relationships" xmlns:p="http://schemas.openxmlformats.org/presentationml/2006/main">
   <p:cSld>
     <p:spTree>
@@ -13331,7 +15467,7 @@
           <a:p>
             <a:fld id="{8EAD676A-C7A8-4218-B78E-F87D87864F23}" type="slidenum">
               <a:rPr lang="de-AT" smtClean="0"/>
-              <a:t>7</a:t>
+              <a:t>8</a:t>
             </a:fld>
             <a:endParaRPr lang="de-AT"/>
           </a:p>
@@ -13347,10 +15483,17 @@
   <p:clrMapOvr>
     <a:masterClrMapping/>
   </p:clrMapOvr>
+  <p:timing>
+    <p:tnLst>
+      <p:par>
+        <p:cTn id="1" dur="indefinite" restart="never" nodeType="tmRoot"/>
+      </p:par>
+    </p:tnLst>
+  </p:timing>
 </p:sld>
 </file>
 
-<file path=ppt/slides/slide8.xml><?xml version="1.0" encoding="utf-8"?>
+<file path=ppt/slides/slide9.xml><?xml version="1.0" encoding="utf-8"?>
 <p:sld xmlns:a="http://schemas.openxmlformats.org/drawingml/2006/main" xmlns:r="http://schemas.openxmlformats.org/officeDocument/2006/relationships" xmlns:p="http://schemas.openxmlformats.org/presentationml/2006/main">
   <p:cSld>
     <p:spTree>
@@ -14602,7 +16745,7 @@
           <a:p>
             <a:fld id="{8EAD676A-C7A8-4218-B78E-F87D87864F23}" type="slidenum">
               <a:rPr lang="de-AT" smtClean="0"/>
-              <a:t>8</a:t>
+              <a:t>9</a:t>
             </a:fld>
             <a:endParaRPr lang="de-AT"/>
           </a:p>
@@ -14618,1744 +16761,13 @@
   <p:clrMapOvr>
     <a:masterClrMapping/>
   </p:clrMapOvr>
-</p:sld>
-</file>
-
-<file path=ppt/slides/slide9.xml><?xml version="1.0" encoding="utf-8"?>
-<p:sld xmlns:a="http://schemas.openxmlformats.org/drawingml/2006/main" xmlns:r="http://schemas.openxmlformats.org/officeDocument/2006/relationships" xmlns:p="http://schemas.openxmlformats.org/presentationml/2006/main">
-  <p:cSld>
-    <p:spTree>
-      <p:nvGrpSpPr>
-        <p:cNvPr id="1" name=""/>
-        <p:cNvGrpSpPr/>
-        <p:nvPr/>
-      </p:nvGrpSpPr>
-      <p:grpSpPr>
-        <a:xfrm>
-          <a:off x="0" y="0"/>
-          <a:ext cx="0" cy="0"/>
-          <a:chOff x="0" y="0"/>
-          <a:chExt cx="0" cy="0"/>
-        </a:xfrm>
-      </p:grpSpPr>
-      <p:sp>
-        <p:nvSpPr>
-          <p:cNvPr id="2" name="Titel 1"/>
-          <p:cNvSpPr>
-            <a:spLocks noGrp="1"/>
-          </p:cNvSpPr>
-          <p:nvPr>
-            <p:ph type="title"/>
-          </p:nvPr>
-        </p:nvSpPr>
-        <p:spPr/>
-        <p:txBody>
-          <a:bodyPr/>
-          <a:lstStyle/>
-          <a:p>
-            <a:r>
-              <a:rPr lang="en-US" dirty="0" err="1" smtClean="0"/>
-              <a:t>Spezielle</a:t>
-            </a:r>
-            <a:r>
-              <a:rPr lang="en-US" dirty="0" smtClean="0"/>
-              <a:t> </a:t>
-            </a:r>
-            <a:r>
-              <a:rPr lang="en-US" dirty="0" err="1" smtClean="0"/>
-              <a:t>Zeichenklassen</a:t>
-            </a:r>
-            <a:endParaRPr lang="de-AT" dirty="0"/>
-          </a:p>
-        </p:txBody>
-      </p:sp>
-      <p:graphicFrame>
-        <p:nvGraphicFramePr>
-          <p:cNvPr id="4" name="Inhaltsplatzhalter 3"/>
-          <p:cNvGraphicFramePr>
-            <a:graphicFrameLocks noGrp="1"/>
-          </p:cNvGraphicFramePr>
-          <p:nvPr>
-            <p:ph sz="quarter" idx="1"/>
-            <p:extLst>
-              <p:ext uri="{D42A27DB-BD31-4B8C-83A1-F6EECF244321}">
-                <p14:modId xmlns:p14="http://schemas.microsoft.com/office/powerpoint/2010/main" val="1566150656"/>
-              </p:ext>
-            </p:extLst>
-          </p:nvPr>
-        </p:nvGraphicFramePr>
-        <p:xfrm>
-          <a:off x="457200" y="1219200"/>
-          <a:ext cx="8229600" cy="4935334"/>
-        </p:xfrm>
-        <a:graphic>
-          <a:graphicData uri="http://schemas.openxmlformats.org/drawingml/2006/table">
-            <a:tbl>
-              <a:tblPr firstRow="1" bandRow="1">
-                <a:tableStyleId>{5C22544A-7EE6-4342-B048-85BDC9FD1C3A}</a:tableStyleId>
-              </a:tblPr>
-              <a:tblGrid>
-                <a:gridCol w="2743200"/>
-                <a:gridCol w="2743200"/>
-                <a:gridCol w="2743200"/>
-              </a:tblGrid>
-              <a:tr h="370840">
-                <a:tc>
-                  <a:txBody>
-                    <a:bodyPr/>
-                    <a:lstStyle/>
-                    <a:p>
-                      <a:pPr marL="0" marR="0" lvl="0" indent="0" algn="l" defTabSz="457200" rtl="0" eaLnBrk="1" fontAlgn="base" latinLnBrk="0" hangingPunct="1">
-                        <a:lnSpc>
-                          <a:spcPct val="98000"/>
-                        </a:lnSpc>
-                        <a:spcBef>
-                          <a:spcPct val="0"/>
-                        </a:spcBef>
-                        <a:spcAft>
-                          <a:spcPct val="0"/>
-                        </a:spcAft>
-                        <a:buClrTx/>
-                        <a:buSzPct val="100000"/>
-                        <a:buFontTx/>
-                        <a:buNone/>
-                        <a:tabLst>
-                          <a:tab pos="0" algn="l"/>
-                          <a:tab pos="914400" algn="l"/>
-                          <a:tab pos="1828800" algn="l"/>
-                          <a:tab pos="2743200" algn="l"/>
-                          <a:tab pos="3657600" algn="l"/>
-                          <a:tab pos="4572000" algn="l"/>
-                          <a:tab pos="5486400" algn="l"/>
-                          <a:tab pos="6400800" algn="l"/>
-                          <a:tab pos="7315200" algn="l"/>
-                          <a:tab pos="8229600" algn="l"/>
-                          <a:tab pos="9144000" algn="l"/>
-                          <a:tab pos="10058400" algn="l"/>
-                        </a:tabLst>
-                      </a:pPr>
-                      <a:r>
-                        <a:rPr kumimoji="0" lang="en-US" altLang="x-none" sz="1800" u="none" strike="noStrike" cap="none" normalizeH="0" baseline="0" dirty="0" err="1" smtClean="0">
-                          <a:ln>
-                            <a:noFill/>
-                          </a:ln>
-                          <a:effectLst/>
-                        </a:rPr>
-                        <a:t>Zeichen</a:t>
-                      </a:r>
-                      <a:endParaRPr kumimoji="0" lang="en-US" altLang="x-none" sz="1800" b="1" i="0" u="none" strike="noStrike" cap="none" normalizeH="0" baseline="0" dirty="0" smtClean="0">
-                        <a:ln>
-                          <a:noFill/>
-                        </a:ln>
-                        <a:solidFill>
-                          <a:srgbClr val="FFFFFF"/>
-                        </a:solidFill>
-                        <a:effectLst/>
-                        <a:latin typeface="Arial Unicode MS" pitchFamily="32" charset="0"/>
-                        <a:ea typeface="Arial Unicode MS" pitchFamily="32" charset="0"/>
-                        <a:cs typeface="Arial Unicode MS" pitchFamily="32" charset="0"/>
-                      </a:endParaRPr>
-                    </a:p>
-                  </a:txBody>
-                  <a:tcPr marL="90000" marR="90000" marT="51336" marB="46800" anchor="ctr" horzOverflow="overflow"/>
-                </a:tc>
-                <a:tc>
-                  <a:txBody>
-                    <a:bodyPr/>
-                    <a:lstStyle/>
-                    <a:p>
-                      <a:pPr marL="0" marR="0" lvl="0" indent="0" algn="l" defTabSz="457200" rtl="0" eaLnBrk="1" fontAlgn="base" latinLnBrk="0" hangingPunct="1">
-                        <a:lnSpc>
-                          <a:spcPct val="98000"/>
-                        </a:lnSpc>
-                        <a:spcBef>
-                          <a:spcPct val="0"/>
-                        </a:spcBef>
-                        <a:spcAft>
-                          <a:spcPct val="0"/>
-                        </a:spcAft>
-                        <a:buClrTx/>
-                        <a:buSzPct val="100000"/>
-                        <a:buFontTx/>
-                        <a:buNone/>
-                        <a:tabLst>
-                          <a:tab pos="0" algn="l"/>
-                          <a:tab pos="914400" algn="l"/>
-                          <a:tab pos="1828800" algn="l"/>
-                          <a:tab pos="2743200" algn="l"/>
-                          <a:tab pos="3657600" algn="l"/>
-                          <a:tab pos="4572000" algn="l"/>
-                          <a:tab pos="5486400" algn="l"/>
-                          <a:tab pos="6400800" algn="l"/>
-                          <a:tab pos="7315200" algn="l"/>
-                          <a:tab pos="8229600" algn="l"/>
-                          <a:tab pos="9144000" algn="l"/>
-                          <a:tab pos="10058400" algn="l"/>
-                        </a:tabLst>
-                      </a:pPr>
-                      <a:r>
-                        <a:rPr kumimoji="0" lang="en-US" altLang="x-none" sz="1800" u="none" strike="noStrike" cap="none" normalizeH="0" baseline="0" smtClean="0">
-                          <a:ln>
-                            <a:noFill/>
-                          </a:ln>
-                          <a:effectLst/>
-                        </a:rPr>
-                        <a:t>Bedeutung</a:t>
-                      </a:r>
-                      <a:endParaRPr kumimoji="0" lang="en-US" altLang="x-none" sz="1800" b="1" i="0" u="none" strike="noStrike" cap="none" normalizeH="0" baseline="0" smtClean="0">
-                        <a:ln>
-                          <a:noFill/>
-                        </a:ln>
-                        <a:solidFill>
-                          <a:srgbClr val="FFFFFF"/>
-                        </a:solidFill>
-                        <a:effectLst/>
-                        <a:latin typeface="Arial Unicode MS" pitchFamily="32" charset="0"/>
-                        <a:ea typeface="Arial Unicode MS" pitchFamily="32" charset="0"/>
-                        <a:cs typeface="Arial Unicode MS" pitchFamily="32" charset="0"/>
-                      </a:endParaRPr>
-                    </a:p>
-                  </a:txBody>
-                  <a:tcPr marL="90000" marR="90000" marT="51336" marB="46800" anchor="ctr" horzOverflow="overflow"/>
-                </a:tc>
-                <a:tc>
-                  <a:txBody>
-                    <a:bodyPr/>
-                    <a:lstStyle/>
-                    <a:p>
-                      <a:pPr marL="0" marR="0" lvl="0" indent="0" algn="l" defTabSz="457200" rtl="0" eaLnBrk="1" fontAlgn="base" latinLnBrk="0" hangingPunct="1">
-                        <a:lnSpc>
-                          <a:spcPct val="98000"/>
-                        </a:lnSpc>
-                        <a:spcBef>
-                          <a:spcPct val="0"/>
-                        </a:spcBef>
-                        <a:spcAft>
-                          <a:spcPct val="0"/>
-                        </a:spcAft>
-                        <a:buClrTx/>
-                        <a:buSzPct val="100000"/>
-                        <a:buFontTx/>
-                        <a:buNone/>
-                        <a:tabLst>
-                          <a:tab pos="0" algn="l"/>
-                          <a:tab pos="914400" algn="l"/>
-                          <a:tab pos="1828800" algn="l"/>
-                          <a:tab pos="2743200" algn="l"/>
-                          <a:tab pos="3657600" algn="l"/>
-                          <a:tab pos="4572000" algn="l"/>
-                          <a:tab pos="5486400" algn="l"/>
-                          <a:tab pos="6400800" algn="l"/>
-                          <a:tab pos="7315200" algn="l"/>
-                          <a:tab pos="8229600" algn="l"/>
-                          <a:tab pos="9144000" algn="l"/>
-                          <a:tab pos="10058400" algn="l"/>
-                        </a:tabLst>
-                      </a:pPr>
-                      <a:r>
-                        <a:rPr kumimoji="0" lang="en-US" altLang="x-none" sz="1800" u="none" strike="noStrike" cap="none" normalizeH="0" baseline="0" smtClean="0">
-                          <a:ln>
-                            <a:noFill/>
-                          </a:ln>
-                          <a:effectLst/>
-                        </a:rPr>
-                        <a:t>Alternative</a:t>
-                      </a:r>
-                      <a:endParaRPr kumimoji="0" lang="en-US" altLang="x-none" sz="1800" b="1" i="0" u="none" strike="noStrike" cap="none" normalizeH="0" baseline="0" smtClean="0">
-                        <a:ln>
-                          <a:noFill/>
-                        </a:ln>
-                        <a:solidFill>
-                          <a:srgbClr val="FFFFFF"/>
-                        </a:solidFill>
-                        <a:effectLst/>
-                        <a:latin typeface="Arial Unicode MS" pitchFamily="32" charset="0"/>
-                        <a:ea typeface="Arial Unicode MS" pitchFamily="32" charset="0"/>
-                        <a:cs typeface="Arial Unicode MS" pitchFamily="32" charset="0"/>
-                      </a:endParaRPr>
-                    </a:p>
-                  </a:txBody>
-                  <a:tcPr marL="90000" marR="90000" marT="51336" marB="46800" anchor="ctr" horzOverflow="overflow"/>
-                </a:tc>
-              </a:tr>
-              <a:tr h="370840">
-                <a:tc>
-                  <a:txBody>
-                    <a:bodyPr/>
-                    <a:lstStyle/>
-                    <a:p>
-                      <a:pPr marL="0" marR="0" lvl="0" indent="0" algn="l" defTabSz="457200" rtl="0" eaLnBrk="1" fontAlgn="base" latinLnBrk="0" hangingPunct="1">
-                        <a:lnSpc>
-                          <a:spcPct val="98000"/>
-                        </a:lnSpc>
-                        <a:spcBef>
-                          <a:spcPct val="0"/>
-                        </a:spcBef>
-                        <a:spcAft>
-                          <a:spcPct val="0"/>
-                        </a:spcAft>
-                        <a:buClrTx/>
-                        <a:buSzPct val="100000"/>
-                        <a:buFontTx/>
-                        <a:buNone/>
-                        <a:tabLst>
-                          <a:tab pos="0" algn="l"/>
-                          <a:tab pos="914400" algn="l"/>
-                          <a:tab pos="1828800" algn="l"/>
-                          <a:tab pos="2743200" algn="l"/>
-                          <a:tab pos="3657600" algn="l"/>
-                          <a:tab pos="4572000" algn="l"/>
-                          <a:tab pos="5486400" algn="l"/>
-                          <a:tab pos="6400800" algn="l"/>
-                          <a:tab pos="7315200" algn="l"/>
-                          <a:tab pos="8229600" algn="l"/>
-                          <a:tab pos="9144000" algn="l"/>
-                          <a:tab pos="10058400" algn="l"/>
-                        </a:tabLst>
-                      </a:pPr>
-                      <a:r>
-                        <a:rPr kumimoji="0" lang="en-US" altLang="x-none" sz="1800" u="none" strike="noStrike" cap="none" normalizeH="0" baseline="0" smtClean="0">
-                          <a:ln>
-                            <a:noFill/>
-                          </a:ln>
-                          <a:effectLst/>
-                        </a:rPr>
-                        <a:t>\d</a:t>
-                      </a:r>
-                      <a:endParaRPr kumimoji="0" lang="en-US" altLang="x-none" sz="1800" b="0" i="0" u="none" strike="noStrike" cap="none" normalizeH="0" baseline="0" smtClean="0">
-                        <a:ln>
-                          <a:noFill/>
-                        </a:ln>
-                        <a:solidFill>
-                          <a:srgbClr val="000000"/>
-                        </a:solidFill>
-                        <a:effectLst/>
-                        <a:latin typeface="Arial Unicode MS" pitchFamily="32" charset="0"/>
-                        <a:ea typeface="Arial Unicode MS" pitchFamily="32" charset="0"/>
-                        <a:cs typeface="Arial Unicode MS" pitchFamily="32" charset="0"/>
-                      </a:endParaRPr>
-                    </a:p>
-                  </a:txBody>
-                  <a:tcPr marL="90000" marR="90000" marT="51336" marB="46800" anchor="ctr" horzOverflow="overflow"/>
-                </a:tc>
-                <a:tc>
-                  <a:txBody>
-                    <a:bodyPr/>
-                    <a:lstStyle/>
-                    <a:p>
-                      <a:pPr marL="0" marR="0" lvl="0" indent="0" algn="l" defTabSz="457200" rtl="0" eaLnBrk="1" fontAlgn="base" latinLnBrk="0" hangingPunct="1">
-                        <a:lnSpc>
-                          <a:spcPct val="98000"/>
-                        </a:lnSpc>
-                        <a:spcBef>
-                          <a:spcPct val="0"/>
-                        </a:spcBef>
-                        <a:spcAft>
-                          <a:spcPct val="0"/>
-                        </a:spcAft>
-                        <a:buClrTx/>
-                        <a:buSzPct val="100000"/>
-                        <a:buFontTx/>
-                        <a:buNone/>
-                        <a:tabLst>
-                          <a:tab pos="0" algn="l"/>
-                          <a:tab pos="914400" algn="l"/>
-                          <a:tab pos="1828800" algn="l"/>
-                          <a:tab pos="2743200" algn="l"/>
-                          <a:tab pos="3657600" algn="l"/>
-                          <a:tab pos="4572000" algn="l"/>
-                          <a:tab pos="5486400" algn="l"/>
-                          <a:tab pos="6400800" algn="l"/>
-                          <a:tab pos="7315200" algn="l"/>
-                          <a:tab pos="8229600" algn="l"/>
-                          <a:tab pos="9144000" algn="l"/>
-                          <a:tab pos="10058400" algn="l"/>
-                        </a:tabLst>
-                      </a:pPr>
-                      <a:r>
-                        <a:rPr kumimoji="0" lang="en-US" altLang="x-none" sz="1800" u="none" strike="noStrike" cap="none" normalizeH="0" baseline="0" smtClean="0">
-                          <a:ln>
-                            <a:noFill/>
-                          </a:ln>
-                          <a:effectLst/>
-                        </a:rPr>
-                        <a:t>Eine Zahl</a:t>
-                      </a:r>
-                      <a:endParaRPr kumimoji="0" lang="en-US" altLang="x-none" sz="1800" b="0" i="0" u="none" strike="noStrike" cap="none" normalizeH="0" baseline="0" smtClean="0">
-                        <a:ln>
-                          <a:noFill/>
-                        </a:ln>
-                        <a:solidFill>
-                          <a:srgbClr val="000000"/>
-                        </a:solidFill>
-                        <a:effectLst/>
-                        <a:latin typeface="Arial Unicode MS" pitchFamily="32" charset="0"/>
-                        <a:ea typeface="Arial Unicode MS" pitchFamily="32" charset="0"/>
-                        <a:cs typeface="Arial Unicode MS" pitchFamily="32" charset="0"/>
-                      </a:endParaRPr>
-                    </a:p>
-                  </a:txBody>
-                  <a:tcPr marL="90000" marR="90000" marT="51336" marB="46800" anchor="ctr" horzOverflow="overflow"/>
-                </a:tc>
-                <a:tc>
-                  <a:txBody>
-                    <a:bodyPr/>
-                    <a:lstStyle/>
-                    <a:p>
-                      <a:pPr marL="0" marR="0" lvl="0" indent="0" algn="l" defTabSz="457200" rtl="0" eaLnBrk="1" fontAlgn="base" latinLnBrk="0" hangingPunct="1">
-                        <a:lnSpc>
-                          <a:spcPct val="98000"/>
-                        </a:lnSpc>
-                        <a:spcBef>
-                          <a:spcPct val="0"/>
-                        </a:spcBef>
-                        <a:spcAft>
-                          <a:spcPct val="0"/>
-                        </a:spcAft>
-                        <a:buClrTx/>
-                        <a:buSzPct val="100000"/>
-                        <a:buFontTx/>
-                        <a:buNone/>
-                        <a:tabLst>
-                          <a:tab pos="0" algn="l"/>
-                          <a:tab pos="914400" algn="l"/>
-                          <a:tab pos="1828800" algn="l"/>
-                          <a:tab pos="2743200" algn="l"/>
-                          <a:tab pos="3657600" algn="l"/>
-                          <a:tab pos="4572000" algn="l"/>
-                          <a:tab pos="5486400" algn="l"/>
-                          <a:tab pos="6400800" algn="l"/>
-                          <a:tab pos="7315200" algn="l"/>
-                          <a:tab pos="8229600" algn="l"/>
-                          <a:tab pos="9144000" algn="l"/>
-                          <a:tab pos="10058400" algn="l"/>
-                        </a:tabLst>
-                      </a:pPr>
-                      <a:r>
-                        <a:rPr kumimoji="0" lang="en-US" altLang="x-none" sz="1800" u="none" strike="noStrike" cap="none" normalizeH="0" baseline="0" smtClean="0">
-                          <a:ln>
-                            <a:noFill/>
-                          </a:ln>
-                          <a:effectLst/>
-                        </a:rPr>
-                        <a:t>[0-9]</a:t>
-                      </a:r>
-                      <a:endParaRPr kumimoji="0" lang="en-US" altLang="x-none" sz="1800" b="0" i="0" u="none" strike="noStrike" cap="none" normalizeH="0" baseline="0" smtClean="0">
-                        <a:ln>
-                          <a:noFill/>
-                        </a:ln>
-                        <a:solidFill>
-                          <a:srgbClr val="000000"/>
-                        </a:solidFill>
-                        <a:effectLst/>
-                        <a:latin typeface="Arial Unicode MS" pitchFamily="32" charset="0"/>
-                        <a:ea typeface="Arial Unicode MS" pitchFamily="32" charset="0"/>
-                        <a:cs typeface="Arial Unicode MS" pitchFamily="32" charset="0"/>
-                      </a:endParaRPr>
-                    </a:p>
-                  </a:txBody>
-                  <a:tcPr marL="90000" marR="90000" marT="51336" marB="46800" anchor="ctr" horzOverflow="overflow"/>
-                </a:tc>
-              </a:tr>
-              <a:tr h="370840">
-                <a:tc>
-                  <a:txBody>
-                    <a:bodyPr/>
-                    <a:lstStyle/>
-                    <a:p>
-                      <a:pPr marL="0" marR="0" lvl="0" indent="0" algn="l" defTabSz="457200" rtl="0" eaLnBrk="1" fontAlgn="base" latinLnBrk="0" hangingPunct="1">
-                        <a:lnSpc>
-                          <a:spcPct val="98000"/>
-                        </a:lnSpc>
-                        <a:spcBef>
-                          <a:spcPct val="0"/>
-                        </a:spcBef>
-                        <a:spcAft>
-                          <a:spcPct val="0"/>
-                        </a:spcAft>
-                        <a:buClrTx/>
-                        <a:buSzPct val="100000"/>
-                        <a:buFontTx/>
-                        <a:buNone/>
-                        <a:tabLst>
-                          <a:tab pos="0" algn="l"/>
-                          <a:tab pos="914400" algn="l"/>
-                          <a:tab pos="1828800" algn="l"/>
-                          <a:tab pos="2743200" algn="l"/>
-                          <a:tab pos="3657600" algn="l"/>
-                          <a:tab pos="4572000" algn="l"/>
-                          <a:tab pos="5486400" algn="l"/>
-                          <a:tab pos="6400800" algn="l"/>
-                          <a:tab pos="7315200" algn="l"/>
-                          <a:tab pos="8229600" algn="l"/>
-                          <a:tab pos="9144000" algn="l"/>
-                          <a:tab pos="10058400" algn="l"/>
-                        </a:tabLst>
-                      </a:pPr>
-                      <a:r>
-                        <a:rPr kumimoji="0" lang="en-US" altLang="x-none" sz="1800" u="none" strike="noStrike" cap="none" normalizeH="0" baseline="0" smtClean="0">
-                          <a:ln>
-                            <a:noFill/>
-                          </a:ln>
-                          <a:effectLst/>
-                        </a:rPr>
-                        <a:t>\s</a:t>
-                      </a:r>
-                      <a:endParaRPr kumimoji="0" lang="en-US" altLang="x-none" sz="1800" b="0" i="0" u="none" strike="noStrike" cap="none" normalizeH="0" baseline="0" smtClean="0">
-                        <a:ln>
-                          <a:noFill/>
-                        </a:ln>
-                        <a:solidFill>
-                          <a:srgbClr val="000000"/>
-                        </a:solidFill>
-                        <a:effectLst/>
-                        <a:latin typeface="Arial Unicode MS" pitchFamily="32" charset="0"/>
-                        <a:ea typeface="Arial Unicode MS" pitchFamily="32" charset="0"/>
-                        <a:cs typeface="Arial Unicode MS" pitchFamily="32" charset="0"/>
-                      </a:endParaRPr>
-                    </a:p>
-                  </a:txBody>
-                  <a:tcPr marL="90000" marR="90000" marT="51336" marB="46800" anchor="ctr" horzOverflow="overflow"/>
-                </a:tc>
-                <a:tc>
-                  <a:txBody>
-                    <a:bodyPr/>
-                    <a:lstStyle/>
-                    <a:p>
-                      <a:pPr marL="0" marR="0" lvl="0" indent="0" algn="l" defTabSz="457200" rtl="0" eaLnBrk="1" fontAlgn="base" latinLnBrk="0" hangingPunct="1">
-                        <a:lnSpc>
-                          <a:spcPct val="98000"/>
-                        </a:lnSpc>
-                        <a:spcBef>
-                          <a:spcPct val="0"/>
-                        </a:spcBef>
-                        <a:spcAft>
-                          <a:spcPct val="0"/>
-                        </a:spcAft>
-                        <a:buClrTx/>
-                        <a:buSzPct val="100000"/>
-                        <a:buFontTx/>
-                        <a:buNone/>
-                        <a:tabLst>
-                          <a:tab pos="0" algn="l"/>
-                          <a:tab pos="914400" algn="l"/>
-                          <a:tab pos="1828800" algn="l"/>
-                          <a:tab pos="2743200" algn="l"/>
-                          <a:tab pos="3657600" algn="l"/>
-                          <a:tab pos="4572000" algn="l"/>
-                          <a:tab pos="5486400" algn="l"/>
-                          <a:tab pos="6400800" algn="l"/>
-                          <a:tab pos="7315200" algn="l"/>
-                          <a:tab pos="8229600" algn="l"/>
-                          <a:tab pos="9144000" algn="l"/>
-                          <a:tab pos="10058400" algn="l"/>
-                        </a:tabLst>
-                      </a:pPr>
-                      <a:r>
-                        <a:rPr kumimoji="0" lang="en-US" altLang="x-none" sz="1800" u="none" strike="noStrike" cap="none" normalizeH="0" baseline="0" smtClean="0">
-                          <a:ln>
-                            <a:noFill/>
-                          </a:ln>
-                          <a:effectLst/>
-                        </a:rPr>
-                        <a:t>Einen “Weißraum”</a:t>
-                      </a:r>
-                      <a:endParaRPr kumimoji="0" lang="en-US" altLang="x-none" sz="1800" b="0" i="0" u="none" strike="noStrike" cap="none" normalizeH="0" baseline="0" smtClean="0">
-                        <a:ln>
-                          <a:noFill/>
-                        </a:ln>
-                        <a:solidFill>
-                          <a:srgbClr val="000000"/>
-                        </a:solidFill>
-                        <a:effectLst/>
-                        <a:latin typeface="Arial Unicode MS" pitchFamily="32" charset="0"/>
-                        <a:ea typeface="Arial Unicode MS" pitchFamily="32" charset="0"/>
-                        <a:cs typeface="Arial Unicode MS" pitchFamily="32" charset="0"/>
-                      </a:endParaRPr>
-                    </a:p>
-                  </a:txBody>
-                  <a:tcPr marL="90000" marR="90000" marT="51336" marB="46800" anchor="ctr" horzOverflow="overflow"/>
-                </a:tc>
-                <a:tc>
-                  <a:txBody>
-                    <a:bodyPr/>
-                    <a:lstStyle/>
-                    <a:p>
-                      <a:pPr marL="0" marR="0" lvl="0" indent="0" algn="l" defTabSz="457200" rtl="0" eaLnBrk="1" fontAlgn="base" latinLnBrk="0" hangingPunct="1">
-                        <a:lnSpc>
-                          <a:spcPct val="98000"/>
-                        </a:lnSpc>
-                        <a:spcBef>
-                          <a:spcPct val="0"/>
-                        </a:spcBef>
-                        <a:spcAft>
-                          <a:spcPct val="0"/>
-                        </a:spcAft>
-                        <a:buClrTx/>
-                        <a:buSzPct val="100000"/>
-                        <a:buFontTx/>
-                        <a:buNone/>
-                        <a:tabLst>
-                          <a:tab pos="0" algn="l"/>
-                          <a:tab pos="914400" algn="l"/>
-                          <a:tab pos="1828800" algn="l"/>
-                          <a:tab pos="2743200" algn="l"/>
-                          <a:tab pos="3657600" algn="l"/>
-                          <a:tab pos="4572000" algn="l"/>
-                          <a:tab pos="5486400" algn="l"/>
-                          <a:tab pos="6400800" algn="l"/>
-                          <a:tab pos="7315200" algn="l"/>
-                          <a:tab pos="8229600" algn="l"/>
-                          <a:tab pos="9144000" algn="l"/>
-                          <a:tab pos="10058400" algn="l"/>
-                        </a:tabLst>
-                      </a:pPr>
-                      <a:r>
-                        <a:rPr kumimoji="0" lang="en-US" altLang="x-none" sz="1800" u="none" strike="noStrike" cap="none" normalizeH="0" baseline="0" smtClean="0">
-                          <a:ln>
-                            <a:noFill/>
-                          </a:ln>
-                          <a:effectLst/>
-                        </a:rPr>
-                        <a:t>[ \f\n\r\t\v] und alle Unicodevarianten zB \u00a0</a:t>
-                      </a:r>
-                      <a:endParaRPr kumimoji="0" lang="en-US" altLang="x-none" sz="1800" b="0" i="0" u="none" strike="noStrike" cap="none" normalizeH="0" baseline="0" smtClean="0">
-                        <a:ln>
-                          <a:noFill/>
-                        </a:ln>
-                        <a:solidFill>
-                          <a:srgbClr val="000000"/>
-                        </a:solidFill>
-                        <a:effectLst/>
-                        <a:latin typeface="Arial Unicode MS" pitchFamily="32" charset="0"/>
-                        <a:ea typeface="Arial Unicode MS" pitchFamily="32" charset="0"/>
-                        <a:cs typeface="Arial Unicode MS" pitchFamily="32" charset="0"/>
-                      </a:endParaRPr>
-                    </a:p>
-                  </a:txBody>
-                  <a:tcPr marL="90000" marR="90000" marT="51336" marB="46800" anchor="ctr" horzOverflow="overflow"/>
-                </a:tc>
-              </a:tr>
-              <a:tr h="370840">
-                <a:tc>
-                  <a:txBody>
-                    <a:bodyPr/>
-                    <a:lstStyle/>
-                    <a:p>
-                      <a:pPr marL="0" marR="0" lvl="0" indent="0" algn="l" defTabSz="457200" rtl="0" eaLnBrk="1" fontAlgn="base" latinLnBrk="0" hangingPunct="1">
-                        <a:lnSpc>
-                          <a:spcPct val="98000"/>
-                        </a:lnSpc>
-                        <a:spcBef>
-                          <a:spcPct val="0"/>
-                        </a:spcBef>
-                        <a:spcAft>
-                          <a:spcPct val="0"/>
-                        </a:spcAft>
-                        <a:buClrTx/>
-                        <a:buSzPct val="100000"/>
-                        <a:buFontTx/>
-                        <a:buNone/>
-                        <a:tabLst>
-                          <a:tab pos="0" algn="l"/>
-                          <a:tab pos="914400" algn="l"/>
-                          <a:tab pos="1828800" algn="l"/>
-                          <a:tab pos="2743200" algn="l"/>
-                          <a:tab pos="3657600" algn="l"/>
-                          <a:tab pos="4572000" algn="l"/>
-                          <a:tab pos="5486400" algn="l"/>
-                          <a:tab pos="6400800" algn="l"/>
-                          <a:tab pos="7315200" algn="l"/>
-                          <a:tab pos="8229600" algn="l"/>
-                          <a:tab pos="9144000" algn="l"/>
-                          <a:tab pos="10058400" algn="l"/>
-                        </a:tabLst>
-                      </a:pPr>
-                      <a:r>
-                        <a:rPr kumimoji="0" lang="en-US" altLang="x-none" sz="1800" u="none" strike="noStrike" cap="none" normalizeH="0" baseline="0" smtClean="0">
-                          <a:ln>
-                            <a:noFill/>
-                          </a:ln>
-                          <a:effectLst/>
-                        </a:rPr>
-                        <a:t>\w</a:t>
-                      </a:r>
-                      <a:endParaRPr kumimoji="0" lang="en-US" altLang="x-none" sz="1800" b="0" i="0" u="none" strike="noStrike" cap="none" normalizeH="0" baseline="0" smtClean="0">
-                        <a:ln>
-                          <a:noFill/>
-                        </a:ln>
-                        <a:solidFill>
-                          <a:srgbClr val="000000"/>
-                        </a:solidFill>
-                        <a:effectLst/>
-                        <a:latin typeface="Arial Unicode MS" pitchFamily="32" charset="0"/>
-                        <a:ea typeface="Arial Unicode MS" pitchFamily="32" charset="0"/>
-                        <a:cs typeface="Arial Unicode MS" pitchFamily="32" charset="0"/>
-                      </a:endParaRPr>
-                    </a:p>
-                  </a:txBody>
-                  <a:tcPr marL="90000" marR="90000" marT="51336" marB="46800" anchor="ctr" horzOverflow="overflow"/>
-                </a:tc>
-                <a:tc>
-                  <a:txBody>
-                    <a:bodyPr/>
-                    <a:lstStyle/>
-                    <a:p>
-                      <a:pPr marL="0" marR="0" lvl="0" indent="0" algn="l" defTabSz="457200" rtl="0" eaLnBrk="1" fontAlgn="base" latinLnBrk="0" hangingPunct="1">
-                        <a:lnSpc>
-                          <a:spcPct val="98000"/>
-                        </a:lnSpc>
-                        <a:spcBef>
-                          <a:spcPct val="0"/>
-                        </a:spcBef>
-                        <a:spcAft>
-                          <a:spcPct val="0"/>
-                        </a:spcAft>
-                        <a:buClrTx/>
-                        <a:buSzPct val="100000"/>
-                        <a:buFontTx/>
-                        <a:buNone/>
-                        <a:tabLst>
-                          <a:tab pos="0" algn="l"/>
-                          <a:tab pos="914400" algn="l"/>
-                          <a:tab pos="1828800" algn="l"/>
-                          <a:tab pos="2743200" algn="l"/>
-                          <a:tab pos="3657600" algn="l"/>
-                          <a:tab pos="4572000" algn="l"/>
-                          <a:tab pos="5486400" algn="l"/>
-                          <a:tab pos="6400800" algn="l"/>
-                          <a:tab pos="7315200" algn="l"/>
-                          <a:tab pos="8229600" algn="l"/>
-                          <a:tab pos="9144000" algn="l"/>
-                          <a:tab pos="10058400" algn="l"/>
-                        </a:tabLst>
-                      </a:pPr>
-                      <a:r>
-                        <a:rPr kumimoji="0" lang="en-US" altLang="x-none" sz="1800" u="none" strike="noStrike" cap="none" normalizeH="0" baseline="0" smtClean="0">
-                          <a:ln>
-                            <a:noFill/>
-                          </a:ln>
-                          <a:effectLst/>
-                        </a:rPr>
-                        <a:t>Ein alphanumerisches Zeichen inklusive _</a:t>
-                      </a:r>
-                      <a:endParaRPr kumimoji="0" lang="en-US" altLang="x-none" sz="1800" b="0" i="0" u="none" strike="noStrike" cap="none" normalizeH="0" baseline="0" smtClean="0">
-                        <a:ln>
-                          <a:noFill/>
-                        </a:ln>
-                        <a:solidFill>
-                          <a:srgbClr val="000000"/>
-                        </a:solidFill>
-                        <a:effectLst/>
-                        <a:latin typeface="Arial Unicode MS" pitchFamily="32" charset="0"/>
-                        <a:ea typeface="Arial Unicode MS" pitchFamily="32" charset="0"/>
-                        <a:cs typeface="Arial Unicode MS" pitchFamily="32" charset="0"/>
-                      </a:endParaRPr>
-                    </a:p>
-                  </a:txBody>
-                  <a:tcPr marL="90000" marR="90000" marT="51336" marB="46800" anchor="ctr" horzOverflow="overflow"/>
-                </a:tc>
-                <a:tc>
-                  <a:txBody>
-                    <a:bodyPr/>
-                    <a:lstStyle/>
-                    <a:p>
-                      <a:pPr marL="0" marR="0" lvl="0" indent="0" algn="l" defTabSz="457200" rtl="0" eaLnBrk="1" fontAlgn="base" latinLnBrk="0" hangingPunct="1">
-                        <a:lnSpc>
-                          <a:spcPct val="98000"/>
-                        </a:lnSpc>
-                        <a:spcBef>
-                          <a:spcPct val="0"/>
-                        </a:spcBef>
-                        <a:spcAft>
-                          <a:spcPct val="0"/>
-                        </a:spcAft>
-                        <a:buClrTx/>
-                        <a:buSzPct val="100000"/>
-                        <a:buFontTx/>
-                        <a:buNone/>
-                        <a:tabLst>
-                          <a:tab pos="0" algn="l"/>
-                          <a:tab pos="914400" algn="l"/>
-                          <a:tab pos="1828800" algn="l"/>
-                          <a:tab pos="2743200" algn="l"/>
-                          <a:tab pos="3657600" algn="l"/>
-                          <a:tab pos="4572000" algn="l"/>
-                          <a:tab pos="5486400" algn="l"/>
-                          <a:tab pos="6400800" algn="l"/>
-                          <a:tab pos="7315200" algn="l"/>
-                          <a:tab pos="8229600" algn="l"/>
-                          <a:tab pos="9144000" algn="l"/>
-                          <a:tab pos="10058400" algn="l"/>
-                        </a:tabLst>
-                      </a:pPr>
-                      <a:r>
-                        <a:rPr kumimoji="0" lang="en-US" altLang="x-none" sz="1800" u="none" strike="noStrike" cap="none" normalizeH="0" baseline="0" smtClean="0">
-                          <a:ln>
-                            <a:noFill/>
-                          </a:ln>
-                          <a:effectLst/>
-                        </a:rPr>
-                        <a:t>[A-Za-z0-9_] </a:t>
-                      </a:r>
-                      <a:endParaRPr kumimoji="0" lang="en-US" altLang="x-none" sz="1800" b="0" i="0" u="none" strike="noStrike" cap="none" normalizeH="0" baseline="0" smtClean="0">
-                        <a:ln>
-                          <a:noFill/>
-                        </a:ln>
-                        <a:solidFill>
-                          <a:srgbClr val="000000"/>
-                        </a:solidFill>
-                        <a:effectLst/>
-                        <a:latin typeface="Arial Unicode MS" pitchFamily="32" charset="0"/>
-                        <a:ea typeface="Arial Unicode MS" pitchFamily="32" charset="0"/>
-                        <a:cs typeface="Arial Unicode MS" pitchFamily="32" charset="0"/>
-                      </a:endParaRPr>
-                    </a:p>
-                  </a:txBody>
-                  <a:tcPr marL="90000" marR="90000" marT="51336" marB="46800" anchor="ctr" horzOverflow="overflow"/>
-                </a:tc>
-              </a:tr>
-              <a:tr h="370840">
-                <a:tc>
-                  <a:txBody>
-                    <a:bodyPr/>
-                    <a:lstStyle/>
-                    <a:p>
-                      <a:pPr marL="0" marR="0" lvl="0" indent="0" algn="l" defTabSz="457200" rtl="0" eaLnBrk="1" fontAlgn="base" latinLnBrk="0" hangingPunct="1">
-                        <a:lnSpc>
-                          <a:spcPct val="98000"/>
-                        </a:lnSpc>
-                        <a:spcBef>
-                          <a:spcPct val="0"/>
-                        </a:spcBef>
-                        <a:spcAft>
-                          <a:spcPct val="0"/>
-                        </a:spcAft>
-                        <a:buClrTx/>
-                        <a:buSzPct val="100000"/>
-                        <a:buFontTx/>
-                        <a:buNone/>
-                        <a:tabLst>
-                          <a:tab pos="0" algn="l"/>
-                          <a:tab pos="914400" algn="l"/>
-                          <a:tab pos="1828800" algn="l"/>
-                          <a:tab pos="2743200" algn="l"/>
-                          <a:tab pos="3657600" algn="l"/>
-                          <a:tab pos="4572000" algn="l"/>
-                          <a:tab pos="5486400" algn="l"/>
-                          <a:tab pos="6400800" algn="l"/>
-                          <a:tab pos="7315200" algn="l"/>
-                          <a:tab pos="8229600" algn="l"/>
-                          <a:tab pos="9144000" algn="l"/>
-                          <a:tab pos="10058400" algn="l"/>
-                        </a:tabLst>
-                      </a:pPr>
-                      <a:r>
-                        <a:rPr kumimoji="0" lang="en-US" altLang="x-none" sz="1800" u="none" strike="noStrike" cap="none" normalizeH="0" baseline="0" smtClean="0">
-                          <a:ln>
-                            <a:noFill/>
-                          </a:ln>
-                          <a:effectLst/>
-                        </a:rPr>
-                        <a:t>\D</a:t>
-                      </a:r>
-                      <a:endParaRPr kumimoji="0" lang="en-US" altLang="x-none" sz="1800" b="0" i="0" u="none" strike="noStrike" cap="none" normalizeH="0" baseline="0" smtClean="0">
-                        <a:ln>
-                          <a:noFill/>
-                        </a:ln>
-                        <a:solidFill>
-                          <a:srgbClr val="000000"/>
-                        </a:solidFill>
-                        <a:effectLst/>
-                        <a:latin typeface="Arial Unicode MS" pitchFamily="32" charset="0"/>
-                        <a:ea typeface="Arial Unicode MS" pitchFamily="32" charset="0"/>
-                        <a:cs typeface="Arial Unicode MS" pitchFamily="32" charset="0"/>
-                      </a:endParaRPr>
-                    </a:p>
-                  </a:txBody>
-                  <a:tcPr marL="90000" marR="90000" marT="51336" marB="46800" anchor="ctr" horzOverflow="overflow"/>
-                </a:tc>
-                <a:tc>
-                  <a:txBody>
-                    <a:bodyPr/>
-                    <a:lstStyle/>
-                    <a:p>
-                      <a:pPr marL="0" marR="0" lvl="0" indent="0" algn="l" defTabSz="457200" rtl="0" eaLnBrk="1" fontAlgn="base" latinLnBrk="0" hangingPunct="1">
-                        <a:lnSpc>
-                          <a:spcPct val="98000"/>
-                        </a:lnSpc>
-                        <a:spcBef>
-                          <a:spcPct val="0"/>
-                        </a:spcBef>
-                        <a:spcAft>
-                          <a:spcPct val="0"/>
-                        </a:spcAft>
-                        <a:buClrTx/>
-                        <a:buSzPct val="100000"/>
-                        <a:buFontTx/>
-                        <a:buNone/>
-                        <a:tabLst>
-                          <a:tab pos="0" algn="l"/>
-                          <a:tab pos="914400" algn="l"/>
-                          <a:tab pos="1828800" algn="l"/>
-                          <a:tab pos="2743200" algn="l"/>
-                          <a:tab pos="3657600" algn="l"/>
-                          <a:tab pos="4572000" algn="l"/>
-                          <a:tab pos="5486400" algn="l"/>
-                          <a:tab pos="6400800" algn="l"/>
-                          <a:tab pos="7315200" algn="l"/>
-                          <a:tab pos="8229600" algn="l"/>
-                          <a:tab pos="9144000" algn="l"/>
-                          <a:tab pos="10058400" algn="l"/>
-                        </a:tabLst>
-                      </a:pPr>
-                      <a:r>
-                        <a:rPr kumimoji="0" lang="en-US" altLang="x-none" sz="1800" u="none" strike="noStrike" cap="none" normalizeH="0" baseline="0" smtClean="0">
-                          <a:ln>
-                            <a:noFill/>
-                          </a:ln>
-                          <a:effectLst/>
-                        </a:rPr>
-                        <a:t>Alles außer Zahlen</a:t>
-                      </a:r>
-                      <a:endParaRPr kumimoji="0" lang="en-US" altLang="x-none" sz="1800" b="0" i="0" u="none" strike="noStrike" cap="none" normalizeH="0" baseline="0" smtClean="0">
-                        <a:ln>
-                          <a:noFill/>
-                        </a:ln>
-                        <a:solidFill>
-                          <a:srgbClr val="000000"/>
-                        </a:solidFill>
-                        <a:effectLst/>
-                        <a:latin typeface="Arial Unicode MS" pitchFamily="32" charset="0"/>
-                        <a:ea typeface="Arial Unicode MS" pitchFamily="32" charset="0"/>
-                        <a:cs typeface="Arial Unicode MS" pitchFamily="32" charset="0"/>
-                      </a:endParaRPr>
-                    </a:p>
-                  </a:txBody>
-                  <a:tcPr marL="90000" marR="90000" marT="51336" marB="46800" anchor="ctr" horzOverflow="overflow"/>
-                </a:tc>
-                <a:tc>
-                  <a:txBody>
-                    <a:bodyPr/>
-                    <a:lstStyle/>
-                    <a:p>
-                      <a:pPr marL="0" marR="0" lvl="0" indent="0" algn="l" defTabSz="457200" rtl="0" eaLnBrk="1" fontAlgn="base" latinLnBrk="0" hangingPunct="1">
-                        <a:lnSpc>
-                          <a:spcPct val="98000"/>
-                        </a:lnSpc>
-                        <a:spcBef>
-                          <a:spcPct val="0"/>
-                        </a:spcBef>
-                        <a:spcAft>
-                          <a:spcPct val="0"/>
-                        </a:spcAft>
-                        <a:buClrTx/>
-                        <a:buSzPct val="100000"/>
-                        <a:buFontTx/>
-                        <a:buNone/>
-                        <a:tabLst>
-                          <a:tab pos="0" algn="l"/>
-                          <a:tab pos="914400" algn="l"/>
-                          <a:tab pos="1828800" algn="l"/>
-                          <a:tab pos="2743200" algn="l"/>
-                          <a:tab pos="3657600" algn="l"/>
-                          <a:tab pos="4572000" algn="l"/>
-                          <a:tab pos="5486400" algn="l"/>
-                          <a:tab pos="6400800" algn="l"/>
-                          <a:tab pos="7315200" algn="l"/>
-                          <a:tab pos="8229600" algn="l"/>
-                          <a:tab pos="9144000" algn="l"/>
-                          <a:tab pos="10058400" algn="l"/>
-                        </a:tabLst>
-                      </a:pPr>
-                      <a:r>
-                        <a:rPr kumimoji="0" lang="en-US" altLang="x-none" sz="1800" u="none" strike="noStrike" cap="none" normalizeH="0" baseline="0" smtClean="0">
-                          <a:ln>
-                            <a:noFill/>
-                          </a:ln>
-                          <a:effectLst/>
-                        </a:rPr>
-                        <a:t>[^0-9], [^\d]</a:t>
-                      </a:r>
-                      <a:endParaRPr kumimoji="0" lang="en-US" altLang="x-none" sz="1800" b="0" i="0" u="none" strike="noStrike" cap="none" normalizeH="0" baseline="0" smtClean="0">
-                        <a:ln>
-                          <a:noFill/>
-                        </a:ln>
-                        <a:solidFill>
-                          <a:srgbClr val="000000"/>
-                        </a:solidFill>
-                        <a:effectLst/>
-                        <a:latin typeface="Arial Unicode MS" pitchFamily="32" charset="0"/>
-                        <a:cs typeface="Arial" charset="0"/>
-                      </a:endParaRPr>
-                    </a:p>
-                  </a:txBody>
-                  <a:tcPr marL="90000" marR="90000" marT="51336" marB="46800" anchor="ctr" horzOverflow="overflow"/>
-                </a:tc>
-              </a:tr>
-              <a:tr h="370840">
-                <a:tc>
-                  <a:txBody>
-                    <a:bodyPr/>
-                    <a:lstStyle/>
-                    <a:p>
-                      <a:pPr marL="0" marR="0" lvl="0" indent="0" algn="l" defTabSz="457200" rtl="0" eaLnBrk="1" fontAlgn="base" latinLnBrk="0" hangingPunct="1">
-                        <a:lnSpc>
-                          <a:spcPct val="98000"/>
-                        </a:lnSpc>
-                        <a:spcBef>
-                          <a:spcPct val="0"/>
-                        </a:spcBef>
-                        <a:spcAft>
-                          <a:spcPct val="0"/>
-                        </a:spcAft>
-                        <a:buClrTx/>
-                        <a:buSzPct val="100000"/>
-                        <a:buFontTx/>
-                        <a:buNone/>
-                        <a:tabLst>
-                          <a:tab pos="0" algn="l"/>
-                          <a:tab pos="914400" algn="l"/>
-                          <a:tab pos="1828800" algn="l"/>
-                          <a:tab pos="2743200" algn="l"/>
-                          <a:tab pos="3657600" algn="l"/>
-                          <a:tab pos="4572000" algn="l"/>
-                          <a:tab pos="5486400" algn="l"/>
-                          <a:tab pos="6400800" algn="l"/>
-                          <a:tab pos="7315200" algn="l"/>
-                          <a:tab pos="8229600" algn="l"/>
-                          <a:tab pos="9144000" algn="l"/>
-                          <a:tab pos="10058400" algn="l"/>
-                        </a:tabLst>
-                      </a:pPr>
-                      <a:r>
-                        <a:rPr kumimoji="0" lang="en-US" altLang="x-none" sz="1800" u="none" strike="noStrike" cap="none" normalizeH="0" baseline="0" smtClean="0">
-                          <a:ln>
-                            <a:noFill/>
-                          </a:ln>
-                          <a:effectLst/>
-                        </a:rPr>
-                        <a:t>\S</a:t>
-                      </a:r>
-                      <a:endParaRPr kumimoji="0" lang="en-US" altLang="x-none" sz="1800" b="0" i="0" u="none" strike="noStrike" cap="none" normalizeH="0" baseline="0" smtClean="0">
-                        <a:ln>
-                          <a:noFill/>
-                        </a:ln>
-                        <a:solidFill>
-                          <a:srgbClr val="000000"/>
-                        </a:solidFill>
-                        <a:effectLst/>
-                        <a:latin typeface="Arial Unicode MS" pitchFamily="32" charset="0"/>
-                        <a:ea typeface="Arial Unicode MS" pitchFamily="32" charset="0"/>
-                        <a:cs typeface="Arial Unicode MS" pitchFamily="32" charset="0"/>
-                      </a:endParaRPr>
-                    </a:p>
-                  </a:txBody>
-                  <a:tcPr marL="90000" marR="90000" marT="51336" marB="46800" anchor="ctr" horzOverflow="overflow"/>
-                </a:tc>
-                <a:tc>
-                  <a:txBody>
-                    <a:bodyPr/>
-                    <a:lstStyle/>
-                    <a:p>
-                      <a:pPr marL="0" marR="0" lvl="0" indent="0" algn="l" defTabSz="457200" rtl="0" eaLnBrk="1" fontAlgn="base" latinLnBrk="0" hangingPunct="1">
-                        <a:lnSpc>
-                          <a:spcPct val="98000"/>
-                        </a:lnSpc>
-                        <a:spcBef>
-                          <a:spcPct val="0"/>
-                        </a:spcBef>
-                        <a:spcAft>
-                          <a:spcPct val="0"/>
-                        </a:spcAft>
-                        <a:buClrTx/>
-                        <a:buSzPct val="100000"/>
-                        <a:buFontTx/>
-                        <a:buNone/>
-                        <a:tabLst>
-                          <a:tab pos="0" algn="l"/>
-                          <a:tab pos="914400" algn="l"/>
-                          <a:tab pos="1828800" algn="l"/>
-                          <a:tab pos="2743200" algn="l"/>
-                          <a:tab pos="3657600" algn="l"/>
-                          <a:tab pos="4572000" algn="l"/>
-                          <a:tab pos="5486400" algn="l"/>
-                          <a:tab pos="6400800" algn="l"/>
-                          <a:tab pos="7315200" algn="l"/>
-                          <a:tab pos="8229600" algn="l"/>
-                          <a:tab pos="9144000" algn="l"/>
-                          <a:tab pos="10058400" algn="l"/>
-                        </a:tabLst>
-                      </a:pPr>
-                      <a:r>
-                        <a:rPr kumimoji="0" lang="en-US" altLang="x-none" sz="1800" u="none" strike="noStrike" cap="none" normalizeH="0" baseline="0" smtClean="0">
-                          <a:ln>
-                            <a:noFill/>
-                          </a:ln>
-                          <a:effectLst/>
-                        </a:rPr>
-                        <a:t>Alles außer “Weißraum”</a:t>
-                      </a:r>
-                      <a:endParaRPr kumimoji="0" lang="en-US" altLang="x-none" sz="1800" b="0" i="0" u="none" strike="noStrike" cap="none" normalizeH="0" baseline="0" smtClean="0">
-                        <a:ln>
-                          <a:noFill/>
-                        </a:ln>
-                        <a:solidFill>
-                          <a:srgbClr val="000000"/>
-                        </a:solidFill>
-                        <a:effectLst/>
-                        <a:latin typeface="Arial Unicode MS" pitchFamily="32" charset="0"/>
-                        <a:ea typeface="Arial Unicode MS" pitchFamily="32" charset="0"/>
-                        <a:cs typeface="Arial Unicode MS" pitchFamily="32" charset="0"/>
-                      </a:endParaRPr>
-                    </a:p>
-                  </a:txBody>
-                  <a:tcPr marL="90000" marR="90000" marT="51336" marB="46800" anchor="ctr" horzOverflow="overflow"/>
-                </a:tc>
-                <a:tc>
-                  <a:txBody>
-                    <a:bodyPr/>
-                    <a:lstStyle/>
-                    <a:p>
-                      <a:pPr marL="0" marR="0" lvl="0" indent="0" algn="l" defTabSz="457200" rtl="0" eaLnBrk="1" fontAlgn="base" latinLnBrk="0" hangingPunct="1">
-                        <a:lnSpc>
-                          <a:spcPct val="98000"/>
-                        </a:lnSpc>
-                        <a:spcBef>
-                          <a:spcPct val="0"/>
-                        </a:spcBef>
-                        <a:spcAft>
-                          <a:spcPct val="0"/>
-                        </a:spcAft>
-                        <a:buClrTx/>
-                        <a:buSzPct val="100000"/>
-                        <a:buFontTx/>
-                        <a:buNone/>
-                        <a:tabLst>
-                          <a:tab pos="0" algn="l"/>
-                          <a:tab pos="914400" algn="l"/>
-                          <a:tab pos="1828800" algn="l"/>
-                          <a:tab pos="2743200" algn="l"/>
-                          <a:tab pos="3657600" algn="l"/>
-                          <a:tab pos="4572000" algn="l"/>
-                          <a:tab pos="5486400" algn="l"/>
-                          <a:tab pos="6400800" algn="l"/>
-                          <a:tab pos="7315200" algn="l"/>
-                          <a:tab pos="8229600" algn="l"/>
-                          <a:tab pos="9144000" algn="l"/>
-                          <a:tab pos="10058400" algn="l"/>
-                        </a:tabLst>
-                      </a:pPr>
-                      <a:r>
-                        <a:rPr kumimoji="0" lang="en-US" altLang="x-none" sz="1800" u="none" strike="noStrike" cap="none" normalizeH="0" baseline="0" smtClean="0">
-                          <a:ln>
-                            <a:noFill/>
-                          </a:ln>
-                          <a:effectLst/>
-                        </a:rPr>
-                        <a:t>[^\s]</a:t>
-                      </a:r>
-                      <a:endParaRPr kumimoji="0" lang="en-US" altLang="x-none" sz="1800" b="0" i="0" u="none" strike="noStrike" cap="none" normalizeH="0" baseline="0" smtClean="0">
-                        <a:ln>
-                          <a:noFill/>
-                        </a:ln>
-                        <a:solidFill>
-                          <a:srgbClr val="000000"/>
-                        </a:solidFill>
-                        <a:effectLst/>
-                        <a:latin typeface="Arial Unicode MS" pitchFamily="32" charset="0"/>
-                        <a:cs typeface="Arial" charset="0"/>
-                      </a:endParaRPr>
-                    </a:p>
-                  </a:txBody>
-                  <a:tcPr marL="90000" marR="90000" marT="51336" marB="46800" anchor="ctr" horzOverflow="overflow"/>
-                </a:tc>
-              </a:tr>
-              <a:tr h="370840">
-                <a:tc>
-                  <a:txBody>
-                    <a:bodyPr/>
-                    <a:lstStyle/>
-                    <a:p>
-                      <a:pPr marL="0" marR="0" lvl="0" indent="0" algn="l" defTabSz="457200" rtl="0" eaLnBrk="1" fontAlgn="base" latinLnBrk="0" hangingPunct="1">
-                        <a:lnSpc>
-                          <a:spcPct val="98000"/>
-                        </a:lnSpc>
-                        <a:spcBef>
-                          <a:spcPct val="0"/>
-                        </a:spcBef>
-                        <a:spcAft>
-                          <a:spcPct val="0"/>
-                        </a:spcAft>
-                        <a:buClrTx/>
-                        <a:buSzPct val="100000"/>
-                        <a:buFontTx/>
-                        <a:buNone/>
-                        <a:tabLst>
-                          <a:tab pos="0" algn="l"/>
-                          <a:tab pos="914400" algn="l"/>
-                          <a:tab pos="1828800" algn="l"/>
-                          <a:tab pos="2743200" algn="l"/>
-                          <a:tab pos="3657600" algn="l"/>
-                          <a:tab pos="4572000" algn="l"/>
-                          <a:tab pos="5486400" algn="l"/>
-                          <a:tab pos="6400800" algn="l"/>
-                          <a:tab pos="7315200" algn="l"/>
-                          <a:tab pos="8229600" algn="l"/>
-                          <a:tab pos="9144000" algn="l"/>
-                          <a:tab pos="10058400" algn="l"/>
-                        </a:tabLst>
-                      </a:pPr>
-                      <a:r>
-                        <a:rPr kumimoji="0" lang="en-US" altLang="x-none" sz="1800" u="none" strike="noStrike" cap="none" normalizeH="0" baseline="0" smtClean="0">
-                          <a:ln>
-                            <a:noFill/>
-                          </a:ln>
-                          <a:effectLst/>
-                        </a:rPr>
-                        <a:t>\W</a:t>
-                      </a:r>
-                      <a:endParaRPr kumimoji="0" lang="en-US" altLang="x-none" sz="1800" b="0" i="0" u="none" strike="noStrike" cap="none" normalizeH="0" baseline="0" smtClean="0">
-                        <a:ln>
-                          <a:noFill/>
-                        </a:ln>
-                        <a:solidFill>
-                          <a:srgbClr val="000000"/>
-                        </a:solidFill>
-                        <a:effectLst/>
-                        <a:latin typeface="Arial Unicode MS" pitchFamily="32" charset="0"/>
-                        <a:ea typeface="Arial Unicode MS" pitchFamily="32" charset="0"/>
-                        <a:cs typeface="Arial Unicode MS" pitchFamily="32" charset="0"/>
-                      </a:endParaRPr>
-                    </a:p>
-                  </a:txBody>
-                  <a:tcPr marL="90000" marR="90000" marT="51336" marB="46800" anchor="ctr" horzOverflow="overflow"/>
-                </a:tc>
-                <a:tc>
-                  <a:txBody>
-                    <a:bodyPr/>
-                    <a:lstStyle/>
-                    <a:p>
-                      <a:pPr marL="0" marR="0" lvl="0" indent="0" algn="l" defTabSz="457200" rtl="0" eaLnBrk="1" fontAlgn="base" latinLnBrk="0" hangingPunct="1">
-                        <a:lnSpc>
-                          <a:spcPct val="98000"/>
-                        </a:lnSpc>
-                        <a:spcBef>
-                          <a:spcPct val="0"/>
-                        </a:spcBef>
-                        <a:spcAft>
-                          <a:spcPct val="0"/>
-                        </a:spcAft>
-                        <a:buClrTx/>
-                        <a:buSzPct val="100000"/>
-                        <a:buFontTx/>
-                        <a:buNone/>
-                        <a:tabLst>
-                          <a:tab pos="0" algn="l"/>
-                          <a:tab pos="914400" algn="l"/>
-                          <a:tab pos="1828800" algn="l"/>
-                          <a:tab pos="2743200" algn="l"/>
-                          <a:tab pos="3657600" algn="l"/>
-                          <a:tab pos="4572000" algn="l"/>
-                          <a:tab pos="5486400" algn="l"/>
-                          <a:tab pos="6400800" algn="l"/>
-                          <a:tab pos="7315200" algn="l"/>
-                          <a:tab pos="8229600" algn="l"/>
-                          <a:tab pos="9144000" algn="l"/>
-                          <a:tab pos="10058400" algn="l"/>
-                        </a:tabLst>
-                      </a:pPr>
-                      <a:r>
-                        <a:rPr kumimoji="0" lang="en-US" altLang="x-none" sz="1800" u="none" strike="noStrike" cap="none" normalizeH="0" baseline="0" smtClean="0">
-                          <a:ln>
-                            <a:noFill/>
-                          </a:ln>
-                          <a:effectLst/>
-                        </a:rPr>
-                        <a:t>Alles außer alphanumerische Zeichen</a:t>
-                      </a:r>
-                      <a:endParaRPr kumimoji="0" lang="en-US" altLang="x-none" sz="1800" b="0" i="0" u="none" strike="noStrike" cap="none" normalizeH="0" baseline="0" smtClean="0">
-                        <a:ln>
-                          <a:noFill/>
-                        </a:ln>
-                        <a:solidFill>
-                          <a:srgbClr val="000000"/>
-                        </a:solidFill>
-                        <a:effectLst/>
-                        <a:latin typeface="Arial Unicode MS" pitchFamily="32" charset="0"/>
-                        <a:ea typeface="Arial Unicode MS" pitchFamily="32" charset="0"/>
-                        <a:cs typeface="Arial Unicode MS" pitchFamily="32" charset="0"/>
-                      </a:endParaRPr>
-                    </a:p>
-                  </a:txBody>
-                  <a:tcPr marL="90000" marR="90000" marT="51336" marB="46800" anchor="ctr" horzOverflow="overflow"/>
-                </a:tc>
-                <a:tc>
-                  <a:txBody>
-                    <a:bodyPr/>
-                    <a:lstStyle/>
-                    <a:p>
-                      <a:pPr marL="0" marR="0" lvl="0" indent="0" algn="l" defTabSz="457200" rtl="0" eaLnBrk="1" fontAlgn="base" latinLnBrk="0" hangingPunct="1">
-                        <a:lnSpc>
-                          <a:spcPct val="98000"/>
-                        </a:lnSpc>
-                        <a:spcBef>
-                          <a:spcPct val="0"/>
-                        </a:spcBef>
-                        <a:spcAft>
-                          <a:spcPct val="0"/>
-                        </a:spcAft>
-                        <a:buClrTx/>
-                        <a:buSzPct val="100000"/>
-                        <a:buFontTx/>
-                        <a:buNone/>
-                        <a:tabLst>
-                          <a:tab pos="0" algn="l"/>
-                          <a:tab pos="914400" algn="l"/>
-                          <a:tab pos="1828800" algn="l"/>
-                          <a:tab pos="2743200" algn="l"/>
-                          <a:tab pos="3657600" algn="l"/>
-                          <a:tab pos="4572000" algn="l"/>
-                          <a:tab pos="5486400" algn="l"/>
-                          <a:tab pos="6400800" algn="l"/>
-                          <a:tab pos="7315200" algn="l"/>
-                          <a:tab pos="8229600" algn="l"/>
-                          <a:tab pos="9144000" algn="l"/>
-                          <a:tab pos="10058400" algn="l"/>
-                        </a:tabLst>
-                      </a:pPr>
-                      <a:r>
-                        <a:rPr kumimoji="0" lang="en-US" altLang="x-none" sz="1800" u="none" strike="noStrike" cap="none" normalizeH="0" baseline="0" smtClean="0">
-                          <a:ln>
-                            <a:noFill/>
-                          </a:ln>
-                          <a:effectLst/>
-                        </a:rPr>
-                        <a:t>[^A-Za-z0-9_]</a:t>
-                      </a:r>
-                    </a:p>
-                  </a:txBody>
-                  <a:tcPr marL="90000" marR="90000" marT="51336" marB="46800" anchor="ctr" horzOverflow="overflow"/>
-                </a:tc>
-              </a:tr>
-              <a:tr h="370840">
-                <a:tc>
-                  <a:txBody>
-                    <a:bodyPr/>
-                    <a:lstStyle/>
-                    <a:p>
-                      <a:pPr marL="0" marR="0" lvl="0" indent="0" algn="l" defTabSz="457200" rtl="0" eaLnBrk="1" fontAlgn="base" latinLnBrk="0" hangingPunct="1">
-                        <a:lnSpc>
-                          <a:spcPct val="98000"/>
-                        </a:lnSpc>
-                        <a:spcBef>
-                          <a:spcPct val="0"/>
-                        </a:spcBef>
-                        <a:spcAft>
-                          <a:spcPct val="0"/>
-                        </a:spcAft>
-                        <a:buClrTx/>
-                        <a:buSzPct val="100000"/>
-                        <a:buFontTx/>
-                        <a:buNone/>
-                        <a:tabLst>
-                          <a:tab pos="0" algn="l"/>
-                          <a:tab pos="914400" algn="l"/>
-                          <a:tab pos="1828800" algn="l"/>
-                          <a:tab pos="2743200" algn="l"/>
-                          <a:tab pos="3657600" algn="l"/>
-                          <a:tab pos="4572000" algn="l"/>
-                          <a:tab pos="5486400" algn="l"/>
-                          <a:tab pos="6400800" algn="l"/>
-                          <a:tab pos="7315200" algn="l"/>
-                          <a:tab pos="8229600" algn="l"/>
-                          <a:tab pos="9144000" algn="l"/>
-                          <a:tab pos="10058400" algn="l"/>
-                        </a:tabLst>
-                      </a:pPr>
-                      <a:r>
-                        <a:rPr kumimoji="0" lang="en-US" altLang="x-none" sz="1800" u="none" strike="noStrike" cap="none" normalizeH="0" baseline="0" smtClean="0">
-                          <a:ln>
-                            <a:noFill/>
-                          </a:ln>
-                          <a:effectLst/>
-                        </a:rPr>
-                        <a:t>\b</a:t>
-                      </a:r>
-                      <a:endParaRPr kumimoji="0" lang="en-US" altLang="x-none" sz="1800" b="0" i="0" u="none" strike="noStrike" cap="none" normalizeH="0" baseline="0" smtClean="0">
-                        <a:ln>
-                          <a:noFill/>
-                        </a:ln>
-                        <a:solidFill>
-                          <a:srgbClr val="000000"/>
-                        </a:solidFill>
-                        <a:effectLst/>
-                        <a:latin typeface="Arial Unicode MS" pitchFamily="32" charset="0"/>
-                        <a:ea typeface="Arial Unicode MS" pitchFamily="32" charset="0"/>
-                        <a:cs typeface="Arial Unicode MS" pitchFamily="32" charset="0"/>
-                      </a:endParaRPr>
-                    </a:p>
-                  </a:txBody>
-                  <a:tcPr marL="90000" marR="90000" marT="51336" marB="46800" anchor="ctr" horzOverflow="overflow"/>
-                </a:tc>
-                <a:tc>
-                  <a:txBody>
-                    <a:bodyPr/>
-                    <a:lstStyle/>
-                    <a:p>
-                      <a:pPr marL="0" marR="0" lvl="0" indent="0" algn="l" defTabSz="457200" rtl="0" eaLnBrk="1" fontAlgn="base" latinLnBrk="0" hangingPunct="1">
-                        <a:lnSpc>
-                          <a:spcPct val="98000"/>
-                        </a:lnSpc>
-                        <a:spcBef>
-                          <a:spcPct val="0"/>
-                        </a:spcBef>
-                        <a:spcAft>
-                          <a:spcPct val="0"/>
-                        </a:spcAft>
-                        <a:buClrTx/>
-                        <a:buSzPct val="100000"/>
-                        <a:buFontTx/>
-                        <a:buNone/>
-                        <a:tabLst>
-                          <a:tab pos="0" algn="l"/>
-                          <a:tab pos="914400" algn="l"/>
-                          <a:tab pos="1828800" algn="l"/>
-                          <a:tab pos="2743200" algn="l"/>
-                          <a:tab pos="3657600" algn="l"/>
-                          <a:tab pos="4572000" algn="l"/>
-                          <a:tab pos="5486400" algn="l"/>
-                          <a:tab pos="6400800" algn="l"/>
-                          <a:tab pos="7315200" algn="l"/>
-                          <a:tab pos="8229600" algn="l"/>
-                          <a:tab pos="9144000" algn="l"/>
-                          <a:tab pos="10058400" algn="l"/>
-                        </a:tabLst>
-                      </a:pPr>
-                      <a:r>
-                        <a:rPr kumimoji="0" lang="en-US" altLang="x-none" sz="1800" u="none" strike="noStrike" cap="none" normalizeH="0" baseline="0" smtClean="0">
-                          <a:ln>
-                            <a:noFill/>
-                          </a:ln>
-                          <a:effectLst/>
-                        </a:rPr>
-                        <a:t>Eine Wortgrenze</a:t>
-                      </a:r>
-                      <a:endParaRPr kumimoji="0" lang="en-US" altLang="x-none" sz="1800" b="0" i="0" u="none" strike="noStrike" cap="none" normalizeH="0" baseline="0" smtClean="0">
-                        <a:ln>
-                          <a:noFill/>
-                        </a:ln>
-                        <a:solidFill>
-                          <a:srgbClr val="000000"/>
-                        </a:solidFill>
-                        <a:effectLst/>
-                        <a:latin typeface="Arial Unicode MS" pitchFamily="32" charset="0"/>
-                        <a:ea typeface="Arial Unicode MS" pitchFamily="32" charset="0"/>
-                        <a:cs typeface="Arial Unicode MS" pitchFamily="32" charset="0"/>
-                      </a:endParaRPr>
-                    </a:p>
-                  </a:txBody>
-                  <a:tcPr marL="90000" marR="90000" marT="51336" marB="46800" anchor="ctr" horzOverflow="overflow"/>
-                </a:tc>
-                <a:tc>
-                  <a:txBody>
-                    <a:bodyPr/>
-                    <a:lstStyle/>
-                    <a:p>
-                      <a:pPr marL="0" marR="0" lvl="0" indent="0" algn="l" defTabSz="457200" rtl="0" eaLnBrk="1" fontAlgn="base" latinLnBrk="0" hangingPunct="1">
-                        <a:lnSpc>
-                          <a:spcPct val="98000"/>
-                        </a:lnSpc>
-                        <a:spcBef>
-                          <a:spcPct val="0"/>
-                        </a:spcBef>
-                        <a:spcAft>
-                          <a:spcPct val="0"/>
-                        </a:spcAft>
-                        <a:buClrTx/>
-                        <a:buSzPct val="100000"/>
-                        <a:buFontTx/>
-                        <a:buNone/>
-                        <a:tabLst>
-                          <a:tab pos="0" algn="l"/>
-                          <a:tab pos="914400" algn="l"/>
-                          <a:tab pos="1828800" algn="l"/>
-                          <a:tab pos="2743200" algn="l"/>
-                          <a:tab pos="3657600" algn="l"/>
-                          <a:tab pos="4572000" algn="l"/>
-                          <a:tab pos="5486400" algn="l"/>
-                          <a:tab pos="6400800" algn="l"/>
-                          <a:tab pos="7315200" algn="l"/>
-                          <a:tab pos="8229600" algn="l"/>
-                          <a:tab pos="9144000" algn="l"/>
-                          <a:tab pos="10058400" algn="l"/>
-                        </a:tabLst>
-                      </a:pPr>
-                      <a:r>
-                        <a:rPr kumimoji="0" lang="en-US" altLang="x-none" sz="1800" u="none" strike="noStrike" cap="none" normalizeH="0" baseline="0" smtClean="0">
-                          <a:ln>
-                            <a:noFill/>
-                          </a:ln>
-                          <a:effectLst/>
-                        </a:rPr>
-                        <a:t>(^\w|\w$|\W\w|\w\W)</a:t>
-                      </a:r>
-                      <a:endParaRPr kumimoji="0" lang="en-US" altLang="x-none" sz="1800" b="0" i="0" u="none" strike="noStrike" cap="none" normalizeH="0" baseline="0" smtClean="0">
-                        <a:ln>
-                          <a:noFill/>
-                        </a:ln>
-                        <a:solidFill>
-                          <a:srgbClr val="000000"/>
-                        </a:solidFill>
-                        <a:effectLst/>
-                        <a:latin typeface="Arial Unicode MS" pitchFamily="32" charset="0"/>
-                        <a:ea typeface="Arial Unicode MS" pitchFamily="32" charset="0"/>
-                        <a:cs typeface="Arial Unicode MS" pitchFamily="32" charset="0"/>
-                      </a:endParaRPr>
-                    </a:p>
-                  </a:txBody>
-                  <a:tcPr marL="90000" marR="90000" marT="51336" marB="46800" anchor="ctr" horzOverflow="overflow"/>
-                </a:tc>
-              </a:tr>
-              <a:tr h="370840">
-                <a:tc>
-                  <a:txBody>
-                    <a:bodyPr/>
-                    <a:lstStyle/>
-                    <a:p>
-                      <a:pPr marL="0" marR="0" lvl="0" indent="0" algn="l" defTabSz="457200" rtl="0" eaLnBrk="1" fontAlgn="base" latinLnBrk="0" hangingPunct="1">
-                        <a:lnSpc>
-                          <a:spcPct val="98000"/>
-                        </a:lnSpc>
-                        <a:spcBef>
-                          <a:spcPct val="0"/>
-                        </a:spcBef>
-                        <a:spcAft>
-                          <a:spcPct val="0"/>
-                        </a:spcAft>
-                        <a:buClrTx/>
-                        <a:buSzPct val="100000"/>
-                        <a:buFontTx/>
-                        <a:buNone/>
-                        <a:tabLst>
-                          <a:tab pos="0" algn="l"/>
-                          <a:tab pos="914400" algn="l"/>
-                          <a:tab pos="1828800" algn="l"/>
-                          <a:tab pos="2743200" algn="l"/>
-                          <a:tab pos="3657600" algn="l"/>
-                          <a:tab pos="4572000" algn="l"/>
-                          <a:tab pos="5486400" algn="l"/>
-                          <a:tab pos="6400800" algn="l"/>
-                          <a:tab pos="7315200" algn="l"/>
-                          <a:tab pos="8229600" algn="l"/>
-                          <a:tab pos="9144000" algn="l"/>
-                          <a:tab pos="10058400" algn="l"/>
-                        </a:tabLst>
-                      </a:pPr>
-                      <a:r>
-                        <a:rPr kumimoji="0" lang="en-US" altLang="x-none" sz="1800" u="none" strike="noStrike" cap="none" normalizeH="0" baseline="0" dirty="0" smtClean="0">
-                          <a:ln>
-                            <a:noFill/>
-                          </a:ln>
-                          <a:effectLst/>
-                        </a:rPr>
-                        <a:t>.</a:t>
-                      </a:r>
-                      <a:endParaRPr kumimoji="0" lang="en-US" altLang="x-none" sz="1800" b="0" i="0" u="none" strike="noStrike" cap="none" normalizeH="0" baseline="0" dirty="0" smtClean="0">
-                        <a:ln>
-                          <a:noFill/>
-                        </a:ln>
-                        <a:solidFill>
-                          <a:srgbClr val="000000"/>
-                        </a:solidFill>
-                        <a:effectLst/>
-                        <a:latin typeface="Arial Unicode MS" pitchFamily="32" charset="0"/>
-                        <a:ea typeface="Arial Unicode MS" pitchFamily="32" charset="0"/>
-                        <a:cs typeface="Arial Unicode MS" pitchFamily="32" charset="0"/>
-                      </a:endParaRPr>
-                    </a:p>
-                  </a:txBody>
-                  <a:tcPr marL="90000" marR="90000" marT="51336" marB="46800" anchor="ctr" horzOverflow="overflow"/>
-                </a:tc>
-                <a:tc>
-                  <a:txBody>
-                    <a:bodyPr/>
-                    <a:lstStyle/>
-                    <a:p>
-                      <a:pPr marL="0" marR="0" lvl="0" indent="0" algn="l" defTabSz="457200" rtl="0" eaLnBrk="1" fontAlgn="base" latinLnBrk="0" hangingPunct="1">
-                        <a:lnSpc>
-                          <a:spcPct val="98000"/>
-                        </a:lnSpc>
-                        <a:spcBef>
-                          <a:spcPct val="0"/>
-                        </a:spcBef>
-                        <a:spcAft>
-                          <a:spcPct val="0"/>
-                        </a:spcAft>
-                        <a:buClrTx/>
-                        <a:buSzPct val="100000"/>
-                        <a:buFontTx/>
-                        <a:buNone/>
-                        <a:tabLst>
-                          <a:tab pos="0" algn="l"/>
-                          <a:tab pos="914400" algn="l"/>
-                          <a:tab pos="1828800" algn="l"/>
-                          <a:tab pos="2743200" algn="l"/>
-                          <a:tab pos="3657600" algn="l"/>
-                          <a:tab pos="4572000" algn="l"/>
-                          <a:tab pos="5486400" algn="l"/>
-                          <a:tab pos="6400800" algn="l"/>
-                          <a:tab pos="7315200" algn="l"/>
-                          <a:tab pos="8229600" algn="l"/>
-                          <a:tab pos="9144000" algn="l"/>
-                          <a:tab pos="10058400" algn="l"/>
-                        </a:tabLst>
-                      </a:pPr>
-                      <a:r>
-                        <a:rPr kumimoji="0" lang="en-US" altLang="x-none" sz="1800" u="none" strike="noStrike" cap="none" normalizeH="0" baseline="0" smtClean="0">
-                          <a:ln>
-                            <a:noFill/>
-                          </a:ln>
-                          <a:effectLst/>
-                        </a:rPr>
-                        <a:t>Alle Zeichen außer Zeilenumbrüche</a:t>
-                      </a:r>
-                      <a:endParaRPr kumimoji="0" lang="en-US" altLang="x-none" sz="1800" b="0" i="0" u="none" strike="noStrike" cap="none" normalizeH="0" baseline="0" smtClean="0">
-                        <a:ln>
-                          <a:noFill/>
-                        </a:ln>
-                        <a:solidFill>
-                          <a:srgbClr val="000000"/>
-                        </a:solidFill>
-                        <a:effectLst/>
-                        <a:latin typeface="Arial Unicode MS" pitchFamily="32" charset="0"/>
-                        <a:ea typeface="Arial Unicode MS" pitchFamily="32" charset="0"/>
-                        <a:cs typeface="Arial Unicode MS" pitchFamily="32" charset="0"/>
-                      </a:endParaRPr>
-                    </a:p>
-                  </a:txBody>
-                  <a:tcPr marL="90000" marR="90000" marT="51336" marB="46800" anchor="ctr" horzOverflow="overflow"/>
-                </a:tc>
-                <a:tc>
-                  <a:txBody>
-                    <a:bodyPr/>
-                    <a:lstStyle/>
-                    <a:p>
-                      <a:pPr marL="0" marR="0" lvl="0" indent="0" algn="l" defTabSz="457200" rtl="0" eaLnBrk="1" fontAlgn="base" latinLnBrk="0" hangingPunct="1">
-                        <a:lnSpc>
-                          <a:spcPct val="98000"/>
-                        </a:lnSpc>
-                        <a:spcBef>
-                          <a:spcPct val="0"/>
-                        </a:spcBef>
-                        <a:spcAft>
-                          <a:spcPct val="0"/>
-                        </a:spcAft>
-                        <a:buClrTx/>
-                        <a:buSzPct val="100000"/>
-                        <a:buFontTx/>
-                        <a:buNone/>
-                        <a:tabLst>
-                          <a:tab pos="0" algn="l"/>
-                          <a:tab pos="914400" algn="l"/>
-                          <a:tab pos="1828800" algn="l"/>
-                          <a:tab pos="2743200" algn="l"/>
-                          <a:tab pos="3657600" algn="l"/>
-                          <a:tab pos="4572000" algn="l"/>
-                          <a:tab pos="5486400" algn="l"/>
-                          <a:tab pos="6400800" algn="l"/>
-                          <a:tab pos="7315200" algn="l"/>
-                          <a:tab pos="8229600" algn="l"/>
-                          <a:tab pos="9144000" algn="l"/>
-                          <a:tab pos="10058400" algn="l"/>
-                        </a:tabLst>
-                      </a:pPr>
-                      <a:r>
-                        <a:rPr kumimoji="0" lang="en-US" altLang="x-none" sz="1800" u="none" strike="noStrike" cap="none" normalizeH="0" baseline="0" dirty="0" smtClean="0">
-                          <a:ln>
-                            <a:noFill/>
-                          </a:ln>
-                          <a:effectLst/>
-                        </a:rPr>
-                        <a:t>[^\n]</a:t>
-                      </a:r>
-                      <a:endParaRPr kumimoji="0" lang="en-US" altLang="x-none" sz="1800" b="0" i="0" u="none" strike="noStrike" cap="none" normalizeH="0" baseline="0" dirty="0" smtClean="0">
-                        <a:ln>
-                          <a:noFill/>
-                        </a:ln>
-                        <a:solidFill>
-                          <a:srgbClr val="000000"/>
-                        </a:solidFill>
-                        <a:effectLst/>
-                        <a:latin typeface="Arial Unicode MS" pitchFamily="32" charset="0"/>
-                        <a:ea typeface="Arial Unicode MS" pitchFamily="32" charset="0"/>
-                        <a:cs typeface="Arial Unicode MS" pitchFamily="32" charset="0"/>
-                      </a:endParaRPr>
-                    </a:p>
-                  </a:txBody>
-                  <a:tcPr marL="90000" marR="90000" marT="51336" marB="46800" anchor="ctr" horzOverflow="overflow"/>
-                </a:tc>
-              </a:tr>
-            </a:tbl>
-          </a:graphicData>
-        </a:graphic>
-      </p:graphicFrame>
-      <p:sp>
-        <p:nvSpPr>
-          <p:cNvPr id="3" name="Datumsplatzhalter 2"/>
-          <p:cNvSpPr>
-            <a:spLocks noGrp="1"/>
-          </p:cNvSpPr>
-          <p:nvPr>
-            <p:ph type="dt" sz="half" idx="10"/>
-          </p:nvPr>
-        </p:nvSpPr>
-        <p:spPr/>
-        <p:txBody>
-          <a:bodyPr/>
-          <a:lstStyle/>
-          <a:p>
-            <a:r>
-              <a:rPr lang="de-AT" smtClean="0"/>
-              <a:t>Regex - Stefan Huber</a:t>
-            </a:r>
-            <a:endParaRPr lang="de-AT"/>
-          </a:p>
-        </p:txBody>
-      </p:sp>
-      <p:sp>
-        <p:nvSpPr>
-          <p:cNvPr id="5" name="Foliennummernplatzhalter 4"/>
-          <p:cNvSpPr>
-            <a:spLocks noGrp="1"/>
-          </p:cNvSpPr>
-          <p:nvPr>
-            <p:ph type="sldNum" sz="quarter" idx="12"/>
-          </p:nvPr>
-        </p:nvSpPr>
-        <p:spPr/>
-        <p:txBody>
-          <a:bodyPr/>
-          <a:lstStyle/>
-          <a:p>
-            <a:fld id="{8EAD676A-C7A8-4218-B78E-F87D87864F23}" type="slidenum">
-              <a:rPr lang="de-AT" smtClean="0"/>
-              <a:t>9</a:t>
-            </a:fld>
-            <a:endParaRPr lang="de-AT"/>
-          </a:p>
-        </p:txBody>
-      </p:sp>
-    </p:spTree>
-    <p:extLst>
-      <p:ext uri="{BB962C8B-B14F-4D97-AF65-F5344CB8AC3E}">
-        <p14:creationId xmlns:p14="http://schemas.microsoft.com/office/powerpoint/2010/main" val="2318834180"/>
-      </p:ext>
-    </p:extLst>
-  </p:cSld>
-  <p:clrMapOvr>
-    <a:masterClrMapping/>
-  </p:clrMapOvr>
+  <p:timing>
+    <p:tnLst>
+      <p:par>
+        <p:cTn id="1" dur="indefinite" restart="never" nodeType="tmRoot"/>
+      </p:par>
+    </p:tnLst>
+  </p:timing>
 </p:sld>
 </file>
 
